--- a/Predicting Ethereum.pptx
+++ b/Predicting Ethereum.pptx
@@ -10,6 +10,10 @@
     <p:sldId id="258" r:id="rId4"/>
     <p:sldId id="259" r:id="rId5"/>
     <p:sldId id="260" r:id="rId6"/>
+    <p:sldId id="264" r:id="rId7"/>
+    <p:sldId id="261" r:id="rId8"/>
+    <p:sldId id="262" r:id="rId9"/>
+    <p:sldId id="263" r:id="rId10"/>
   </p:sldIdLst>
   <p:sldSz cx="12192000" cy="6858000"/>
   <p:notesSz cx="6858000" cy="9144000"/>
@@ -108,6 +112,11 @@
       </a:defRPr>
     </a:lvl9pPr>
   </p:defaultTextStyle>
+  <p:extLst>
+    <p:ext uri="{EFAFB233-063F-42B5-8137-9DF3F51BA10A}">
+      <p15:sldGuideLst xmlns:p15="http://schemas.microsoft.com/office/powerpoint/2012/main"/>
+    </p:ext>
+  </p:extLst>
 </p:presentation>
 </file>
 
@@ -301,7 +310,7 @@
           <a:p>
             <a:fld id="{4AAD347D-5ACD-4C99-B74B-A9C85AD731AF}" type="datetimeFigureOut">
               <a:rPr lang="en-US" dirty="0"/>
-              <a:t>10/19/2017</a:t>
+              <a:t>10/20/2017</a:t>
             </a:fld>
             <a:endParaRPr lang="en-US" dirty="0"/>
           </a:p>
@@ -571,7 +580,7 @@
           <a:p>
             <a:fld id="{4509A250-FF31-4206-8172-F9D3106AACB1}" type="datetimeFigureOut">
               <a:rPr lang="en-US" dirty="0"/>
-              <a:t>10/19/2017</a:t>
+              <a:t>10/20/2017</a:t>
             </a:fld>
             <a:endParaRPr lang="en-US" dirty="0"/>
           </a:p>
@@ -760,7 +769,7 @@
           <a:p>
             <a:fld id="{4509A250-FF31-4206-8172-F9D3106AACB1}" type="datetimeFigureOut">
               <a:rPr lang="en-US" dirty="0"/>
-              <a:t>10/19/2017</a:t>
+              <a:t>10/20/2017</a:t>
             </a:fld>
             <a:endParaRPr lang="en-US" dirty="0"/>
           </a:p>
@@ -1028,7 +1037,7 @@
           <a:p>
             <a:fld id="{4509A250-FF31-4206-8172-F9D3106AACB1}" type="datetimeFigureOut">
               <a:rPr lang="en-US" dirty="0"/>
-              <a:t>10/19/2017</a:t>
+              <a:t>10/20/2017</a:t>
             </a:fld>
             <a:endParaRPr lang="en-US" dirty="0"/>
           </a:p>
@@ -1364,7 +1373,7 @@
           <a:p>
             <a:fld id="{4509A250-FF31-4206-8172-F9D3106AACB1}" type="datetimeFigureOut">
               <a:rPr lang="en-US" dirty="0"/>
-              <a:t>10/19/2017</a:t>
+              <a:t>10/20/2017</a:t>
             </a:fld>
             <a:endParaRPr lang="en-US" dirty="0"/>
           </a:p>
@@ -1982,7 +1991,7 @@
           <a:p>
             <a:fld id="{4509A250-FF31-4206-8172-F9D3106AACB1}" type="datetimeFigureOut">
               <a:rPr lang="en-US" dirty="0"/>
-              <a:t>10/19/2017</a:t>
+              <a:t>10/20/2017</a:t>
             </a:fld>
             <a:endParaRPr lang="en-US" dirty="0"/>
           </a:p>
@@ -2837,7 +2846,7 @@
           <a:p>
             <a:fld id="{4509A250-FF31-4206-8172-F9D3106AACB1}" type="datetimeFigureOut">
               <a:rPr lang="en-US" dirty="0"/>
-              <a:t>10/19/2017</a:t>
+              <a:t>10/20/2017</a:t>
             </a:fld>
             <a:endParaRPr lang="en-US" dirty="0"/>
           </a:p>
@@ -3002,7 +3011,7 @@
           <a:p>
             <a:fld id="{4509A250-FF31-4206-8172-F9D3106AACB1}" type="datetimeFigureOut">
               <a:rPr lang="en-US" dirty="0"/>
-              <a:t>10/19/2017</a:t>
+              <a:t>10/20/2017</a:t>
             </a:fld>
             <a:endParaRPr lang="en-US" dirty="0"/>
           </a:p>
@@ -3177,7 +3186,7 @@
           <a:p>
             <a:fld id="{4509A250-FF31-4206-8172-F9D3106AACB1}" type="datetimeFigureOut">
               <a:rPr lang="en-US" dirty="0"/>
-              <a:t>10/19/2017</a:t>
+              <a:t>10/20/2017</a:t>
             </a:fld>
             <a:endParaRPr lang="en-US" dirty="0"/>
           </a:p>
@@ -3342,7 +3351,7 @@
           <a:p>
             <a:fld id="{4509A250-FF31-4206-8172-F9D3106AACB1}" type="datetimeFigureOut">
               <a:rPr lang="en-US" dirty="0"/>
-              <a:t>10/19/2017</a:t>
+              <a:t>10/20/2017</a:t>
             </a:fld>
             <a:endParaRPr lang="en-US" dirty="0"/>
           </a:p>
@@ -3584,7 +3593,7 @@
           <a:p>
             <a:fld id="{9796027F-7875-4030-9381-8BD8C4F21935}" type="datetimeFigureOut">
               <a:rPr lang="en-US" dirty="0"/>
-              <a:t>10/19/2017</a:t>
+              <a:t>10/20/2017</a:t>
             </a:fld>
             <a:endParaRPr lang="en-US" dirty="0"/>
           </a:p>
@@ -3871,7 +3880,7 @@
           <a:p>
             <a:fld id="{9796027F-7875-4030-9381-8BD8C4F21935}" type="datetimeFigureOut">
               <a:rPr lang="en-US" dirty="0"/>
-              <a:t>10/19/2017</a:t>
+              <a:t>10/20/2017</a:t>
             </a:fld>
             <a:endParaRPr lang="en-US" dirty="0"/>
           </a:p>
@@ -4310,7 +4319,7 @@
           <a:p>
             <a:fld id="{9796027F-7875-4030-9381-8BD8C4F21935}" type="datetimeFigureOut">
               <a:rPr lang="en-US" dirty="0"/>
-              <a:t>10/19/2017</a:t>
+              <a:t>10/20/2017</a:t>
             </a:fld>
             <a:endParaRPr lang="en-US" dirty="0"/>
           </a:p>
@@ -4423,7 +4432,7 @@
           <a:p>
             <a:fld id="{4509A250-FF31-4206-8172-F9D3106AACB1}" type="datetimeFigureOut">
               <a:rPr lang="en-US" dirty="0"/>
-              <a:t>10/19/2017</a:t>
+              <a:t>10/20/2017</a:t>
             </a:fld>
             <a:endParaRPr lang="en-US" dirty="0"/>
           </a:p>
@@ -4513,7 +4522,7 @@
           <a:p>
             <a:fld id="{4509A250-FF31-4206-8172-F9D3106AACB1}" type="datetimeFigureOut">
               <a:rPr lang="en-US" dirty="0"/>
-              <a:t>10/19/2017</a:t>
+              <a:t>10/20/2017</a:t>
             </a:fld>
             <a:endParaRPr lang="en-US" dirty="0"/>
           </a:p>
@@ -4787,7 +4796,7 @@
           <a:p>
             <a:fld id="{4509A250-FF31-4206-8172-F9D3106AACB1}" type="datetimeFigureOut">
               <a:rPr lang="en-US" dirty="0"/>
-              <a:t>10/19/2017</a:t>
+              <a:t>10/20/2017</a:t>
             </a:fld>
             <a:endParaRPr lang="en-US" dirty="0"/>
           </a:p>
@@ -5057,7 +5066,7 @@
           <a:p>
             <a:fld id="{4509A250-FF31-4206-8172-F9D3106AACB1}" type="datetimeFigureOut">
               <a:rPr lang="en-US" dirty="0"/>
-              <a:t>10/19/2017</a:t>
+              <a:t>10/20/2017</a:t>
             </a:fld>
             <a:endParaRPr lang="en-US" dirty="0"/>
           </a:p>
@@ -5481,7 +5490,7 @@
           <a:p>
             <a:fld id="{4AAD347D-5ACD-4C99-B74B-A9C85AD731AF}" type="datetimeFigureOut">
               <a:rPr lang="en-US" dirty="0"/>
-              <a:t>10/19/2017</a:t>
+              <a:t>10/20/2017</a:t>
             </a:fld>
             <a:endParaRPr lang="en-US" dirty="0"/>
           </a:p>
@@ -7351,7 +7360,10 @@
           <a:bodyPr/>
           <a:lstStyle/>
           <a:p>
-            <a:endParaRPr lang="en-US"/>
+            <a:r>
+              <a:rPr lang="en-US" dirty="0"/>
+              <a:t>Getting the Data</a:t>
+            </a:r>
           </a:p>
         </p:txBody>
       </p:sp>
@@ -7431,7 +7443,10 @@
           <a:bodyPr/>
           <a:lstStyle/>
           <a:p>
-            <a:endParaRPr lang="en-US"/>
+            <a:r>
+              <a:rPr lang="en-US" dirty="0"/>
+              <a:t>Data Engineering</a:t>
+            </a:r>
           </a:p>
         </p:txBody>
       </p:sp>
@@ -7464,6 +7479,375 @@
     <p:extLst>
       <p:ext uri="{BB962C8B-B14F-4D97-AF65-F5344CB8AC3E}">
         <p14:creationId xmlns:p14="http://schemas.microsoft.com/office/powerpoint/2010/main" val="1208084906"/>
+      </p:ext>
+    </p:extLst>
+  </p:cSld>
+  <p:clrMapOvr>
+    <a:masterClrMapping/>
+  </p:clrMapOvr>
+</p:sld>
+</file>
+
+<file path=ppt/slides/slide6.xml><?xml version="1.0" encoding="utf-8"?>
+<p:sld xmlns:a="http://schemas.openxmlformats.org/drawingml/2006/main" xmlns:r="http://schemas.openxmlformats.org/officeDocument/2006/relationships" xmlns:p="http://schemas.openxmlformats.org/presentationml/2006/main">
+  <p:cSld>
+    <p:spTree>
+      <p:nvGrpSpPr>
+        <p:cNvPr id="1" name=""/>
+        <p:cNvGrpSpPr/>
+        <p:nvPr/>
+      </p:nvGrpSpPr>
+      <p:grpSpPr>
+        <a:xfrm>
+          <a:off x="0" y="0"/>
+          <a:ext cx="0" cy="0"/>
+          <a:chOff x="0" y="0"/>
+          <a:chExt cx="0" cy="0"/>
+        </a:xfrm>
+      </p:grpSpPr>
+      <p:sp>
+        <p:nvSpPr>
+          <p:cNvPr id="2" name="Title 1">
+            <a:extLst>
+              <a:ext uri="{FF2B5EF4-FFF2-40B4-BE49-F238E27FC236}">
+                <a16:creationId xmlns:a16="http://schemas.microsoft.com/office/drawing/2014/main" id="{DFBBFE5F-0AAD-4A5D-AB09-16A65A387EFF}"/>
+              </a:ext>
+            </a:extLst>
+          </p:cNvPr>
+          <p:cNvSpPr>
+            <a:spLocks noGrp="1"/>
+          </p:cNvSpPr>
+          <p:nvPr>
+            <p:ph type="title"/>
+          </p:nvPr>
+        </p:nvSpPr>
+        <p:spPr/>
+        <p:txBody>
+          <a:bodyPr/>
+          <a:lstStyle/>
+          <a:p>
+            <a:r>
+              <a:rPr lang="en-US" dirty="0"/>
+              <a:t>Exploratory</a:t>
+            </a:r>
+          </a:p>
+        </p:txBody>
+      </p:sp>
+      <p:sp>
+        <p:nvSpPr>
+          <p:cNvPr id="3" name="Content Placeholder 2">
+            <a:extLst>
+              <a:ext uri="{FF2B5EF4-FFF2-40B4-BE49-F238E27FC236}">
+                <a16:creationId xmlns:a16="http://schemas.microsoft.com/office/drawing/2014/main" id="{39FBA831-EDA0-4F1E-B9AF-AA42FBA8809E}"/>
+              </a:ext>
+            </a:extLst>
+          </p:cNvPr>
+          <p:cNvSpPr>
+            <a:spLocks noGrp="1"/>
+          </p:cNvSpPr>
+          <p:nvPr>
+            <p:ph idx="1"/>
+          </p:nvPr>
+        </p:nvSpPr>
+        <p:spPr/>
+        <p:txBody>
+          <a:bodyPr/>
+          <a:lstStyle/>
+          <a:p>
+            <a:endParaRPr lang="en-US"/>
+          </a:p>
+        </p:txBody>
+      </p:sp>
+    </p:spTree>
+    <p:extLst>
+      <p:ext uri="{BB962C8B-B14F-4D97-AF65-F5344CB8AC3E}">
+        <p14:creationId xmlns:p14="http://schemas.microsoft.com/office/powerpoint/2010/main" val="2653239483"/>
+      </p:ext>
+    </p:extLst>
+  </p:cSld>
+  <p:clrMapOvr>
+    <a:masterClrMapping/>
+  </p:clrMapOvr>
+</p:sld>
+</file>
+
+<file path=ppt/slides/slide7.xml><?xml version="1.0" encoding="utf-8"?>
+<p:sld xmlns:a="http://schemas.openxmlformats.org/drawingml/2006/main" xmlns:r="http://schemas.openxmlformats.org/officeDocument/2006/relationships" xmlns:p="http://schemas.openxmlformats.org/presentationml/2006/main">
+  <p:cSld>
+    <p:spTree>
+      <p:nvGrpSpPr>
+        <p:cNvPr id="1" name=""/>
+        <p:cNvGrpSpPr/>
+        <p:nvPr/>
+      </p:nvGrpSpPr>
+      <p:grpSpPr>
+        <a:xfrm>
+          <a:off x="0" y="0"/>
+          <a:ext cx="0" cy="0"/>
+          <a:chOff x="0" y="0"/>
+          <a:chExt cx="0" cy="0"/>
+        </a:xfrm>
+      </p:grpSpPr>
+      <p:sp>
+        <p:nvSpPr>
+          <p:cNvPr id="2" name="Title 1">
+            <a:extLst>
+              <a:ext uri="{FF2B5EF4-FFF2-40B4-BE49-F238E27FC236}">
+                <a16:creationId xmlns:a16="http://schemas.microsoft.com/office/drawing/2014/main" id="{5679AF82-672C-4815-BBC3-B0AF43111038}"/>
+              </a:ext>
+            </a:extLst>
+          </p:cNvPr>
+          <p:cNvSpPr>
+            <a:spLocks noGrp="1"/>
+          </p:cNvSpPr>
+          <p:nvPr>
+            <p:ph type="title"/>
+          </p:nvPr>
+        </p:nvSpPr>
+        <p:spPr/>
+        <p:txBody>
+          <a:bodyPr/>
+          <a:lstStyle/>
+          <a:p>
+            <a:r>
+              <a:rPr lang="en-US" dirty="0"/>
+              <a:t>Models To Evaluate</a:t>
+            </a:r>
+          </a:p>
+        </p:txBody>
+      </p:sp>
+      <p:sp>
+        <p:nvSpPr>
+          <p:cNvPr id="3" name="Content Placeholder 2">
+            <a:extLst>
+              <a:ext uri="{FF2B5EF4-FFF2-40B4-BE49-F238E27FC236}">
+                <a16:creationId xmlns:a16="http://schemas.microsoft.com/office/drawing/2014/main" id="{0239F6B2-69DD-46CF-B5A4-B7BF6B254C5F}"/>
+              </a:ext>
+            </a:extLst>
+          </p:cNvPr>
+          <p:cNvSpPr>
+            <a:spLocks noGrp="1"/>
+          </p:cNvSpPr>
+          <p:nvPr>
+            <p:ph idx="1"/>
+          </p:nvPr>
+        </p:nvSpPr>
+        <p:spPr/>
+        <p:txBody>
+          <a:bodyPr/>
+          <a:lstStyle/>
+          <a:p>
+            <a:r>
+              <a:rPr lang="en-US" dirty="0"/>
+              <a:t>ARIMA</a:t>
+            </a:r>
+          </a:p>
+          <a:p>
+            <a:r>
+              <a:rPr lang="en-US" dirty="0" err="1"/>
+              <a:t>FBProphet</a:t>
+            </a:r>
+            <a:r>
+              <a:rPr lang="en-US" dirty="0"/>
+              <a:t> – Timeseries analysis, software provided by Facebook</a:t>
+            </a:r>
+          </a:p>
+          <a:p>
+            <a:r>
+              <a:rPr lang="en-US" dirty="0"/>
+              <a:t>Linear Regression</a:t>
+            </a:r>
+          </a:p>
+          <a:p>
+            <a:r>
+              <a:rPr lang="en-US" dirty="0"/>
+              <a:t>Ridge Regression</a:t>
+            </a:r>
+          </a:p>
+          <a:p>
+            <a:r>
+              <a:rPr lang="en-US" dirty="0"/>
+              <a:t>Lasso Regression</a:t>
+            </a:r>
+          </a:p>
+          <a:p>
+            <a:r>
+              <a:rPr lang="en-US" dirty="0"/>
+              <a:t>XGB Boost – Linear Regression</a:t>
+            </a:r>
+          </a:p>
+        </p:txBody>
+      </p:sp>
+    </p:spTree>
+    <p:extLst>
+      <p:ext uri="{BB962C8B-B14F-4D97-AF65-F5344CB8AC3E}">
+        <p14:creationId xmlns:p14="http://schemas.microsoft.com/office/powerpoint/2010/main" val="2357289827"/>
+      </p:ext>
+    </p:extLst>
+  </p:cSld>
+  <p:clrMapOvr>
+    <a:masterClrMapping/>
+  </p:clrMapOvr>
+</p:sld>
+</file>
+
+<file path=ppt/slides/slide8.xml><?xml version="1.0" encoding="utf-8"?>
+<p:sld xmlns:a="http://schemas.openxmlformats.org/drawingml/2006/main" xmlns:r="http://schemas.openxmlformats.org/officeDocument/2006/relationships" xmlns:p="http://schemas.openxmlformats.org/presentationml/2006/main">
+  <p:cSld>
+    <p:spTree>
+      <p:nvGrpSpPr>
+        <p:cNvPr id="1" name=""/>
+        <p:cNvGrpSpPr/>
+        <p:nvPr/>
+      </p:nvGrpSpPr>
+      <p:grpSpPr>
+        <a:xfrm>
+          <a:off x="0" y="0"/>
+          <a:ext cx="0" cy="0"/>
+          <a:chOff x="0" y="0"/>
+          <a:chExt cx="0" cy="0"/>
+        </a:xfrm>
+      </p:grpSpPr>
+      <p:sp>
+        <p:nvSpPr>
+          <p:cNvPr id="2" name="Title 1">
+            <a:extLst>
+              <a:ext uri="{FF2B5EF4-FFF2-40B4-BE49-F238E27FC236}">
+                <a16:creationId xmlns:a16="http://schemas.microsoft.com/office/drawing/2014/main" id="{742D7BF7-CA0C-4774-80FA-B92A1BCAAC16}"/>
+              </a:ext>
+            </a:extLst>
+          </p:cNvPr>
+          <p:cNvSpPr>
+            <a:spLocks noGrp="1"/>
+          </p:cNvSpPr>
+          <p:nvPr>
+            <p:ph type="title"/>
+          </p:nvPr>
+        </p:nvSpPr>
+        <p:spPr/>
+        <p:txBody>
+          <a:bodyPr/>
+          <a:lstStyle/>
+          <a:p>
+            <a:r>
+              <a:rPr lang="en-US" dirty="0"/>
+              <a:t>Model Selection</a:t>
+            </a:r>
+          </a:p>
+        </p:txBody>
+      </p:sp>
+      <p:sp>
+        <p:nvSpPr>
+          <p:cNvPr id="3" name="Content Placeholder 2">
+            <a:extLst>
+              <a:ext uri="{FF2B5EF4-FFF2-40B4-BE49-F238E27FC236}">
+                <a16:creationId xmlns:a16="http://schemas.microsoft.com/office/drawing/2014/main" id="{8F0FFEDD-11D8-42C3-9729-4ECEADAFFFE6}"/>
+              </a:ext>
+            </a:extLst>
+          </p:cNvPr>
+          <p:cNvSpPr>
+            <a:spLocks noGrp="1"/>
+          </p:cNvSpPr>
+          <p:nvPr>
+            <p:ph idx="1"/>
+          </p:nvPr>
+        </p:nvSpPr>
+        <p:spPr/>
+        <p:txBody>
+          <a:bodyPr/>
+          <a:lstStyle/>
+          <a:p>
+            <a:endParaRPr lang="en-US"/>
+          </a:p>
+        </p:txBody>
+      </p:sp>
+    </p:spTree>
+    <p:extLst>
+      <p:ext uri="{BB962C8B-B14F-4D97-AF65-F5344CB8AC3E}">
+        <p14:creationId xmlns:p14="http://schemas.microsoft.com/office/powerpoint/2010/main" val="2188148499"/>
+      </p:ext>
+    </p:extLst>
+  </p:cSld>
+  <p:clrMapOvr>
+    <a:masterClrMapping/>
+  </p:clrMapOvr>
+</p:sld>
+</file>
+
+<file path=ppt/slides/slide9.xml><?xml version="1.0" encoding="utf-8"?>
+<p:sld xmlns:a="http://schemas.openxmlformats.org/drawingml/2006/main" xmlns:r="http://schemas.openxmlformats.org/officeDocument/2006/relationships" xmlns:p="http://schemas.openxmlformats.org/presentationml/2006/main">
+  <p:cSld>
+    <p:spTree>
+      <p:nvGrpSpPr>
+        <p:cNvPr id="1" name=""/>
+        <p:cNvGrpSpPr/>
+        <p:nvPr/>
+      </p:nvGrpSpPr>
+      <p:grpSpPr>
+        <a:xfrm>
+          <a:off x="0" y="0"/>
+          <a:ext cx="0" cy="0"/>
+          <a:chOff x="0" y="0"/>
+          <a:chExt cx="0" cy="0"/>
+        </a:xfrm>
+      </p:grpSpPr>
+      <p:sp>
+        <p:nvSpPr>
+          <p:cNvPr id="2" name="Title 1">
+            <a:extLst>
+              <a:ext uri="{FF2B5EF4-FFF2-40B4-BE49-F238E27FC236}">
+                <a16:creationId xmlns:a16="http://schemas.microsoft.com/office/drawing/2014/main" id="{15C5F191-0189-48D0-BA9C-1FF22BB46B7B}"/>
+              </a:ext>
+            </a:extLst>
+          </p:cNvPr>
+          <p:cNvSpPr>
+            <a:spLocks noGrp="1"/>
+          </p:cNvSpPr>
+          <p:nvPr>
+            <p:ph type="title"/>
+          </p:nvPr>
+        </p:nvSpPr>
+        <p:spPr/>
+        <p:txBody>
+          <a:bodyPr/>
+          <a:lstStyle/>
+          <a:p>
+            <a:r>
+              <a:rPr lang="en-US" dirty="0"/>
+              <a:t>Results</a:t>
+            </a:r>
+          </a:p>
+        </p:txBody>
+      </p:sp>
+      <p:sp>
+        <p:nvSpPr>
+          <p:cNvPr id="3" name="Content Placeholder 2">
+            <a:extLst>
+              <a:ext uri="{FF2B5EF4-FFF2-40B4-BE49-F238E27FC236}">
+                <a16:creationId xmlns:a16="http://schemas.microsoft.com/office/drawing/2014/main" id="{202007BA-94B6-4A0D-86C0-14E176031610}"/>
+              </a:ext>
+            </a:extLst>
+          </p:cNvPr>
+          <p:cNvSpPr>
+            <a:spLocks noGrp="1"/>
+          </p:cNvSpPr>
+          <p:nvPr>
+            <p:ph idx="1"/>
+          </p:nvPr>
+        </p:nvSpPr>
+        <p:spPr/>
+        <p:txBody>
+          <a:bodyPr/>
+          <a:lstStyle/>
+          <a:p>
+            <a:endParaRPr lang="en-US"/>
+          </a:p>
+        </p:txBody>
+      </p:sp>
+    </p:spTree>
+    <p:extLst>
+      <p:ext uri="{BB962C8B-B14F-4D97-AF65-F5344CB8AC3E}">
+        <p14:creationId xmlns:p14="http://schemas.microsoft.com/office/powerpoint/2010/main" val="1477519237"/>
       </p:ext>
     </p:extLst>
   </p:cSld>

--- a/Predicting Ethereum.pptx
+++ b/Predicting Ethereum.pptx
@@ -10,10 +10,17 @@
     <p:sldId id="258" r:id="rId4"/>
     <p:sldId id="259" r:id="rId5"/>
     <p:sldId id="260" r:id="rId6"/>
-    <p:sldId id="264" r:id="rId7"/>
-    <p:sldId id="261" r:id="rId8"/>
-    <p:sldId id="262" r:id="rId9"/>
-    <p:sldId id="263" r:id="rId10"/>
+    <p:sldId id="265" r:id="rId7"/>
+    <p:sldId id="264" r:id="rId8"/>
+    <p:sldId id="261" r:id="rId9"/>
+    <p:sldId id="262" r:id="rId10"/>
+    <p:sldId id="269" r:id="rId11"/>
+    <p:sldId id="267" r:id="rId12"/>
+    <p:sldId id="268" r:id="rId13"/>
+    <p:sldId id="270" r:id="rId14"/>
+    <p:sldId id="271" r:id="rId15"/>
+    <p:sldId id="263" r:id="rId16"/>
+    <p:sldId id="272" r:id="rId17"/>
   </p:sldIdLst>
   <p:sldSz cx="12192000" cy="6858000"/>
   <p:notesSz cx="6858000" cy="9144000"/>
@@ -6071,7 +6078,7 @@
         <p:spPr>
           <a:xfrm>
             <a:off x="1154955" y="4777380"/>
-            <a:ext cx="8825658" cy="1141282"/>
+            <a:ext cx="8825658" cy="1468300"/>
           </a:xfrm>
         </p:spPr>
         <p:txBody>
@@ -6087,14 +6094,20 @@
           </a:p>
           <a:p>
             <a:r>
-              <a:rPr lang="en-US" sz="1600" dirty="0"/>
+              <a:rPr lang="en-US" sz="1200" dirty="0"/>
               <a:t>John Neville</a:t>
             </a:r>
           </a:p>
           <a:p>
             <a:r>
-              <a:rPr lang="en-US" sz="1600" dirty="0"/>
+              <a:rPr lang="en-US" sz="1200" dirty="0"/>
               <a:t>Regis University</a:t>
+            </a:r>
+          </a:p>
+          <a:p>
+            <a:r>
+              <a:rPr lang="en-US" sz="1200" dirty="0"/>
+              <a:t>https://github.com/DSNeville/Practicum</a:t>
             </a:r>
           </a:p>
           <a:p>
@@ -6106,6 +6119,1412 @@
     <p:extLst>
       <p:ext uri="{BB962C8B-B14F-4D97-AF65-F5344CB8AC3E}">
         <p14:creationId xmlns:p14="http://schemas.microsoft.com/office/powerpoint/2010/main" val="3118560226"/>
+      </p:ext>
+    </p:extLst>
+  </p:cSld>
+  <p:clrMapOvr>
+    <a:masterClrMapping/>
+  </p:clrMapOvr>
+</p:sld>
+</file>
+
+<file path=ppt/slides/slide10.xml><?xml version="1.0" encoding="utf-8"?>
+<p:sld xmlns:a="http://schemas.openxmlformats.org/drawingml/2006/main" xmlns:r="http://schemas.openxmlformats.org/officeDocument/2006/relationships" xmlns:p="http://schemas.openxmlformats.org/presentationml/2006/main">
+  <p:cSld>
+    <p:spTree>
+      <p:nvGrpSpPr>
+        <p:cNvPr id="1" name=""/>
+        <p:cNvGrpSpPr/>
+        <p:nvPr/>
+      </p:nvGrpSpPr>
+      <p:grpSpPr>
+        <a:xfrm>
+          <a:off x="0" y="0"/>
+          <a:ext cx="0" cy="0"/>
+          <a:chOff x="0" y="0"/>
+          <a:chExt cx="0" cy="0"/>
+        </a:xfrm>
+      </p:grpSpPr>
+      <p:sp>
+        <p:nvSpPr>
+          <p:cNvPr id="2" name="Title 1">
+            <a:extLst>
+              <a:ext uri="{FF2B5EF4-FFF2-40B4-BE49-F238E27FC236}">
+                <a16:creationId xmlns:a16="http://schemas.microsoft.com/office/drawing/2014/main" id="{240EBDBB-4E56-44DB-9901-20B8FD871F4D}"/>
+              </a:ext>
+            </a:extLst>
+          </p:cNvPr>
+          <p:cNvSpPr>
+            <a:spLocks noGrp="1"/>
+          </p:cNvSpPr>
+          <p:nvPr>
+            <p:ph type="title"/>
+          </p:nvPr>
+        </p:nvSpPr>
+        <p:spPr>
+          <a:xfrm>
+            <a:off x="646111" y="452718"/>
+            <a:ext cx="9404723" cy="750440"/>
+          </a:xfrm>
+        </p:spPr>
+        <p:txBody>
+          <a:bodyPr/>
+          <a:lstStyle/>
+          <a:p>
+            <a:r>
+              <a:rPr lang="en-US" dirty="0" err="1"/>
+              <a:t>FBProphet</a:t>
+            </a:r>
+            <a:endParaRPr lang="en-US" dirty="0"/>
+          </a:p>
+        </p:txBody>
+      </p:sp>
+      <p:pic>
+        <p:nvPicPr>
+          <p:cNvPr id="4" name="Content Placeholder 3">
+            <a:extLst>
+              <a:ext uri="{FF2B5EF4-FFF2-40B4-BE49-F238E27FC236}">
+                <a16:creationId xmlns:a16="http://schemas.microsoft.com/office/drawing/2014/main" id="{044A2DDC-5E06-49D1-A21D-473C364FBF20}"/>
+              </a:ext>
+            </a:extLst>
+          </p:cNvPr>
+          <p:cNvPicPr>
+            <a:picLocks noGrp="1" noChangeAspect="1"/>
+          </p:cNvPicPr>
+          <p:nvPr>
+            <p:ph idx="1"/>
+          </p:nvPr>
+        </p:nvPicPr>
+        <p:blipFill>
+          <a:blip r:embed="rId2"/>
+          <a:stretch>
+            <a:fillRect/>
+          </a:stretch>
+        </p:blipFill>
+        <p:spPr>
+          <a:xfrm>
+            <a:off x="289110" y="2024454"/>
+            <a:ext cx="5608319" cy="3374633"/>
+          </a:xfrm>
+          <a:prstGeom prst="rect">
+            <a:avLst/>
+          </a:prstGeom>
+        </p:spPr>
+      </p:pic>
+      <p:pic>
+        <p:nvPicPr>
+          <p:cNvPr id="5" name="Picture 4">
+            <a:extLst>
+              <a:ext uri="{FF2B5EF4-FFF2-40B4-BE49-F238E27FC236}">
+                <a16:creationId xmlns:a16="http://schemas.microsoft.com/office/drawing/2014/main" id="{01B1C16A-95D6-4AC0-8AC6-02C00B93B89B}"/>
+              </a:ext>
+            </a:extLst>
+          </p:cNvPr>
+          <p:cNvPicPr>
+            <a:picLocks noChangeAspect="1"/>
+          </p:cNvPicPr>
+          <p:nvPr/>
+        </p:nvPicPr>
+        <p:blipFill>
+          <a:blip r:embed="rId3"/>
+          <a:stretch>
+            <a:fillRect/>
+          </a:stretch>
+        </p:blipFill>
+        <p:spPr>
+          <a:xfrm>
+            <a:off x="6155104" y="1267379"/>
+            <a:ext cx="5767706" cy="3407815"/>
+          </a:xfrm>
+          <a:prstGeom prst="rect">
+            <a:avLst/>
+          </a:prstGeom>
+        </p:spPr>
+      </p:pic>
+      <p:sp>
+        <p:nvSpPr>
+          <p:cNvPr id="6" name="TextBox 5">
+            <a:extLst>
+              <a:ext uri="{FF2B5EF4-FFF2-40B4-BE49-F238E27FC236}">
+                <a16:creationId xmlns:a16="http://schemas.microsoft.com/office/drawing/2014/main" id="{E3A7E33B-AD88-4C98-AED4-89F765BCE984}"/>
+              </a:ext>
+            </a:extLst>
+          </p:cNvPr>
+          <p:cNvSpPr txBox="1"/>
+          <p:nvPr/>
+        </p:nvSpPr>
+        <p:spPr>
+          <a:xfrm>
+            <a:off x="1550827" y="1252995"/>
+            <a:ext cx="2290813" cy="646331"/>
+          </a:xfrm>
+          <a:prstGeom prst="rect">
+            <a:avLst/>
+          </a:prstGeom>
+          <a:noFill/>
+        </p:spPr>
+        <p:txBody>
+          <a:bodyPr wrap="square" rtlCol="0">
+            <a:spAutoFit/>
+          </a:bodyPr>
+          <a:lstStyle/>
+          <a:p>
+            <a:r>
+              <a:rPr lang="en-US" dirty="0"/>
+              <a:t>All Data:</a:t>
+            </a:r>
+          </a:p>
+          <a:p>
+            <a:r>
+              <a:rPr lang="en-US" dirty="0"/>
+              <a:t>High Forecasts</a:t>
+            </a:r>
+          </a:p>
+        </p:txBody>
+      </p:sp>
+      <p:sp>
+        <p:nvSpPr>
+          <p:cNvPr id="7" name="TextBox 6">
+            <a:extLst>
+              <a:ext uri="{FF2B5EF4-FFF2-40B4-BE49-F238E27FC236}">
+                <a16:creationId xmlns:a16="http://schemas.microsoft.com/office/drawing/2014/main" id="{D2D2BDFC-B8BA-4456-BA7B-76A56D50341B}"/>
+              </a:ext>
+            </a:extLst>
+          </p:cNvPr>
+          <p:cNvSpPr txBox="1"/>
+          <p:nvPr/>
+        </p:nvSpPr>
+        <p:spPr>
+          <a:xfrm>
+            <a:off x="6155104" y="556963"/>
+            <a:ext cx="3187566" cy="646331"/>
+          </a:xfrm>
+          <a:prstGeom prst="rect">
+            <a:avLst/>
+          </a:prstGeom>
+          <a:noFill/>
+        </p:spPr>
+        <p:txBody>
+          <a:bodyPr wrap="square" rtlCol="0">
+            <a:spAutoFit/>
+          </a:bodyPr>
+          <a:lstStyle/>
+          <a:p>
+            <a:r>
+              <a:rPr lang="en-US" dirty="0"/>
+              <a:t>This Year Only:</a:t>
+            </a:r>
+          </a:p>
+          <a:p>
+            <a:r>
+              <a:rPr lang="en-US" dirty="0"/>
+              <a:t>Not as inflated</a:t>
+            </a:r>
+          </a:p>
+        </p:txBody>
+      </p:sp>
+      <p:sp>
+        <p:nvSpPr>
+          <p:cNvPr id="8" name="TextBox 7">
+            <a:extLst>
+              <a:ext uri="{FF2B5EF4-FFF2-40B4-BE49-F238E27FC236}">
+                <a16:creationId xmlns:a16="http://schemas.microsoft.com/office/drawing/2014/main" id="{9D106547-0E87-4E56-905C-54F32506BE6F}"/>
+              </a:ext>
+            </a:extLst>
+          </p:cNvPr>
+          <p:cNvSpPr txBox="1"/>
+          <p:nvPr/>
+        </p:nvSpPr>
+        <p:spPr>
+          <a:xfrm>
+            <a:off x="6155104" y="4739552"/>
+            <a:ext cx="3187566" cy="369332"/>
+          </a:xfrm>
+          <a:prstGeom prst="rect">
+            <a:avLst/>
+          </a:prstGeom>
+          <a:noFill/>
+        </p:spPr>
+        <p:txBody>
+          <a:bodyPr wrap="square" rtlCol="0">
+            <a:spAutoFit/>
+          </a:bodyPr>
+          <a:lstStyle/>
+          <a:p>
+            <a:r>
+              <a:rPr lang="en-US" dirty="0"/>
+              <a:t>Trend:</a:t>
+            </a:r>
+          </a:p>
+        </p:txBody>
+      </p:sp>
+      <p:pic>
+        <p:nvPicPr>
+          <p:cNvPr id="9" name="Picture 8">
+            <a:extLst>
+              <a:ext uri="{FF2B5EF4-FFF2-40B4-BE49-F238E27FC236}">
+                <a16:creationId xmlns:a16="http://schemas.microsoft.com/office/drawing/2014/main" id="{3CC4E5E0-B76A-4F03-BA9D-224A8976CF6E}"/>
+              </a:ext>
+            </a:extLst>
+          </p:cNvPr>
+          <p:cNvPicPr>
+            <a:picLocks noChangeAspect="1"/>
+          </p:cNvPicPr>
+          <p:nvPr/>
+        </p:nvPicPr>
+        <p:blipFill>
+          <a:blip r:embed="rId4"/>
+          <a:stretch>
+            <a:fillRect/>
+          </a:stretch>
+        </p:blipFill>
+        <p:spPr>
+          <a:xfrm>
+            <a:off x="7071395" y="5001600"/>
+            <a:ext cx="4161288" cy="1347838"/>
+          </a:xfrm>
+          <a:prstGeom prst="rect">
+            <a:avLst/>
+          </a:prstGeom>
+        </p:spPr>
+      </p:pic>
+    </p:spTree>
+    <p:extLst>
+      <p:ext uri="{BB962C8B-B14F-4D97-AF65-F5344CB8AC3E}">
+        <p14:creationId xmlns:p14="http://schemas.microsoft.com/office/powerpoint/2010/main" val="3820222293"/>
+      </p:ext>
+    </p:extLst>
+  </p:cSld>
+  <p:clrMapOvr>
+    <a:masterClrMapping/>
+  </p:clrMapOvr>
+</p:sld>
+</file>
+
+<file path=ppt/slides/slide11.xml><?xml version="1.0" encoding="utf-8"?>
+<p:sld xmlns:a="http://schemas.openxmlformats.org/drawingml/2006/main" xmlns:r="http://schemas.openxmlformats.org/officeDocument/2006/relationships" xmlns:p="http://schemas.openxmlformats.org/presentationml/2006/main">
+  <p:cSld>
+    <p:spTree>
+      <p:nvGrpSpPr>
+        <p:cNvPr id="1" name=""/>
+        <p:cNvGrpSpPr/>
+        <p:nvPr/>
+      </p:nvGrpSpPr>
+      <p:grpSpPr>
+        <a:xfrm>
+          <a:off x="0" y="0"/>
+          <a:ext cx="0" cy="0"/>
+          <a:chOff x="0" y="0"/>
+          <a:chExt cx="0" cy="0"/>
+        </a:xfrm>
+      </p:grpSpPr>
+      <p:sp>
+        <p:nvSpPr>
+          <p:cNvPr id="2" name="Title 1">
+            <a:extLst>
+              <a:ext uri="{FF2B5EF4-FFF2-40B4-BE49-F238E27FC236}">
+                <a16:creationId xmlns:a16="http://schemas.microsoft.com/office/drawing/2014/main" id="{C8B90DDC-C969-425F-A252-D527F868506C}"/>
+              </a:ext>
+            </a:extLst>
+          </p:cNvPr>
+          <p:cNvSpPr>
+            <a:spLocks noGrp="1"/>
+          </p:cNvSpPr>
+          <p:nvPr>
+            <p:ph type="title"/>
+          </p:nvPr>
+        </p:nvSpPr>
+        <p:spPr>
+          <a:xfrm>
+            <a:off x="646111" y="452718"/>
+            <a:ext cx="9404723" cy="1400530"/>
+          </a:xfrm>
+        </p:spPr>
+        <p:txBody>
+          <a:bodyPr/>
+          <a:lstStyle/>
+          <a:p>
+            <a:r>
+              <a:rPr lang="en-US" dirty="0"/>
+              <a:t>Linear Regression</a:t>
+            </a:r>
+          </a:p>
+        </p:txBody>
+      </p:sp>
+      <p:sp>
+        <p:nvSpPr>
+          <p:cNvPr id="3" name="Content Placeholder 2">
+            <a:extLst>
+              <a:ext uri="{FF2B5EF4-FFF2-40B4-BE49-F238E27FC236}">
+                <a16:creationId xmlns:a16="http://schemas.microsoft.com/office/drawing/2014/main" id="{ED0CD8BB-D5F7-4576-9DA7-32377D29E8F5}"/>
+              </a:ext>
+            </a:extLst>
+          </p:cNvPr>
+          <p:cNvSpPr>
+            <a:spLocks noGrp="1"/>
+          </p:cNvSpPr>
+          <p:nvPr>
+            <p:ph idx="1"/>
+          </p:nvPr>
+        </p:nvSpPr>
+        <p:spPr>
+          <a:xfrm>
+            <a:off x="646111" y="1463795"/>
+            <a:ext cx="6987495" cy="1139318"/>
+          </a:xfrm>
+        </p:spPr>
+        <p:txBody>
+          <a:bodyPr>
+            <a:normAutofit fontScale="92500" lnSpcReduction="10000"/>
+          </a:bodyPr>
+          <a:lstStyle/>
+          <a:p>
+            <a:r>
+              <a:rPr lang="en-US" dirty="0" err="1"/>
+              <a:t>xgb</a:t>
+            </a:r>
+            <a:r>
+              <a:rPr lang="en-US" dirty="0"/>
+              <a:t> Boost</a:t>
+            </a:r>
+          </a:p>
+          <a:p>
+            <a:r>
+              <a:rPr lang="en-US" dirty="0"/>
+              <a:t>Resamples data to get best fit</a:t>
+            </a:r>
+          </a:p>
+          <a:p>
+            <a:r>
+              <a:rPr lang="en-US" dirty="0"/>
+              <a:t>Avoids overfitting</a:t>
+            </a:r>
+          </a:p>
+          <a:p>
+            <a:pPr marL="0" indent="0">
+              <a:buNone/>
+            </a:pPr>
+            <a:endParaRPr lang="en-US" dirty="0"/>
+          </a:p>
+        </p:txBody>
+      </p:sp>
+      <p:pic>
+        <p:nvPicPr>
+          <p:cNvPr id="5" name="Picture 4">
+            <a:extLst>
+              <a:ext uri="{FF2B5EF4-FFF2-40B4-BE49-F238E27FC236}">
+                <a16:creationId xmlns:a16="http://schemas.microsoft.com/office/drawing/2014/main" id="{A053ECBB-F315-4919-917A-BC04775405B3}"/>
+              </a:ext>
+            </a:extLst>
+          </p:cNvPr>
+          <p:cNvPicPr>
+            <a:picLocks noChangeAspect="1"/>
+          </p:cNvPicPr>
+          <p:nvPr/>
+        </p:nvPicPr>
+        <p:blipFill>
+          <a:blip r:embed="rId2"/>
+          <a:stretch>
+            <a:fillRect/>
+          </a:stretch>
+        </p:blipFill>
+        <p:spPr>
+          <a:xfrm>
+            <a:off x="1493720" y="2707707"/>
+            <a:ext cx="8877300" cy="3771900"/>
+          </a:xfrm>
+          <a:prstGeom prst="rect">
+            <a:avLst/>
+          </a:prstGeom>
+        </p:spPr>
+      </p:pic>
+    </p:spTree>
+    <p:extLst>
+      <p:ext uri="{BB962C8B-B14F-4D97-AF65-F5344CB8AC3E}">
+        <p14:creationId xmlns:p14="http://schemas.microsoft.com/office/powerpoint/2010/main" val="972168128"/>
+      </p:ext>
+    </p:extLst>
+  </p:cSld>
+  <p:clrMapOvr>
+    <a:masterClrMapping/>
+  </p:clrMapOvr>
+</p:sld>
+</file>
+
+<file path=ppt/slides/slide12.xml><?xml version="1.0" encoding="utf-8"?>
+<p:sld xmlns:a="http://schemas.openxmlformats.org/drawingml/2006/main" xmlns:r="http://schemas.openxmlformats.org/officeDocument/2006/relationships" xmlns:p="http://schemas.openxmlformats.org/presentationml/2006/main">
+  <p:cSld>
+    <p:spTree>
+      <p:nvGrpSpPr>
+        <p:cNvPr id="1" name=""/>
+        <p:cNvGrpSpPr/>
+        <p:nvPr/>
+      </p:nvGrpSpPr>
+      <p:grpSpPr>
+        <a:xfrm>
+          <a:off x="0" y="0"/>
+          <a:ext cx="0" cy="0"/>
+          <a:chOff x="0" y="0"/>
+          <a:chExt cx="0" cy="0"/>
+        </a:xfrm>
+      </p:grpSpPr>
+      <p:sp>
+        <p:nvSpPr>
+          <p:cNvPr id="2" name="Title 1">
+            <a:extLst>
+              <a:ext uri="{FF2B5EF4-FFF2-40B4-BE49-F238E27FC236}">
+                <a16:creationId xmlns:a16="http://schemas.microsoft.com/office/drawing/2014/main" id="{B4F0E29B-5B78-48F8-A0FB-959F13CCAFB2}"/>
+              </a:ext>
+            </a:extLst>
+          </p:cNvPr>
+          <p:cNvSpPr>
+            <a:spLocks noGrp="1"/>
+          </p:cNvSpPr>
+          <p:nvPr>
+            <p:ph type="title"/>
+          </p:nvPr>
+        </p:nvSpPr>
+        <p:spPr>
+          <a:xfrm>
+            <a:off x="646111" y="452718"/>
+            <a:ext cx="9404723" cy="1400530"/>
+          </a:xfrm>
+        </p:spPr>
+        <p:txBody>
+          <a:bodyPr/>
+          <a:lstStyle/>
+          <a:p>
+            <a:r>
+              <a:rPr lang="en-US" dirty="0"/>
+              <a:t>Ridge Regression</a:t>
+            </a:r>
+          </a:p>
+        </p:txBody>
+      </p:sp>
+      <p:sp>
+        <p:nvSpPr>
+          <p:cNvPr id="3" name="Content Placeholder 2">
+            <a:extLst>
+              <a:ext uri="{FF2B5EF4-FFF2-40B4-BE49-F238E27FC236}">
+                <a16:creationId xmlns:a16="http://schemas.microsoft.com/office/drawing/2014/main" id="{70A51265-688C-4C54-9502-A030EC0B3C57}"/>
+              </a:ext>
+            </a:extLst>
+          </p:cNvPr>
+          <p:cNvSpPr>
+            <a:spLocks noGrp="1"/>
+          </p:cNvSpPr>
+          <p:nvPr>
+            <p:ph idx="1"/>
+          </p:nvPr>
+        </p:nvSpPr>
+        <p:spPr>
+          <a:xfrm>
+            <a:off x="646111" y="1407473"/>
+            <a:ext cx="6414019" cy="1075293"/>
+          </a:xfrm>
+        </p:spPr>
+        <p:txBody>
+          <a:bodyPr>
+            <a:normAutofit fontScale="92500" lnSpcReduction="20000"/>
+          </a:bodyPr>
+          <a:lstStyle/>
+          <a:p>
+            <a:r>
+              <a:rPr lang="en-US" dirty="0"/>
+              <a:t>Lower magnitude of coefficients </a:t>
+            </a:r>
+          </a:p>
+          <a:p>
+            <a:r>
+              <a:rPr lang="en-US" dirty="0"/>
+              <a:t>Helps with multicollinearity</a:t>
+            </a:r>
+          </a:p>
+          <a:p>
+            <a:r>
+              <a:rPr lang="en-US" dirty="0"/>
+              <a:t>Requires alpha tuning</a:t>
+            </a:r>
+          </a:p>
+        </p:txBody>
+      </p:sp>
+      <p:pic>
+        <p:nvPicPr>
+          <p:cNvPr id="4" name="Picture 3">
+            <a:extLst>
+              <a:ext uri="{FF2B5EF4-FFF2-40B4-BE49-F238E27FC236}">
+                <a16:creationId xmlns:a16="http://schemas.microsoft.com/office/drawing/2014/main" id="{BD1A3F38-AC44-49E1-B095-F9060686C114}"/>
+              </a:ext>
+            </a:extLst>
+          </p:cNvPr>
+          <p:cNvPicPr>
+            <a:picLocks noChangeAspect="1"/>
+          </p:cNvPicPr>
+          <p:nvPr/>
+        </p:nvPicPr>
+        <p:blipFill>
+          <a:blip r:embed="rId2"/>
+          <a:stretch>
+            <a:fillRect/>
+          </a:stretch>
+        </p:blipFill>
+        <p:spPr>
+          <a:xfrm>
+            <a:off x="1524458" y="2572573"/>
+            <a:ext cx="8839200" cy="4010025"/>
+          </a:xfrm>
+          <a:prstGeom prst="rect">
+            <a:avLst/>
+          </a:prstGeom>
+        </p:spPr>
+      </p:pic>
+    </p:spTree>
+    <p:extLst>
+      <p:ext uri="{BB962C8B-B14F-4D97-AF65-F5344CB8AC3E}">
+        <p14:creationId xmlns:p14="http://schemas.microsoft.com/office/powerpoint/2010/main" val="3044684313"/>
+      </p:ext>
+    </p:extLst>
+  </p:cSld>
+  <p:clrMapOvr>
+    <a:masterClrMapping/>
+  </p:clrMapOvr>
+</p:sld>
+</file>
+
+<file path=ppt/slides/slide13.xml><?xml version="1.0" encoding="utf-8"?>
+<p:sld xmlns:a="http://schemas.openxmlformats.org/drawingml/2006/main" xmlns:r="http://schemas.openxmlformats.org/officeDocument/2006/relationships" xmlns:p="http://schemas.openxmlformats.org/presentationml/2006/main">
+  <p:cSld>
+    <p:spTree>
+      <p:nvGrpSpPr>
+        <p:cNvPr id="1" name=""/>
+        <p:cNvGrpSpPr/>
+        <p:nvPr/>
+      </p:nvGrpSpPr>
+      <p:grpSpPr>
+        <a:xfrm>
+          <a:off x="0" y="0"/>
+          <a:ext cx="0" cy="0"/>
+          <a:chOff x="0" y="0"/>
+          <a:chExt cx="0" cy="0"/>
+        </a:xfrm>
+      </p:grpSpPr>
+      <p:sp>
+        <p:nvSpPr>
+          <p:cNvPr id="2" name="Title 1">
+            <a:extLst>
+              <a:ext uri="{FF2B5EF4-FFF2-40B4-BE49-F238E27FC236}">
+                <a16:creationId xmlns:a16="http://schemas.microsoft.com/office/drawing/2014/main" id="{A78FFF89-A3FF-44CE-A46A-4722B481EF29}"/>
+              </a:ext>
+            </a:extLst>
+          </p:cNvPr>
+          <p:cNvSpPr>
+            <a:spLocks noGrp="1"/>
+          </p:cNvSpPr>
+          <p:nvPr>
+            <p:ph type="title"/>
+          </p:nvPr>
+        </p:nvSpPr>
+        <p:spPr/>
+        <p:txBody>
+          <a:bodyPr/>
+          <a:lstStyle/>
+          <a:p>
+            <a:r>
+              <a:rPr lang="en-US" dirty="0"/>
+              <a:t>Lasso Regression</a:t>
+            </a:r>
+          </a:p>
+        </p:txBody>
+      </p:sp>
+      <p:sp>
+        <p:nvSpPr>
+          <p:cNvPr id="3" name="Content Placeholder 2">
+            <a:extLst>
+              <a:ext uri="{FF2B5EF4-FFF2-40B4-BE49-F238E27FC236}">
+                <a16:creationId xmlns:a16="http://schemas.microsoft.com/office/drawing/2014/main" id="{CEADF115-C1CC-4C4D-9D0A-DFB41CF0B697}"/>
+              </a:ext>
+            </a:extLst>
+          </p:cNvPr>
+          <p:cNvSpPr>
+            <a:spLocks noGrp="1"/>
+          </p:cNvSpPr>
+          <p:nvPr>
+            <p:ph idx="1"/>
+          </p:nvPr>
+        </p:nvSpPr>
+        <p:spPr>
+          <a:xfrm>
+            <a:off x="646112" y="1362564"/>
+            <a:ext cx="6081260" cy="1919480"/>
+          </a:xfrm>
+        </p:spPr>
+        <p:txBody>
+          <a:bodyPr/>
+          <a:lstStyle/>
+          <a:p>
+            <a:r>
+              <a:rPr lang="en-US" dirty="0"/>
+              <a:t>Least Absolute Shrinkage Selector Operator</a:t>
+            </a:r>
+          </a:p>
+          <a:p>
+            <a:r>
+              <a:rPr lang="en-US" dirty="0"/>
+              <a:t>Automatic feature selection</a:t>
+            </a:r>
+          </a:p>
+          <a:p>
+            <a:r>
+              <a:rPr lang="en-US" dirty="0"/>
+              <a:t>Requires alpha tuning</a:t>
+            </a:r>
+          </a:p>
+        </p:txBody>
+      </p:sp>
+      <p:pic>
+        <p:nvPicPr>
+          <p:cNvPr id="4" name="Picture 3">
+            <a:extLst>
+              <a:ext uri="{FF2B5EF4-FFF2-40B4-BE49-F238E27FC236}">
+                <a16:creationId xmlns:a16="http://schemas.microsoft.com/office/drawing/2014/main" id="{D28C8BB1-203F-4728-9507-D9B670BFE7C0}"/>
+              </a:ext>
+            </a:extLst>
+          </p:cNvPr>
+          <p:cNvPicPr>
+            <a:picLocks noChangeAspect="1"/>
+          </p:cNvPicPr>
+          <p:nvPr/>
+        </p:nvPicPr>
+        <p:blipFill>
+          <a:blip r:embed="rId2"/>
+          <a:stretch>
+            <a:fillRect/>
+          </a:stretch>
+        </p:blipFill>
+        <p:spPr>
+          <a:xfrm>
+            <a:off x="1486498" y="2763094"/>
+            <a:ext cx="8858250" cy="3790950"/>
+          </a:xfrm>
+          <a:prstGeom prst="rect">
+            <a:avLst/>
+          </a:prstGeom>
+        </p:spPr>
+      </p:pic>
+    </p:spTree>
+    <p:extLst>
+      <p:ext uri="{BB962C8B-B14F-4D97-AF65-F5344CB8AC3E}">
+        <p14:creationId xmlns:p14="http://schemas.microsoft.com/office/powerpoint/2010/main" val="2047130955"/>
+      </p:ext>
+    </p:extLst>
+  </p:cSld>
+  <p:clrMapOvr>
+    <a:masterClrMapping/>
+  </p:clrMapOvr>
+</p:sld>
+</file>
+
+<file path=ppt/slides/slide14.xml><?xml version="1.0" encoding="utf-8"?>
+<p:sld xmlns:a="http://schemas.openxmlformats.org/drawingml/2006/main" xmlns:r="http://schemas.openxmlformats.org/officeDocument/2006/relationships" xmlns:p="http://schemas.openxmlformats.org/presentationml/2006/main">
+  <p:cSld>
+    <p:spTree>
+      <p:nvGrpSpPr>
+        <p:cNvPr id="1" name=""/>
+        <p:cNvGrpSpPr/>
+        <p:nvPr/>
+      </p:nvGrpSpPr>
+      <p:grpSpPr>
+        <a:xfrm>
+          <a:off x="0" y="0"/>
+          <a:ext cx="0" cy="0"/>
+          <a:chOff x="0" y="0"/>
+          <a:chExt cx="0" cy="0"/>
+        </a:xfrm>
+      </p:grpSpPr>
+      <p:sp>
+        <p:nvSpPr>
+          <p:cNvPr id="2" name="Title 1">
+            <a:extLst>
+              <a:ext uri="{FF2B5EF4-FFF2-40B4-BE49-F238E27FC236}">
+                <a16:creationId xmlns:a16="http://schemas.microsoft.com/office/drawing/2014/main" id="{4E47DFB1-4CC6-4340-96BE-FE601DD29057}"/>
+              </a:ext>
+            </a:extLst>
+          </p:cNvPr>
+          <p:cNvSpPr>
+            <a:spLocks noGrp="1"/>
+          </p:cNvSpPr>
+          <p:nvPr>
+            <p:ph type="title"/>
+          </p:nvPr>
+        </p:nvSpPr>
+        <p:spPr/>
+        <p:txBody>
+          <a:bodyPr/>
+          <a:lstStyle/>
+          <a:p>
+            <a:r>
+              <a:rPr lang="en-US" dirty="0"/>
+              <a:t>Model Evaluation</a:t>
+            </a:r>
+          </a:p>
+        </p:txBody>
+      </p:sp>
+      <p:sp>
+        <p:nvSpPr>
+          <p:cNvPr id="3" name="Content Placeholder 2">
+            <a:extLst>
+              <a:ext uri="{FF2B5EF4-FFF2-40B4-BE49-F238E27FC236}">
+                <a16:creationId xmlns:a16="http://schemas.microsoft.com/office/drawing/2014/main" id="{BCBDAA57-8692-4F58-9DAF-6037F9BD150A}"/>
+              </a:ext>
+            </a:extLst>
+          </p:cNvPr>
+          <p:cNvSpPr>
+            <a:spLocks noGrp="1"/>
+          </p:cNvSpPr>
+          <p:nvPr>
+            <p:ph idx="1"/>
+          </p:nvPr>
+        </p:nvSpPr>
+        <p:spPr>
+          <a:xfrm>
+            <a:off x="415104" y="1237912"/>
+            <a:ext cx="3492752" cy="2589466"/>
+          </a:xfrm>
+        </p:spPr>
+        <p:txBody>
+          <a:bodyPr>
+            <a:normAutofit lnSpcReduction="10000"/>
+          </a:bodyPr>
+          <a:lstStyle/>
+          <a:p>
+            <a:r>
+              <a:rPr lang="en-US" dirty="0"/>
+              <a:t>Mixed Models</a:t>
+            </a:r>
+          </a:p>
+          <a:p>
+            <a:pPr lvl="1"/>
+            <a:r>
+              <a:rPr lang="en-US" dirty="0"/>
+              <a:t>Attempt to account for seasonal trends from timeseries</a:t>
+            </a:r>
+          </a:p>
+          <a:p>
+            <a:pPr lvl="1"/>
+            <a:r>
+              <a:rPr lang="en-US" dirty="0"/>
+              <a:t>Account for boosted regression</a:t>
+            </a:r>
+          </a:p>
+          <a:p>
+            <a:pPr lvl="1"/>
+            <a:r>
+              <a:rPr lang="en-US" dirty="0"/>
+              <a:t>Account for collinearity </a:t>
+            </a:r>
+          </a:p>
+          <a:p>
+            <a:pPr marL="0" indent="0">
+              <a:buNone/>
+            </a:pPr>
+            <a:endParaRPr lang="en-US" dirty="0"/>
+          </a:p>
+        </p:txBody>
+      </p:sp>
+      <p:pic>
+        <p:nvPicPr>
+          <p:cNvPr id="4" name="Picture 3">
+            <a:extLst>
+              <a:ext uri="{FF2B5EF4-FFF2-40B4-BE49-F238E27FC236}">
+                <a16:creationId xmlns:a16="http://schemas.microsoft.com/office/drawing/2014/main" id="{8433B7E9-09A5-4683-83D0-76E75D5A1AA9}"/>
+              </a:ext>
+            </a:extLst>
+          </p:cNvPr>
+          <p:cNvPicPr>
+            <a:picLocks noChangeAspect="1"/>
+          </p:cNvPicPr>
+          <p:nvPr/>
+        </p:nvPicPr>
+        <p:blipFill>
+          <a:blip r:embed="rId2"/>
+          <a:stretch>
+            <a:fillRect/>
+          </a:stretch>
+        </p:blipFill>
+        <p:spPr>
+          <a:xfrm>
+            <a:off x="4061860" y="1714193"/>
+            <a:ext cx="7705964" cy="3677120"/>
+          </a:xfrm>
+          <a:prstGeom prst="rect">
+            <a:avLst/>
+          </a:prstGeom>
+        </p:spPr>
+      </p:pic>
+      <p:pic>
+        <p:nvPicPr>
+          <p:cNvPr id="5" name="Picture 4">
+            <a:extLst>
+              <a:ext uri="{FF2B5EF4-FFF2-40B4-BE49-F238E27FC236}">
+                <a16:creationId xmlns:a16="http://schemas.microsoft.com/office/drawing/2014/main" id="{CF5E4E2F-A96E-4480-B5D3-C3C1038AE924}"/>
+              </a:ext>
+            </a:extLst>
+          </p:cNvPr>
+          <p:cNvPicPr>
+            <a:picLocks noChangeAspect="1"/>
+          </p:cNvPicPr>
+          <p:nvPr/>
+        </p:nvPicPr>
+        <p:blipFill>
+          <a:blip r:embed="rId3"/>
+          <a:stretch>
+            <a:fillRect/>
+          </a:stretch>
+        </p:blipFill>
+        <p:spPr>
+          <a:xfrm>
+            <a:off x="827980" y="3827378"/>
+            <a:ext cx="2667000" cy="2752725"/>
+          </a:xfrm>
+          <a:prstGeom prst="rect">
+            <a:avLst/>
+          </a:prstGeom>
+        </p:spPr>
+      </p:pic>
+    </p:spTree>
+    <p:extLst>
+      <p:ext uri="{BB962C8B-B14F-4D97-AF65-F5344CB8AC3E}">
+        <p14:creationId xmlns:p14="http://schemas.microsoft.com/office/powerpoint/2010/main" val="3088737942"/>
+      </p:ext>
+    </p:extLst>
+  </p:cSld>
+  <p:clrMapOvr>
+    <a:masterClrMapping/>
+  </p:clrMapOvr>
+</p:sld>
+</file>
+
+<file path=ppt/slides/slide15.xml><?xml version="1.0" encoding="utf-8"?>
+<p:sld xmlns:a="http://schemas.openxmlformats.org/drawingml/2006/main" xmlns:r="http://schemas.openxmlformats.org/officeDocument/2006/relationships" xmlns:p="http://schemas.openxmlformats.org/presentationml/2006/main">
+  <p:cSld>
+    <p:spTree>
+      <p:nvGrpSpPr>
+        <p:cNvPr id="1" name=""/>
+        <p:cNvGrpSpPr/>
+        <p:nvPr/>
+      </p:nvGrpSpPr>
+      <p:grpSpPr>
+        <a:xfrm>
+          <a:off x="0" y="0"/>
+          <a:ext cx="0" cy="0"/>
+          <a:chOff x="0" y="0"/>
+          <a:chExt cx="0" cy="0"/>
+        </a:xfrm>
+      </p:grpSpPr>
+      <p:sp>
+        <p:nvSpPr>
+          <p:cNvPr id="2" name="Title 1">
+            <a:extLst>
+              <a:ext uri="{FF2B5EF4-FFF2-40B4-BE49-F238E27FC236}">
+                <a16:creationId xmlns:a16="http://schemas.microsoft.com/office/drawing/2014/main" id="{15C5F191-0189-48D0-BA9C-1FF22BB46B7B}"/>
+              </a:ext>
+            </a:extLst>
+          </p:cNvPr>
+          <p:cNvSpPr>
+            <a:spLocks noGrp="1"/>
+          </p:cNvSpPr>
+          <p:nvPr>
+            <p:ph type="title"/>
+          </p:nvPr>
+        </p:nvSpPr>
+        <p:spPr/>
+        <p:txBody>
+          <a:bodyPr/>
+          <a:lstStyle/>
+          <a:p>
+            <a:r>
+              <a:rPr lang="en-US" dirty="0"/>
+              <a:t>Results</a:t>
+            </a:r>
+          </a:p>
+        </p:txBody>
+      </p:sp>
+      <p:sp>
+        <p:nvSpPr>
+          <p:cNvPr id="3" name="Content Placeholder 2">
+            <a:extLst>
+              <a:ext uri="{FF2B5EF4-FFF2-40B4-BE49-F238E27FC236}">
+                <a16:creationId xmlns:a16="http://schemas.microsoft.com/office/drawing/2014/main" id="{202007BA-94B6-4A0D-86C0-14E176031610}"/>
+              </a:ext>
+            </a:extLst>
+          </p:cNvPr>
+          <p:cNvSpPr>
+            <a:spLocks noGrp="1"/>
+          </p:cNvSpPr>
+          <p:nvPr>
+            <p:ph idx="1"/>
+          </p:nvPr>
+        </p:nvSpPr>
+        <p:spPr>
+          <a:xfrm>
+            <a:off x="978185" y="1456152"/>
+            <a:ext cx="8945462" cy="834662"/>
+          </a:xfrm>
+        </p:spPr>
+        <p:txBody>
+          <a:bodyPr/>
+          <a:lstStyle/>
+          <a:p>
+            <a:r>
+              <a:rPr lang="en-US" dirty="0"/>
+              <a:t>Winning Formula  = (</a:t>
+            </a:r>
+            <a:r>
+              <a:rPr lang="en-US" dirty="0" err="1"/>
+              <a:t>FinalResults.FBProphet</a:t>
+            </a:r>
+            <a:r>
+              <a:rPr lang="en-US" dirty="0"/>
+              <a:t>*.05) + (FinalResults.ETHOpenLasso1*.85) + (FinalResults.ETHOpenxgb1 *.1)</a:t>
+            </a:r>
+          </a:p>
+        </p:txBody>
+      </p:sp>
+      <p:sp>
+        <p:nvSpPr>
+          <p:cNvPr id="4" name="Content Placeholder 2">
+            <a:extLst>
+              <a:ext uri="{FF2B5EF4-FFF2-40B4-BE49-F238E27FC236}">
+                <a16:creationId xmlns:a16="http://schemas.microsoft.com/office/drawing/2014/main" id="{EC3EE592-1629-4047-8CA2-2200D8AB1A84}"/>
+              </a:ext>
+            </a:extLst>
+          </p:cNvPr>
+          <p:cNvSpPr txBox="1">
+            <a:spLocks/>
+          </p:cNvSpPr>
+          <p:nvPr/>
+        </p:nvSpPr>
+        <p:spPr>
+          <a:xfrm>
+            <a:off x="978185" y="2715457"/>
+            <a:ext cx="8945462" cy="2626563"/>
+          </a:xfrm>
+          <a:prstGeom prst="rect">
+            <a:avLst/>
+          </a:prstGeom>
+        </p:spPr>
+        <p:txBody>
+          <a:bodyPr vert="horz" lIns="91440" tIns="45720" rIns="91440" bIns="45720" rtlCol="0">
+            <a:normAutofit/>
+          </a:bodyPr>
+          <a:lstStyle>
+            <a:lvl1pPr marL="342900" indent="-342900" algn="l" defTabSz="457200" rtl="0" eaLnBrk="1" latinLnBrk="0" hangingPunct="1">
+              <a:spcBef>
+                <a:spcPts val="1000"/>
+              </a:spcBef>
+              <a:spcAft>
+                <a:spcPts val="0"/>
+              </a:spcAft>
+              <a:buClr>
+                <a:schemeClr val="bg2">
+                  <a:lumMod val="40000"/>
+                  <a:lumOff val="60000"/>
+                </a:schemeClr>
+              </a:buClr>
+              <a:buSzPct val="80000"/>
+              <a:buFont typeface="Wingdings 3" charset="2"/>
+              <a:buChar char=""/>
+              <a:defRPr sz="2000" b="0" i="0" kern="1200">
+                <a:solidFill>
+                  <a:schemeClr val="tx1"/>
+                </a:solidFill>
+                <a:latin typeface="+mj-lt"/>
+                <a:ea typeface="+mj-ea"/>
+                <a:cs typeface="+mj-cs"/>
+              </a:defRPr>
+            </a:lvl1pPr>
+            <a:lvl2pPr marL="742950" indent="-285750" algn="l" defTabSz="457200" rtl="0" eaLnBrk="1" latinLnBrk="0" hangingPunct="1">
+              <a:spcBef>
+                <a:spcPts val="1000"/>
+              </a:spcBef>
+              <a:spcAft>
+                <a:spcPts val="0"/>
+              </a:spcAft>
+              <a:buClr>
+                <a:schemeClr val="bg2">
+                  <a:lumMod val="40000"/>
+                  <a:lumOff val="60000"/>
+                </a:schemeClr>
+              </a:buClr>
+              <a:buSzPct val="80000"/>
+              <a:buFont typeface="Wingdings 3" charset="2"/>
+              <a:buChar char=""/>
+              <a:defRPr sz="1800" b="0" i="0" kern="1200">
+                <a:solidFill>
+                  <a:schemeClr val="tx1"/>
+                </a:solidFill>
+                <a:latin typeface="+mj-lt"/>
+                <a:ea typeface="+mj-ea"/>
+                <a:cs typeface="+mj-cs"/>
+              </a:defRPr>
+            </a:lvl2pPr>
+            <a:lvl3pPr marL="1143000" indent="-228600" algn="l" defTabSz="457200" rtl="0" eaLnBrk="1" latinLnBrk="0" hangingPunct="1">
+              <a:spcBef>
+                <a:spcPts val="1000"/>
+              </a:spcBef>
+              <a:spcAft>
+                <a:spcPts val="0"/>
+              </a:spcAft>
+              <a:buClr>
+                <a:schemeClr val="bg2">
+                  <a:lumMod val="40000"/>
+                  <a:lumOff val="60000"/>
+                </a:schemeClr>
+              </a:buClr>
+              <a:buSzPct val="80000"/>
+              <a:buFont typeface="Wingdings 3" charset="2"/>
+              <a:buChar char=""/>
+              <a:defRPr sz="1600" b="0" i="0" kern="1200">
+                <a:solidFill>
+                  <a:schemeClr val="tx1"/>
+                </a:solidFill>
+                <a:latin typeface="+mj-lt"/>
+                <a:ea typeface="+mj-ea"/>
+                <a:cs typeface="+mj-cs"/>
+              </a:defRPr>
+            </a:lvl3pPr>
+            <a:lvl4pPr marL="1600200" indent="-228600" algn="l" defTabSz="457200" rtl="0" eaLnBrk="1" latinLnBrk="0" hangingPunct="1">
+              <a:spcBef>
+                <a:spcPts val="1000"/>
+              </a:spcBef>
+              <a:spcAft>
+                <a:spcPts val="0"/>
+              </a:spcAft>
+              <a:buClr>
+                <a:schemeClr val="bg2">
+                  <a:lumMod val="40000"/>
+                  <a:lumOff val="60000"/>
+                </a:schemeClr>
+              </a:buClr>
+              <a:buSzPct val="80000"/>
+              <a:buFont typeface="Wingdings 3" charset="2"/>
+              <a:buChar char=""/>
+              <a:defRPr sz="1400" b="0" i="0" kern="1200">
+                <a:solidFill>
+                  <a:schemeClr val="tx1"/>
+                </a:solidFill>
+                <a:latin typeface="+mj-lt"/>
+                <a:ea typeface="+mj-ea"/>
+                <a:cs typeface="+mj-cs"/>
+              </a:defRPr>
+            </a:lvl4pPr>
+            <a:lvl5pPr marL="2057400" indent="-228600" algn="l" defTabSz="457200" rtl="0" eaLnBrk="1" latinLnBrk="0" hangingPunct="1">
+              <a:spcBef>
+                <a:spcPts val="1000"/>
+              </a:spcBef>
+              <a:spcAft>
+                <a:spcPts val="0"/>
+              </a:spcAft>
+              <a:buClr>
+                <a:schemeClr val="bg2">
+                  <a:lumMod val="40000"/>
+                  <a:lumOff val="60000"/>
+                </a:schemeClr>
+              </a:buClr>
+              <a:buSzPct val="80000"/>
+              <a:buFont typeface="Wingdings 3" charset="2"/>
+              <a:buChar char=""/>
+              <a:defRPr sz="1400" b="0" i="0" kern="1200">
+                <a:solidFill>
+                  <a:schemeClr val="tx1"/>
+                </a:solidFill>
+                <a:latin typeface="+mj-lt"/>
+                <a:ea typeface="+mj-ea"/>
+                <a:cs typeface="+mj-cs"/>
+              </a:defRPr>
+            </a:lvl5pPr>
+            <a:lvl6pPr marL="2506000" indent="-228600" algn="l" defTabSz="457200" rtl="0" eaLnBrk="1" latinLnBrk="0" hangingPunct="1">
+              <a:spcBef>
+                <a:spcPts val="1000"/>
+              </a:spcBef>
+              <a:spcAft>
+                <a:spcPts val="0"/>
+              </a:spcAft>
+              <a:buClr>
+                <a:schemeClr val="bg2">
+                  <a:lumMod val="40000"/>
+                  <a:lumOff val="60000"/>
+                </a:schemeClr>
+              </a:buClr>
+              <a:buSzPct val="80000"/>
+              <a:buFont typeface="Wingdings 3" charset="2"/>
+              <a:buChar char=""/>
+              <a:defRPr sz="1400" b="0" i="0" kern="1200">
+                <a:solidFill>
+                  <a:schemeClr val="tx1"/>
+                </a:solidFill>
+                <a:latin typeface="+mj-lt"/>
+                <a:ea typeface="+mj-ea"/>
+                <a:cs typeface="+mj-cs"/>
+              </a:defRPr>
+            </a:lvl6pPr>
+            <a:lvl7pPr marL="2971800" indent="-228600" algn="l" defTabSz="457200" rtl="0" eaLnBrk="1" latinLnBrk="0" hangingPunct="1">
+              <a:spcBef>
+                <a:spcPts val="1000"/>
+              </a:spcBef>
+              <a:spcAft>
+                <a:spcPts val="0"/>
+              </a:spcAft>
+              <a:buClr>
+                <a:schemeClr val="bg2">
+                  <a:lumMod val="40000"/>
+                  <a:lumOff val="60000"/>
+                </a:schemeClr>
+              </a:buClr>
+              <a:buSzPct val="80000"/>
+              <a:buFont typeface="Wingdings 3" charset="2"/>
+              <a:buChar char=""/>
+              <a:defRPr sz="1400" b="0" i="0" kern="1200">
+                <a:solidFill>
+                  <a:schemeClr val="tx1"/>
+                </a:solidFill>
+                <a:latin typeface="+mj-lt"/>
+                <a:ea typeface="+mj-ea"/>
+                <a:cs typeface="+mj-cs"/>
+              </a:defRPr>
+            </a:lvl7pPr>
+            <a:lvl8pPr marL="3429000" indent="-228600" algn="l" defTabSz="457200" rtl="0" eaLnBrk="1" latinLnBrk="0" hangingPunct="1">
+              <a:spcBef>
+                <a:spcPts val="1000"/>
+              </a:spcBef>
+              <a:spcAft>
+                <a:spcPts val="0"/>
+              </a:spcAft>
+              <a:buClr>
+                <a:schemeClr val="bg2">
+                  <a:lumMod val="40000"/>
+                  <a:lumOff val="60000"/>
+                </a:schemeClr>
+              </a:buClr>
+              <a:buSzPct val="80000"/>
+              <a:buFont typeface="Wingdings 3" charset="2"/>
+              <a:buChar char=""/>
+              <a:defRPr sz="1400" b="0" i="0" kern="1200">
+                <a:solidFill>
+                  <a:schemeClr val="tx1"/>
+                </a:solidFill>
+                <a:latin typeface="+mj-lt"/>
+                <a:ea typeface="+mj-ea"/>
+                <a:cs typeface="+mj-cs"/>
+              </a:defRPr>
+            </a:lvl8pPr>
+            <a:lvl9pPr marL="3886200" indent="-228600" algn="l" defTabSz="457200" rtl="0" eaLnBrk="1" latinLnBrk="0" hangingPunct="1">
+              <a:spcBef>
+                <a:spcPts val="1000"/>
+              </a:spcBef>
+              <a:spcAft>
+                <a:spcPts val="0"/>
+              </a:spcAft>
+              <a:buClr>
+                <a:schemeClr val="bg2">
+                  <a:lumMod val="40000"/>
+                  <a:lumOff val="60000"/>
+                </a:schemeClr>
+              </a:buClr>
+              <a:buSzPct val="80000"/>
+              <a:buFont typeface="Wingdings 3" charset="2"/>
+              <a:buChar char=""/>
+              <a:defRPr sz="1400" b="0" i="0" kern="1200">
+                <a:solidFill>
+                  <a:schemeClr val="tx1"/>
+                </a:solidFill>
+                <a:latin typeface="+mj-lt"/>
+                <a:ea typeface="+mj-ea"/>
+                <a:cs typeface="+mj-cs"/>
+              </a:defRPr>
+            </a:lvl9pPr>
+          </a:lstStyle>
+          <a:p>
+            <a:r>
+              <a:rPr lang="en-US" dirty="0"/>
+              <a:t>Continued Research</a:t>
+            </a:r>
+          </a:p>
+          <a:p>
+            <a:pPr lvl="1"/>
+            <a:r>
+              <a:rPr lang="en-US" dirty="0"/>
+              <a:t>Elastic Net Regression</a:t>
+            </a:r>
+          </a:p>
+          <a:p>
+            <a:pPr lvl="1"/>
+            <a:r>
+              <a:rPr lang="en-US" dirty="0"/>
+              <a:t>Neural Network</a:t>
+            </a:r>
+          </a:p>
+          <a:p>
+            <a:pPr lvl="1"/>
+            <a:r>
+              <a:rPr lang="en-US" dirty="0"/>
+              <a:t>News Scrubbers (Sentiment) – High Dependency on news of regulation or technical improvements and shortfalls</a:t>
+            </a:r>
+          </a:p>
+          <a:p>
+            <a:pPr lvl="1"/>
+            <a:r>
+              <a:rPr lang="en-US" dirty="0"/>
+              <a:t>More Features</a:t>
+            </a:r>
+          </a:p>
+          <a:p>
+            <a:pPr lvl="1"/>
+            <a:endParaRPr lang="en-US" dirty="0"/>
+          </a:p>
+        </p:txBody>
+      </p:sp>
+    </p:spTree>
+    <p:extLst>
+      <p:ext uri="{BB962C8B-B14F-4D97-AF65-F5344CB8AC3E}">
+        <p14:creationId xmlns:p14="http://schemas.microsoft.com/office/powerpoint/2010/main" val="1477519237"/>
+      </p:ext>
+    </p:extLst>
+  </p:cSld>
+  <p:clrMapOvr>
+    <a:masterClrMapping/>
+  </p:clrMapOvr>
+</p:sld>
+</file>
+
+<file path=ppt/slides/slide16.xml><?xml version="1.0" encoding="utf-8"?>
+<p:sld xmlns:a="http://schemas.openxmlformats.org/drawingml/2006/main" xmlns:r="http://schemas.openxmlformats.org/officeDocument/2006/relationships" xmlns:p="http://schemas.openxmlformats.org/presentationml/2006/main">
+  <p:cSld>
+    <p:spTree>
+      <p:nvGrpSpPr>
+        <p:cNvPr id="1" name=""/>
+        <p:cNvGrpSpPr/>
+        <p:nvPr/>
+      </p:nvGrpSpPr>
+      <p:grpSpPr>
+        <a:xfrm>
+          <a:off x="0" y="0"/>
+          <a:ext cx="0" cy="0"/>
+          <a:chOff x="0" y="0"/>
+          <a:chExt cx="0" cy="0"/>
+        </a:xfrm>
+      </p:grpSpPr>
+      <p:sp>
+        <p:nvSpPr>
+          <p:cNvPr id="2" name="Title 1">
+            <a:extLst>
+              <a:ext uri="{FF2B5EF4-FFF2-40B4-BE49-F238E27FC236}">
+                <a16:creationId xmlns:a16="http://schemas.microsoft.com/office/drawing/2014/main" id="{0196E574-3A00-4787-A497-2B06AB937386}"/>
+              </a:ext>
+            </a:extLst>
+          </p:cNvPr>
+          <p:cNvSpPr>
+            <a:spLocks noGrp="1"/>
+          </p:cNvSpPr>
+          <p:nvPr>
+            <p:ph type="title"/>
+          </p:nvPr>
+        </p:nvSpPr>
+        <p:spPr>
+          <a:xfrm>
+            <a:off x="1217611" y="1138518"/>
+            <a:ext cx="9404723" cy="1400530"/>
+          </a:xfrm>
+        </p:spPr>
+        <p:txBody>
+          <a:bodyPr/>
+          <a:lstStyle/>
+          <a:p>
+            <a:r>
+              <a:rPr lang="en-US" dirty="0"/>
+              <a:t>Thank you!</a:t>
+            </a:r>
+            <a:br>
+              <a:rPr lang="en-US" dirty="0"/>
+            </a:br>
+            <a:r>
+              <a:rPr lang="en-US" dirty="0"/>
+              <a:t>	Questions?</a:t>
+            </a:r>
+          </a:p>
+        </p:txBody>
+      </p:sp>
+      <p:sp>
+        <p:nvSpPr>
+          <p:cNvPr id="3" name="Content Placeholder 2">
+            <a:extLst>
+              <a:ext uri="{FF2B5EF4-FFF2-40B4-BE49-F238E27FC236}">
+                <a16:creationId xmlns:a16="http://schemas.microsoft.com/office/drawing/2014/main" id="{57EEB442-45BC-4FA4-BB85-F86121026F5A}"/>
+              </a:ext>
+            </a:extLst>
+          </p:cNvPr>
+          <p:cNvSpPr>
+            <a:spLocks noGrp="1"/>
+          </p:cNvSpPr>
+          <p:nvPr>
+            <p:ph idx="1"/>
+          </p:nvPr>
+        </p:nvSpPr>
+        <p:spPr>
+          <a:xfrm>
+            <a:off x="5830434" y="5490083"/>
+            <a:ext cx="5689374" cy="853568"/>
+          </a:xfrm>
+        </p:spPr>
+        <p:txBody>
+          <a:bodyPr>
+            <a:normAutofit fontScale="92500"/>
+          </a:bodyPr>
+          <a:lstStyle/>
+          <a:p>
+            <a:pPr marL="0" indent="0">
+              <a:buNone/>
+            </a:pPr>
+            <a:r>
+              <a:rPr lang="en-US" dirty="0"/>
+              <a:t>For resources please see the </a:t>
+            </a:r>
+            <a:r>
+              <a:rPr lang="en-US" dirty="0" err="1"/>
+              <a:t>Github</a:t>
+            </a:r>
+            <a:r>
+              <a:rPr lang="en-US" dirty="0"/>
+              <a:t> repository:</a:t>
+            </a:r>
+          </a:p>
+          <a:p>
+            <a:pPr marL="0" indent="0">
+              <a:buNone/>
+            </a:pPr>
+            <a:r>
+              <a:rPr lang="en-US" dirty="0"/>
+              <a:t>https://github.com/DSNeville/Practicum</a:t>
+            </a:r>
+          </a:p>
+          <a:p>
+            <a:pPr marL="0" indent="0">
+              <a:buNone/>
+            </a:pPr>
+            <a:endParaRPr lang="en-US" dirty="0"/>
+          </a:p>
+          <a:p>
+            <a:pPr marL="0" indent="0">
+              <a:buNone/>
+            </a:pPr>
+            <a:endParaRPr lang="en-US" dirty="0"/>
+          </a:p>
+        </p:txBody>
+      </p:sp>
+    </p:spTree>
+    <p:extLst>
+      <p:ext uri="{BB962C8B-B14F-4D97-AF65-F5344CB8AC3E}">
+        <p14:creationId xmlns:p14="http://schemas.microsoft.com/office/powerpoint/2010/main" val="4215440416"/>
       </p:ext>
     </p:extLst>
   </p:cSld>
@@ -7125,12 +8544,12 @@
           <a:lstStyle/>
           <a:p>
             <a:r>
-              <a:rPr lang="en-US">
+              <a:rPr lang="en-US" dirty="0">
                 <a:solidFill>
                   <a:srgbClr val="EBEBEB"/>
                 </a:solidFill>
               </a:rPr>
-              <a:t>What is Ether?</a:t>
+              <a:t>What is Ethereum?</a:t>
             </a:r>
           </a:p>
         </p:txBody>
@@ -7163,11 +8582,65 @@
           </a:bodyPr>
           <a:lstStyle/>
           <a:p>
-            <a:endParaRPr lang="en-US">
-              <a:solidFill>
-                <a:srgbClr val="FFFFFF"/>
-              </a:solidFill>
-            </a:endParaRPr>
+            <a:r>
+              <a:rPr lang="en-US" dirty="0">
+                <a:solidFill>
+                  <a:srgbClr val="FFFFFF"/>
+                </a:solidFill>
+              </a:rPr>
+              <a:t>Digital Currency or network for transactions</a:t>
+            </a:r>
+          </a:p>
+          <a:p>
+            <a:r>
+              <a:rPr lang="en-US" dirty="0">
+                <a:solidFill>
+                  <a:srgbClr val="FFFFFF"/>
+                </a:solidFill>
+              </a:rPr>
+              <a:t>A means to securely store data</a:t>
+            </a:r>
+          </a:p>
+          <a:p>
+            <a:r>
+              <a:rPr lang="en-US" dirty="0">
+                <a:solidFill>
+                  <a:srgbClr val="FFFFFF"/>
+                </a:solidFill>
+              </a:rPr>
+              <a:t>Data that holds monetary value</a:t>
+            </a:r>
+          </a:p>
+          <a:p>
+            <a:r>
+              <a:rPr lang="en-US" dirty="0">
+                <a:solidFill>
+                  <a:srgbClr val="FFFFFF"/>
+                </a:solidFill>
+              </a:rPr>
+              <a:t>Transactions stored in decentralized ledger</a:t>
+            </a:r>
+          </a:p>
+          <a:p>
+            <a:pPr lvl="1"/>
+            <a:r>
+              <a:rPr lang="en-US" dirty="0">
+                <a:solidFill>
+                  <a:srgbClr val="FFFFFF"/>
+                </a:solidFill>
+              </a:rPr>
+              <a:t>Blockchain – visible to all</a:t>
+            </a:r>
+          </a:p>
+          <a:p>
+            <a:r>
+              <a:rPr lang="en-US" dirty="0">
+                <a:solidFill>
+                  <a:srgbClr val="FFFFFF"/>
+                </a:solidFill>
+              </a:rPr>
+              <a:t>Digital Wallet</a:t>
+            </a:r>
           </a:p>
         </p:txBody>
       </p:sp>
@@ -7362,36 +8835,161 @@
           <a:p>
             <a:r>
               <a:rPr lang="en-US" dirty="0"/>
-              <a:t>Getting the Data</a:t>
-            </a:r>
-          </a:p>
-        </p:txBody>
-      </p:sp>
-      <p:sp>
-        <p:nvSpPr>
-          <p:cNvPr id="3" name="Content Placeholder 2">
+              <a:t>Getting the Data – API’s</a:t>
+            </a:r>
+          </a:p>
+        </p:txBody>
+      </p:sp>
+      <p:pic>
+        <p:nvPicPr>
+          <p:cNvPr id="5" name="Picture 4">
             <a:extLst>
               <a:ext uri="{FF2B5EF4-FFF2-40B4-BE49-F238E27FC236}">
-                <a16:creationId xmlns:a16="http://schemas.microsoft.com/office/drawing/2014/main" id="{3F1F7713-945F-4297-8286-1B65EADE3BC9}"/>
+                <a16:creationId xmlns:a16="http://schemas.microsoft.com/office/drawing/2014/main" id="{CDB71659-9C77-4324-A28A-28353A7FBB04}"/>
               </a:ext>
             </a:extLst>
           </p:cNvPr>
-          <p:cNvSpPr>
-            <a:spLocks noGrp="1"/>
-          </p:cNvSpPr>
-          <p:nvPr>
-            <p:ph idx="1"/>
-          </p:nvPr>
-        </p:nvSpPr>
-        <p:spPr/>
-        <p:txBody>
-          <a:bodyPr/>
-          <a:lstStyle/>
-          <a:p>
-            <a:endParaRPr lang="en-US"/>
-          </a:p>
-        </p:txBody>
-      </p:sp>
+          <p:cNvPicPr>
+            <a:picLocks noChangeAspect="1"/>
+          </p:cNvPicPr>
+          <p:nvPr/>
+        </p:nvPicPr>
+        <p:blipFill>
+          <a:blip r:embed="rId2"/>
+          <a:stretch>
+            <a:fillRect/>
+          </a:stretch>
+        </p:blipFill>
+        <p:spPr>
+          <a:xfrm>
+            <a:off x="646111" y="1780263"/>
+            <a:ext cx="3790950" cy="942975"/>
+          </a:xfrm>
+          <a:prstGeom prst="rect">
+            <a:avLst/>
+          </a:prstGeom>
+        </p:spPr>
+      </p:pic>
+      <p:pic>
+        <p:nvPicPr>
+          <p:cNvPr id="7" name="Picture 6">
+            <a:extLst>
+              <a:ext uri="{FF2B5EF4-FFF2-40B4-BE49-F238E27FC236}">
+                <a16:creationId xmlns:a16="http://schemas.microsoft.com/office/drawing/2014/main" id="{4E46D714-FE40-4108-98DC-FE22F53D8FFC}"/>
+              </a:ext>
+            </a:extLst>
+          </p:cNvPr>
+          <p:cNvPicPr>
+            <a:picLocks noChangeAspect="1"/>
+          </p:cNvPicPr>
+          <p:nvPr/>
+        </p:nvPicPr>
+        <p:blipFill>
+          <a:blip r:embed="rId3"/>
+          <a:stretch>
+            <a:fillRect/>
+          </a:stretch>
+        </p:blipFill>
+        <p:spPr>
+          <a:xfrm>
+            <a:off x="1093786" y="3097229"/>
+            <a:ext cx="2895600" cy="495300"/>
+          </a:xfrm>
+          <a:prstGeom prst="rect">
+            <a:avLst/>
+          </a:prstGeom>
+        </p:spPr>
+      </p:pic>
+      <p:pic>
+        <p:nvPicPr>
+          <p:cNvPr id="8" name="Picture 7">
+            <a:extLst>
+              <a:ext uri="{FF2B5EF4-FFF2-40B4-BE49-F238E27FC236}">
+                <a16:creationId xmlns:a16="http://schemas.microsoft.com/office/drawing/2014/main" id="{BFA3825F-F9DA-4C20-99AB-5FD693D0D8B4}"/>
+              </a:ext>
+            </a:extLst>
+          </p:cNvPr>
+          <p:cNvPicPr>
+            <a:picLocks noChangeAspect="1"/>
+          </p:cNvPicPr>
+          <p:nvPr/>
+        </p:nvPicPr>
+        <p:blipFill>
+          <a:blip r:embed="rId4"/>
+          <a:stretch>
+            <a:fillRect/>
+          </a:stretch>
+        </p:blipFill>
+        <p:spPr>
+          <a:xfrm>
+            <a:off x="5100302" y="2723238"/>
+            <a:ext cx="5791200" cy="2162175"/>
+          </a:xfrm>
+          <a:prstGeom prst="rect">
+            <a:avLst/>
+          </a:prstGeom>
+        </p:spPr>
+      </p:pic>
+      <p:pic>
+        <p:nvPicPr>
+          <p:cNvPr id="9" name="Picture 8">
+            <a:extLst>
+              <a:ext uri="{FF2B5EF4-FFF2-40B4-BE49-F238E27FC236}">
+                <a16:creationId xmlns:a16="http://schemas.microsoft.com/office/drawing/2014/main" id="{33281F81-B312-4033-8D52-E310888430AD}"/>
+              </a:ext>
+            </a:extLst>
+          </p:cNvPr>
+          <p:cNvPicPr>
+            <a:picLocks noChangeAspect="1"/>
+          </p:cNvPicPr>
+          <p:nvPr/>
+        </p:nvPicPr>
+        <p:blipFill>
+          <a:blip r:embed="rId5"/>
+          <a:stretch>
+            <a:fillRect/>
+          </a:stretch>
+        </p:blipFill>
+        <p:spPr>
+          <a:xfrm>
+            <a:off x="4100177" y="5195151"/>
+            <a:ext cx="7791450" cy="457200"/>
+          </a:xfrm>
+          <a:prstGeom prst="rect">
+            <a:avLst/>
+          </a:prstGeom>
+        </p:spPr>
+      </p:pic>
+      <p:pic>
+        <p:nvPicPr>
+          <p:cNvPr id="11" name="Picture 10">
+            <a:extLst>
+              <a:ext uri="{FF2B5EF4-FFF2-40B4-BE49-F238E27FC236}">
+                <a16:creationId xmlns:a16="http://schemas.microsoft.com/office/drawing/2014/main" id="{EED160C3-AA1B-4487-878D-3E28167814FD}"/>
+              </a:ext>
+            </a:extLst>
+          </p:cNvPr>
+          <p:cNvPicPr>
+            <a:picLocks noChangeAspect="1"/>
+          </p:cNvPicPr>
+          <p:nvPr/>
+        </p:nvPicPr>
+        <p:blipFill>
+          <a:blip r:embed="rId6"/>
+          <a:stretch>
+            <a:fillRect/>
+          </a:stretch>
+        </p:blipFill>
+        <p:spPr>
+          <a:xfrm>
+            <a:off x="893761" y="3872773"/>
+            <a:ext cx="3295650" cy="447675"/>
+          </a:xfrm>
+          <a:prstGeom prst="rect">
+            <a:avLst/>
+          </a:prstGeom>
+        </p:spPr>
+      </p:pic>
     </p:spTree>
     <p:extLst>
       <p:ext uri="{BB962C8B-B14F-4D97-AF65-F5344CB8AC3E}">
@@ -7424,6 +9022,292 @@
       </p:grpSpPr>
       <p:sp>
         <p:nvSpPr>
+          <p:cNvPr id="17" name="Rectangle 7">
+            <a:extLst>
+              <a:ext uri="{FF2B5EF4-FFF2-40B4-BE49-F238E27FC236}">
+                <a16:creationId xmlns:a16="http://schemas.microsoft.com/office/drawing/2014/main" id="{923E8915-D2AA-4327-A45A-972C3CA9574B}"/>
+              </a:ext>
+            </a:extLst>
+          </p:cNvPr>
+          <p:cNvSpPr>
+            <a:spLocks noGrp="1" noRot="1" noChangeAspect="1" noMove="1" noResize="1" noEditPoints="1" noAdjustHandles="1" noChangeArrowheads="1" noChangeShapeType="1" noTextEdit="1"/>
+          </p:cNvSpPr>
+          <p:nvPr>
+            <p:extLst>
+              <p:ext uri="{386F3935-93C4-4BCD-93E2-E3B085C9AB24}">
+                <p16:designElem xmlns:p16="http://schemas.microsoft.com/office/powerpoint/2015/main" val="1"/>
+              </p:ext>
+            </p:extLst>
+          </p:nvPr>
+        </p:nvSpPr>
+        <p:spPr>
+          <a:xfrm>
+            <a:off x="0" y="0"/>
+            <a:ext cx="12192000" cy="6858000"/>
+          </a:xfrm>
+          <a:prstGeom prst="rect">
+            <a:avLst/>
+          </a:prstGeom>
+          <a:solidFill>
+            <a:schemeClr val="tx1"/>
+          </a:solidFill>
+          <a:ln>
+            <a:noFill/>
+          </a:ln>
+        </p:spPr>
+        <p:style>
+          <a:lnRef idx="2">
+            <a:schemeClr val="accent1">
+              <a:shade val="50000"/>
+            </a:schemeClr>
+          </a:lnRef>
+          <a:fillRef idx="1">
+            <a:schemeClr val="accent1"/>
+          </a:fillRef>
+          <a:effectRef idx="0">
+            <a:schemeClr val="accent1"/>
+          </a:effectRef>
+          <a:fontRef idx="minor">
+            <a:schemeClr val="lt1"/>
+          </a:fontRef>
+        </p:style>
+        <p:txBody>
+          <a:bodyPr rtlCol="0" anchor="ctr"/>
+          <a:lstStyle/>
+          <a:p>
+            <a:pPr algn="ctr"/>
+            <a:endParaRPr lang="en-US"/>
+          </a:p>
+        </p:txBody>
+      </p:sp>
+      <p:sp useBgFill="1">
+        <p:nvSpPr>
+          <p:cNvPr id="18" name="Rectangle 9">
+            <a:extLst>
+              <a:ext uri="{FF2B5EF4-FFF2-40B4-BE49-F238E27FC236}">
+                <a16:creationId xmlns:a16="http://schemas.microsoft.com/office/drawing/2014/main" id="{8302FC3C-9804-4950-B721-5FD704BA6065}"/>
+              </a:ext>
+            </a:extLst>
+          </p:cNvPr>
+          <p:cNvSpPr>
+            <a:spLocks noGrp="1" noRot="1" noChangeAspect="1" noMove="1" noResize="1" noEditPoints="1" noAdjustHandles="1" noChangeArrowheads="1" noChangeShapeType="1" noTextEdit="1"/>
+          </p:cNvSpPr>
+          <p:nvPr>
+            <p:extLst>
+              <p:ext uri="{386F3935-93C4-4BCD-93E2-E3B085C9AB24}">
+                <p16:designElem xmlns:p16="http://schemas.microsoft.com/office/powerpoint/2015/main" val="1"/>
+              </p:ext>
+            </p:extLst>
+          </p:nvPr>
+        </p:nvSpPr>
+        <p:spPr bwMode="ltGray">
+          <a:xfrm>
+            <a:off x="0" y="0"/>
+            <a:ext cx="12188952" cy="6858000"/>
+          </a:xfrm>
+          <a:prstGeom prst="rect">
+            <a:avLst/>
+          </a:prstGeom>
+          <a:ln w="127000" cap="sq" cmpd="thinThick">
+            <a:noFill/>
+          </a:ln>
+        </p:spPr>
+        <p:style>
+          <a:lnRef idx="2">
+            <a:schemeClr val="accent1">
+              <a:shade val="50000"/>
+            </a:schemeClr>
+          </a:lnRef>
+          <a:fillRef idx="1">
+            <a:schemeClr val="accent1"/>
+          </a:fillRef>
+          <a:effectRef idx="0">
+            <a:schemeClr val="accent1"/>
+          </a:effectRef>
+          <a:fontRef idx="minor">
+            <a:schemeClr val="lt1"/>
+          </a:fontRef>
+        </p:style>
+        <p:txBody>
+          <a:bodyPr rtlCol="0" anchor="ctr"/>
+          <a:lstStyle/>
+          <a:p>
+            <a:pPr algn="ctr"/>
+            <a:endParaRPr lang="en-US"/>
+          </a:p>
+        </p:txBody>
+      </p:sp>
+      <p:cxnSp>
+        <p:nvCxnSpPr>
+          <p:cNvPr id="19" name="Straight Connector 11">
+            <a:extLst>
+              <a:ext uri="{FF2B5EF4-FFF2-40B4-BE49-F238E27FC236}">
+                <a16:creationId xmlns:a16="http://schemas.microsoft.com/office/drawing/2014/main" id="{6B9695BD-ECF6-49CA-8877-8C493193C65D}"/>
+              </a:ext>
+            </a:extLst>
+          </p:cNvPr>
+          <p:cNvCxnSpPr>
+            <a:cxnSpLocks noGrp="1" noRot="1" noChangeAspect="1" noMove="1" noResize="1" noEditPoints="1" noAdjustHandles="1" noChangeArrowheads="1" noChangeShapeType="1"/>
+          </p:cNvCxnSpPr>
+          <p:nvPr>
+            <p:extLst>
+              <p:ext uri="{386F3935-93C4-4BCD-93E2-E3B085C9AB24}">
+                <p16:designElem xmlns:p16="http://schemas.microsoft.com/office/powerpoint/2015/main" val="1"/>
+              </p:ext>
+            </p:extLst>
+          </p:nvPr>
+        </p:nvCxnSpPr>
+        <p:spPr>
+          <a:xfrm>
+            <a:off x="4654295" y="1828800"/>
+            <a:ext cx="0" cy="3200400"/>
+          </a:xfrm>
+          <a:prstGeom prst="line">
+            <a:avLst/>
+          </a:prstGeom>
+          <a:ln w="19050">
+            <a:solidFill>
+              <a:schemeClr val="bg2">
+                <a:lumMod val="60000"/>
+                <a:lumOff val="40000"/>
+              </a:schemeClr>
+            </a:solidFill>
+          </a:ln>
+        </p:spPr>
+        <p:style>
+          <a:lnRef idx="1">
+            <a:schemeClr val="accent1"/>
+          </a:lnRef>
+          <a:fillRef idx="0">
+            <a:schemeClr val="accent1"/>
+          </a:fillRef>
+          <a:effectRef idx="0">
+            <a:schemeClr val="accent1"/>
+          </a:effectRef>
+          <a:fontRef idx="minor">
+            <a:schemeClr val="tx1"/>
+          </a:fontRef>
+        </p:style>
+      </p:cxnSp>
+      <p:pic>
+        <p:nvPicPr>
+          <p:cNvPr id="20" name="Picture 13">
+            <a:extLst>
+              <a:ext uri="{FF2B5EF4-FFF2-40B4-BE49-F238E27FC236}">
+                <a16:creationId xmlns:a16="http://schemas.microsoft.com/office/drawing/2014/main" id="{3BC6EBB2-9BDC-4075-BA6B-43A9FBF9C86C}"/>
+              </a:ext>
+            </a:extLst>
+          </p:cNvPr>
+          <p:cNvPicPr>
+            <a:picLocks noGrp="1" noRot="1" noChangeAspect="1" noMove="1" noResize="1" noEditPoints="1" noAdjustHandles="1" noChangeArrowheads="1" noChangeShapeType="1" noCrop="1"/>
+          </p:cNvPicPr>
+          <p:nvPr>
+            <p:extLst>
+              <p:ext uri="{386F3935-93C4-4BCD-93E2-E3B085C9AB24}">
+                <p16:designElem xmlns:p16="http://schemas.microsoft.com/office/powerpoint/2015/main" val="1"/>
+              </p:ext>
+            </p:extLst>
+          </p:nvPr>
+        </p:nvPicPr>
+        <p:blipFill rotWithShape="1">
+          <a:blip r:embed="rId2">
+            <a:extLst>
+              <a:ext uri="{28A0092B-C50C-407E-A947-70E740481C1C}">
+                <a14:useLocalDpi xmlns:a14="http://schemas.microsoft.com/office/drawing/2010/main" val="0"/>
+              </a:ext>
+            </a:extLst>
+          </a:blip>
+          <a:srcRect b="23320"/>
+          <a:stretch/>
+        </p:blipFill>
+        <p:spPr>
+          <a:xfrm>
+            <a:off x="8605878" y="6228080"/>
+            <a:ext cx="993734" cy="762000"/>
+          </a:xfrm>
+          <a:prstGeom prst="rect">
+            <a:avLst/>
+          </a:prstGeom>
+        </p:spPr>
+      </p:pic>
+      <p:sp>
+        <p:nvSpPr>
+          <p:cNvPr id="16" name="Freeform 5">
+            <a:extLst>
+              <a:ext uri="{FF2B5EF4-FFF2-40B4-BE49-F238E27FC236}">
+                <a16:creationId xmlns:a16="http://schemas.microsoft.com/office/drawing/2014/main" id="{F3798573-F27B-47EB-8EA4-7EE34954C2D6}"/>
+              </a:ext>
+            </a:extLst>
+          </p:cNvPr>
+          <p:cNvSpPr>
+            <a:spLocks noGrp="1" noRot="1" noChangeAspect="1" noMove="1" noResize="1" noEditPoints="1" noAdjustHandles="1" noChangeArrowheads="1" noChangeShapeType="1" noTextEdit="1"/>
+          </p:cNvSpPr>
+          <p:nvPr>
+            <p:extLst>
+              <p:ext uri="{386F3935-93C4-4BCD-93E2-E3B085C9AB24}">
+                <p16:designElem xmlns:p16="http://schemas.microsoft.com/office/powerpoint/2015/main" val="1"/>
+              </p:ext>
+            </p:extLst>
+          </p:nvPr>
+        </p:nvSpPr>
+        <p:spPr bwMode="gray">
+          <a:xfrm>
+            <a:off x="-1588" y="0"/>
+            <a:ext cx="12192000" cy="6856413"/>
+          </a:xfrm>
+          <a:custGeom>
+            <a:avLst/>
+            <a:gdLst/>
+            <a:ahLst/>
+            <a:cxnLst/>
+            <a:rect l="0" t="0" r="r" b="b"/>
+            <a:pathLst>
+              <a:path w="15356" h="8638">
+                <a:moveTo>
+                  <a:pt x="0" y="0"/>
+                </a:moveTo>
+                <a:lnTo>
+                  <a:pt x="0" y="8638"/>
+                </a:lnTo>
+                <a:lnTo>
+                  <a:pt x="15356" y="8638"/>
+                </a:lnTo>
+                <a:lnTo>
+                  <a:pt x="15356" y="0"/>
+                </a:lnTo>
+                <a:lnTo>
+                  <a:pt x="0" y="0"/>
+                </a:lnTo>
+                <a:close/>
+                <a:moveTo>
+                  <a:pt x="14748" y="8038"/>
+                </a:moveTo>
+                <a:lnTo>
+                  <a:pt x="600" y="8038"/>
+                </a:lnTo>
+                <a:lnTo>
+                  <a:pt x="600" y="592"/>
+                </a:lnTo>
+                <a:lnTo>
+                  <a:pt x="14748" y="592"/>
+                </a:lnTo>
+                <a:lnTo>
+                  <a:pt x="14748" y="8038"/>
+                </a:lnTo>
+                <a:close/>
+              </a:path>
+            </a:pathLst>
+          </a:custGeom>
+          <a:solidFill>
+            <a:schemeClr val="tx1"/>
+          </a:solidFill>
+          <a:ln>
+            <a:noFill/>
+          </a:ln>
+        </p:spPr>
+      </p:sp>
+      <p:sp>
+        <p:nvSpPr>
           <p:cNvPr id="2" name="Title 1">
             <a:extLst>
               <a:ext uri="{FF2B5EF4-FFF2-40B4-BE49-F238E27FC236}">
@@ -7438,11 +9322,19 @@
             <p:ph type="title"/>
           </p:nvPr>
         </p:nvSpPr>
-        <p:spPr/>
-        <p:txBody>
-          <a:bodyPr/>
+        <p:spPr>
+          <a:xfrm>
+            <a:off x="806195" y="804672"/>
+            <a:ext cx="3274917" cy="5248656"/>
+          </a:xfrm>
+        </p:spPr>
+        <p:txBody>
+          <a:bodyPr anchor="ctr">
+            <a:normAutofit/>
+          </a:bodyPr>
           <a:lstStyle/>
           <a:p>
+            <a:pPr algn="ctr"/>
             <a:r>
               <a:rPr lang="en-US" dirty="0"/>
               <a:t>Data Engineering</a:t>
@@ -7466,15 +9358,154 @@
             <p:ph idx="1"/>
           </p:nvPr>
         </p:nvSpPr>
-        <p:spPr/>
-        <p:txBody>
-          <a:bodyPr/>
+        <p:spPr>
+          <a:xfrm>
+            <a:off x="4735629" y="804671"/>
+            <a:ext cx="6640162" cy="5248657"/>
+          </a:xfrm>
+        </p:spPr>
+        <p:txBody>
+          <a:bodyPr anchor="ctr">
+            <a:normAutofit/>
+          </a:bodyPr>
           <a:lstStyle/>
           <a:p>
-            <a:endParaRPr lang="en-US"/>
-          </a:p>
-        </p:txBody>
-      </p:sp>
+            <a:r>
+              <a:rPr lang="en-US" dirty="0"/>
+              <a:t>Dealing with monthly vs daily values</a:t>
+            </a:r>
+          </a:p>
+          <a:p>
+            <a:endParaRPr lang="en-US" dirty="0"/>
+          </a:p>
+          <a:p>
+            <a:endParaRPr lang="en-US" dirty="0"/>
+          </a:p>
+          <a:p>
+            <a:endParaRPr lang="en-US" dirty="0"/>
+          </a:p>
+          <a:p>
+            <a:endParaRPr lang="en-US" dirty="0"/>
+          </a:p>
+          <a:p>
+            <a:endParaRPr lang="en-US" dirty="0"/>
+          </a:p>
+          <a:p>
+            <a:pPr marL="0" indent="0">
+              <a:buNone/>
+            </a:pPr>
+            <a:endParaRPr lang="en-US" dirty="0"/>
+          </a:p>
+          <a:p>
+            <a:r>
+              <a:rPr lang="en-US" dirty="0"/>
+              <a:t>Adding lagged values for regression</a:t>
+            </a:r>
+          </a:p>
+          <a:p>
+            <a:endParaRPr lang="en-US" dirty="0"/>
+          </a:p>
+          <a:p>
+            <a:endParaRPr lang="en-US" dirty="0"/>
+          </a:p>
+          <a:p>
+            <a:pPr marL="0" indent="0">
+              <a:buNone/>
+            </a:pPr>
+            <a:endParaRPr lang="en-US" dirty="0"/>
+          </a:p>
+        </p:txBody>
+      </p:sp>
+      <p:pic>
+        <p:nvPicPr>
+          <p:cNvPr id="4" name="Picture 3">
+            <a:extLst>
+              <a:ext uri="{FF2B5EF4-FFF2-40B4-BE49-F238E27FC236}">
+                <a16:creationId xmlns:a16="http://schemas.microsoft.com/office/drawing/2014/main" id="{BF6B82FC-9A57-4DD7-84CF-14A872D0B2B7}"/>
+              </a:ext>
+            </a:extLst>
+          </p:cNvPr>
+          <p:cNvPicPr>
+            <a:picLocks noChangeAspect="1"/>
+          </p:cNvPicPr>
+          <p:nvPr/>
+        </p:nvPicPr>
+        <p:blipFill>
+          <a:blip r:embed="rId3"/>
+          <a:stretch>
+            <a:fillRect/>
+          </a:stretch>
+        </p:blipFill>
+        <p:spPr>
+          <a:xfrm>
+            <a:off x="5002810" y="2879316"/>
+            <a:ext cx="5122967" cy="1097779"/>
+          </a:xfrm>
+          <a:prstGeom prst="rect">
+            <a:avLst/>
+          </a:prstGeom>
+        </p:spPr>
+      </p:pic>
+      <p:pic>
+        <p:nvPicPr>
+          <p:cNvPr id="5" name="Picture 4">
+            <a:extLst>
+              <a:ext uri="{FF2B5EF4-FFF2-40B4-BE49-F238E27FC236}">
+                <a16:creationId xmlns:a16="http://schemas.microsoft.com/office/drawing/2014/main" id="{8059CFFE-6709-4237-9729-29E4BE584542}"/>
+              </a:ext>
+            </a:extLst>
+          </p:cNvPr>
+          <p:cNvPicPr>
+            <a:picLocks noChangeAspect="1"/>
+          </p:cNvPicPr>
+          <p:nvPr/>
+        </p:nvPicPr>
+        <p:blipFill>
+          <a:blip r:embed="rId4"/>
+          <a:stretch>
+            <a:fillRect/>
+          </a:stretch>
+        </p:blipFill>
+        <p:spPr>
+          <a:xfrm>
+            <a:off x="5002810" y="1527653"/>
+            <a:ext cx="5623480" cy="1288864"/>
+          </a:xfrm>
+          <a:prstGeom prst="rect">
+            <a:avLst/>
+          </a:prstGeom>
+        </p:spPr>
+      </p:pic>
+      <p:pic>
+        <p:nvPicPr>
+          <p:cNvPr id="6" name="Picture 5">
+            <a:extLst>
+              <a:ext uri="{FF2B5EF4-FFF2-40B4-BE49-F238E27FC236}">
+                <a16:creationId xmlns:a16="http://schemas.microsoft.com/office/drawing/2014/main" id="{756100E0-5091-4BD3-A34E-CC7BA055B526}"/>
+              </a:ext>
+            </a:extLst>
+          </p:cNvPr>
+          <p:cNvPicPr>
+            <a:picLocks noChangeAspect="1"/>
+          </p:cNvPicPr>
+          <p:nvPr/>
+        </p:nvPicPr>
+        <p:blipFill>
+          <a:blip r:embed="rId5"/>
+          <a:stretch>
+            <a:fillRect/>
+          </a:stretch>
+        </p:blipFill>
+        <p:spPr>
+          <a:xfrm>
+            <a:off x="5418471" y="4602028"/>
+            <a:ext cx="3857625" cy="676275"/>
+          </a:xfrm>
+          <a:prstGeom prst="rect">
+            <a:avLst/>
+          </a:prstGeom>
+        </p:spPr>
+      </p:pic>
     </p:spTree>
     <p:extLst>
       <p:ext uri="{BB962C8B-B14F-4D97-AF65-F5344CB8AC3E}">
@@ -7507,10 +9538,957 @@
       </p:grpSpPr>
       <p:sp>
         <p:nvSpPr>
+          <p:cNvPr id="12" name="Rectangle 11">
+            <a:extLst>
+              <a:ext uri="{FF2B5EF4-FFF2-40B4-BE49-F238E27FC236}">
+                <a16:creationId xmlns:a16="http://schemas.microsoft.com/office/drawing/2014/main" id="{5F3FC718-FDE3-4EF7-921E-A5F374EAF824}"/>
+              </a:ext>
+            </a:extLst>
+          </p:cNvPr>
+          <p:cNvSpPr>
+            <a:spLocks noGrp="1" noRot="1" noChangeAspect="1" noMove="1" noResize="1" noEditPoints="1" noAdjustHandles="1" noChangeArrowheads="1" noChangeShapeType="1" noTextEdit="1"/>
+          </p:cNvSpPr>
+          <p:nvPr>
+            <p:extLst>
+              <p:ext uri="{386F3935-93C4-4BCD-93E2-E3B085C9AB24}">
+                <p16:designElem xmlns:p16="http://schemas.microsoft.com/office/powerpoint/2015/main" val="1"/>
+              </p:ext>
+            </p:extLst>
+          </p:nvPr>
+        </p:nvSpPr>
+        <p:spPr>
+          <a:xfrm>
+            <a:off x="0" y="0"/>
+            <a:ext cx="12192000" cy="6858000"/>
+          </a:xfrm>
+          <a:prstGeom prst="rect">
+            <a:avLst/>
+          </a:prstGeom>
+          <a:ln>
+            <a:noFill/>
+          </a:ln>
+        </p:spPr>
+        <p:style>
+          <a:lnRef idx="2">
+            <a:schemeClr val="accent1">
+              <a:shade val="50000"/>
+            </a:schemeClr>
+          </a:lnRef>
+          <a:fillRef idx="1003">
+            <a:schemeClr val="dk2"/>
+          </a:fillRef>
+          <a:effectRef idx="0">
+            <a:schemeClr val="accent1"/>
+          </a:effectRef>
+          <a:fontRef idx="minor">
+            <a:schemeClr val="lt1"/>
+          </a:fontRef>
+        </p:style>
+        <p:txBody>
+          <a:bodyPr rtlCol="0" anchor="ctr"/>
+          <a:lstStyle/>
+          <a:p>
+            <a:pPr algn="ctr"/>
+            <a:endParaRPr lang="en-US"/>
+          </a:p>
+        </p:txBody>
+      </p:sp>
+      <p:sp>
+        <p:nvSpPr>
+          <p:cNvPr id="14" name="Freeform 11">
+            <a:extLst>
+              <a:ext uri="{FF2B5EF4-FFF2-40B4-BE49-F238E27FC236}">
+                <a16:creationId xmlns:a16="http://schemas.microsoft.com/office/drawing/2014/main" id="{FAA0F719-3DC8-4F08-AD8F-5A845658CB9D}"/>
+              </a:ext>
+            </a:extLst>
+          </p:cNvPr>
+          <p:cNvSpPr>
+            <a:spLocks noGrp="1" noRot="1" noChangeAspect="1" noMove="1" noResize="1" noEditPoints="1" noAdjustHandles="1" noChangeArrowheads="1" noChangeShapeType="1" noTextEdit="1"/>
+          </p:cNvSpPr>
+          <p:nvPr>
+            <p:extLst>
+              <p:ext uri="{386F3935-93C4-4BCD-93E2-E3B085C9AB24}">
+                <p16:designElem xmlns:p16="http://schemas.microsoft.com/office/powerpoint/2015/main" val="1"/>
+              </p:ext>
+            </p:extLst>
+          </p:nvPr>
+        </p:nvSpPr>
+        <p:spPr>
+          <a:xfrm>
+            <a:off x="3948110" y="-1"/>
+            <a:ext cx="559472" cy="3709642"/>
+          </a:xfrm>
+          <a:custGeom>
+            <a:avLst/>
+            <a:gdLst>
+              <a:gd name="connsiteX0" fmla="*/ 0 w 559472"/>
+              <a:gd name="connsiteY0" fmla="*/ 0 h 3709642"/>
+              <a:gd name="connsiteX1" fmla="*/ 473952 w 559472"/>
+              <a:gd name="connsiteY1" fmla="*/ 0 h 3709642"/>
+              <a:gd name="connsiteX2" fmla="*/ 485840 w 559472"/>
+              <a:gd name="connsiteY2" fmla="*/ 161194 h 3709642"/>
+              <a:gd name="connsiteX3" fmla="*/ 523949 w 559472"/>
+              <a:gd name="connsiteY3" fmla="*/ 3672197 h 3709642"/>
+              <a:gd name="connsiteX4" fmla="*/ 454748 w 559472"/>
+              <a:gd name="connsiteY4" fmla="*/ 3709642 h 3709642"/>
+              <a:gd name="connsiteX5" fmla="*/ 448224 w 559472"/>
+              <a:gd name="connsiteY5" fmla="*/ 3510471 h 3709642"/>
+              <a:gd name="connsiteX6" fmla="*/ 443564 w 559472"/>
+              <a:gd name="connsiteY6" fmla="*/ 3408563 h 3709642"/>
+              <a:gd name="connsiteX7" fmla="*/ 438902 w 559472"/>
+              <a:gd name="connsiteY7" fmla="*/ 3304407 h 3709642"/>
+              <a:gd name="connsiteX8" fmla="*/ 433941 w 559472"/>
+              <a:gd name="connsiteY8" fmla="*/ 3198777 h 3709642"/>
+              <a:gd name="connsiteX9" fmla="*/ 427584 w 559472"/>
+              <a:gd name="connsiteY9" fmla="*/ 3092510 h 3709642"/>
+              <a:gd name="connsiteX10" fmla="*/ 420988 w 559472"/>
+              <a:gd name="connsiteY10" fmla="*/ 2984390 h 3709642"/>
+              <a:gd name="connsiteX11" fmla="*/ 414330 w 559472"/>
+              <a:gd name="connsiteY11" fmla="*/ 2874401 h 3709642"/>
+              <a:gd name="connsiteX12" fmla="*/ 406840 w 559472"/>
+              <a:gd name="connsiteY12" fmla="*/ 2762980 h 3709642"/>
+              <a:gd name="connsiteX13" fmla="*/ 397745 w 559472"/>
+              <a:gd name="connsiteY13" fmla="*/ 2650566 h 3709642"/>
+              <a:gd name="connsiteX14" fmla="*/ 389154 w 559472"/>
+              <a:gd name="connsiteY14" fmla="*/ 2536612 h 3709642"/>
+              <a:gd name="connsiteX15" fmla="*/ 379225 w 559472"/>
+              <a:gd name="connsiteY15" fmla="*/ 2421642 h 3709642"/>
+              <a:gd name="connsiteX16" fmla="*/ 368316 w 559472"/>
+              <a:gd name="connsiteY16" fmla="*/ 2305627 h 3709642"/>
+              <a:gd name="connsiteX17" fmla="*/ 357466 w 559472"/>
+              <a:gd name="connsiteY17" fmla="*/ 2189233 h 3709642"/>
+              <a:gd name="connsiteX18" fmla="*/ 344982 w 559472"/>
+              <a:gd name="connsiteY18" fmla="*/ 2071473 h 3709642"/>
+              <a:gd name="connsiteX19" fmla="*/ 332466 w 559472"/>
+              <a:gd name="connsiteY19" fmla="*/ 1952216 h 3709642"/>
+              <a:gd name="connsiteX20" fmla="*/ 319121 w 559472"/>
+              <a:gd name="connsiteY20" fmla="*/ 1833776 h 3709642"/>
+              <a:gd name="connsiteX21" fmla="*/ 304408 w 559472"/>
+              <a:gd name="connsiteY21" fmla="*/ 1713948 h 3709642"/>
+              <a:gd name="connsiteX22" fmla="*/ 288685 w 559472"/>
+              <a:gd name="connsiteY22" fmla="*/ 1592703 h 3709642"/>
+              <a:gd name="connsiteX23" fmla="*/ 273050 w 559472"/>
+              <a:gd name="connsiteY23" fmla="*/ 1471451 h 3709642"/>
+              <a:gd name="connsiteX24" fmla="*/ 255813 w 559472"/>
+              <a:gd name="connsiteY24" fmla="*/ 1350328 h 3709642"/>
+              <a:gd name="connsiteX25" fmla="*/ 237060 w 559472"/>
+              <a:gd name="connsiteY25" fmla="*/ 1227080 h 3709642"/>
+              <a:gd name="connsiteX26" fmla="*/ 218488 w 559472"/>
+              <a:gd name="connsiteY26" fmla="*/ 1106065 h 3709642"/>
+              <a:gd name="connsiteX27" fmla="*/ 198221 w 559472"/>
+              <a:gd name="connsiteY27" fmla="*/ 982940 h 3709642"/>
+              <a:gd name="connsiteX28" fmla="*/ 177152 w 559472"/>
+              <a:gd name="connsiteY28" fmla="*/ 858755 h 3709642"/>
+              <a:gd name="connsiteX29" fmla="*/ 155551 w 559472"/>
+              <a:gd name="connsiteY29" fmla="*/ 736861 h 3709642"/>
+              <a:gd name="connsiteX30" fmla="*/ 131782 w 559472"/>
+              <a:gd name="connsiteY30" fmla="*/ 613645 h 3709642"/>
+              <a:gd name="connsiteX31" fmla="*/ 107123 w 559472"/>
+              <a:gd name="connsiteY31" fmla="*/ 490500 h 3709642"/>
+              <a:gd name="connsiteX32" fmla="*/ 82552 w 559472"/>
+              <a:gd name="connsiteY32" fmla="*/ 367348 h 3709642"/>
+              <a:gd name="connsiteX33" fmla="*/ 55608 w 559472"/>
+              <a:gd name="connsiteY33" fmla="*/ 244762 h 3709642"/>
+              <a:gd name="connsiteX34" fmla="*/ 28130 w 559472"/>
+              <a:gd name="connsiteY34" fmla="*/ 122220 h 3709642"/>
+              <a:gd name="connsiteX35" fmla="*/ 0 w 559472"/>
+              <a:gd name="connsiteY35" fmla="*/ 0 h 3709642"/>
+            </a:gdLst>
+            <a:ahLst/>
+            <a:cxnLst>
+              <a:cxn ang="0">
+                <a:pos x="connsiteX0" y="connsiteY0"/>
+              </a:cxn>
+              <a:cxn ang="0">
+                <a:pos x="connsiteX1" y="connsiteY1"/>
+              </a:cxn>
+              <a:cxn ang="0">
+                <a:pos x="connsiteX2" y="connsiteY2"/>
+              </a:cxn>
+              <a:cxn ang="0">
+                <a:pos x="connsiteX3" y="connsiteY3"/>
+              </a:cxn>
+              <a:cxn ang="0">
+                <a:pos x="connsiteX4" y="connsiteY4"/>
+              </a:cxn>
+              <a:cxn ang="0">
+                <a:pos x="connsiteX5" y="connsiteY5"/>
+              </a:cxn>
+              <a:cxn ang="0">
+                <a:pos x="connsiteX6" y="connsiteY6"/>
+              </a:cxn>
+              <a:cxn ang="0">
+                <a:pos x="connsiteX7" y="connsiteY7"/>
+              </a:cxn>
+              <a:cxn ang="0">
+                <a:pos x="connsiteX8" y="connsiteY8"/>
+              </a:cxn>
+              <a:cxn ang="0">
+                <a:pos x="connsiteX9" y="connsiteY9"/>
+              </a:cxn>
+              <a:cxn ang="0">
+                <a:pos x="connsiteX10" y="connsiteY10"/>
+              </a:cxn>
+              <a:cxn ang="0">
+                <a:pos x="connsiteX11" y="connsiteY11"/>
+              </a:cxn>
+              <a:cxn ang="0">
+                <a:pos x="connsiteX12" y="connsiteY12"/>
+              </a:cxn>
+              <a:cxn ang="0">
+                <a:pos x="connsiteX13" y="connsiteY13"/>
+              </a:cxn>
+              <a:cxn ang="0">
+                <a:pos x="connsiteX14" y="connsiteY14"/>
+              </a:cxn>
+              <a:cxn ang="0">
+                <a:pos x="connsiteX15" y="connsiteY15"/>
+              </a:cxn>
+              <a:cxn ang="0">
+                <a:pos x="connsiteX16" y="connsiteY16"/>
+              </a:cxn>
+              <a:cxn ang="0">
+                <a:pos x="connsiteX17" y="connsiteY17"/>
+              </a:cxn>
+              <a:cxn ang="0">
+                <a:pos x="connsiteX18" y="connsiteY18"/>
+              </a:cxn>
+              <a:cxn ang="0">
+                <a:pos x="connsiteX19" y="connsiteY19"/>
+              </a:cxn>
+              <a:cxn ang="0">
+                <a:pos x="connsiteX20" y="connsiteY20"/>
+              </a:cxn>
+              <a:cxn ang="0">
+                <a:pos x="connsiteX21" y="connsiteY21"/>
+              </a:cxn>
+              <a:cxn ang="0">
+                <a:pos x="connsiteX22" y="connsiteY22"/>
+              </a:cxn>
+              <a:cxn ang="0">
+                <a:pos x="connsiteX23" y="connsiteY23"/>
+              </a:cxn>
+              <a:cxn ang="0">
+                <a:pos x="connsiteX24" y="connsiteY24"/>
+              </a:cxn>
+              <a:cxn ang="0">
+                <a:pos x="connsiteX25" y="connsiteY25"/>
+              </a:cxn>
+              <a:cxn ang="0">
+                <a:pos x="connsiteX26" y="connsiteY26"/>
+              </a:cxn>
+              <a:cxn ang="0">
+                <a:pos x="connsiteX27" y="connsiteY27"/>
+              </a:cxn>
+              <a:cxn ang="0">
+                <a:pos x="connsiteX28" y="connsiteY28"/>
+              </a:cxn>
+              <a:cxn ang="0">
+                <a:pos x="connsiteX29" y="connsiteY29"/>
+              </a:cxn>
+              <a:cxn ang="0">
+                <a:pos x="connsiteX30" y="connsiteY30"/>
+              </a:cxn>
+              <a:cxn ang="0">
+                <a:pos x="connsiteX31" y="connsiteY31"/>
+              </a:cxn>
+              <a:cxn ang="0">
+                <a:pos x="connsiteX32" y="connsiteY32"/>
+              </a:cxn>
+              <a:cxn ang="0">
+                <a:pos x="connsiteX33" y="connsiteY33"/>
+              </a:cxn>
+              <a:cxn ang="0">
+                <a:pos x="connsiteX34" y="connsiteY34"/>
+              </a:cxn>
+              <a:cxn ang="0">
+                <a:pos x="connsiteX35" y="connsiteY35"/>
+              </a:cxn>
+            </a:cxnLst>
+            <a:rect l="l" t="t" r="r" b="b"/>
+            <a:pathLst>
+              <a:path w="559472" h="3709642">
+                <a:moveTo>
+                  <a:pt x="0" y="0"/>
+                </a:moveTo>
+                <a:lnTo>
+                  <a:pt x="473952" y="0"/>
+                </a:lnTo>
+                <a:lnTo>
+                  <a:pt x="485840" y="161194"/>
+                </a:lnTo>
+                <a:cubicBezTo>
+                  <a:pt x="552063" y="1147770"/>
+                  <a:pt x="592441" y="3086737"/>
+                  <a:pt x="523949" y="3672197"/>
+                </a:cubicBezTo>
+                <a:cubicBezTo>
+                  <a:pt x="500842" y="3684557"/>
+                  <a:pt x="477855" y="3697282"/>
+                  <a:pt x="454748" y="3709642"/>
+                </a:cubicBezTo>
+                <a:lnTo>
+                  <a:pt x="448224" y="3510471"/>
+                </a:lnTo>
+                <a:lnTo>
+                  <a:pt x="443564" y="3408563"/>
+                </a:lnTo>
+                <a:lnTo>
+                  <a:pt x="438902" y="3304407"/>
+                </a:lnTo>
+                <a:lnTo>
+                  <a:pt x="433941" y="3198777"/>
+                </a:lnTo>
+                <a:lnTo>
+                  <a:pt x="427584" y="3092510"/>
+                </a:lnTo>
+                <a:lnTo>
+                  <a:pt x="420988" y="2984390"/>
+                </a:lnTo>
+                <a:lnTo>
+                  <a:pt x="414330" y="2874401"/>
+                </a:lnTo>
+                <a:lnTo>
+                  <a:pt x="406840" y="2762980"/>
+                </a:lnTo>
+                <a:lnTo>
+                  <a:pt x="397745" y="2650566"/>
+                </a:lnTo>
+                <a:lnTo>
+                  <a:pt x="389154" y="2536612"/>
+                </a:lnTo>
+                <a:lnTo>
+                  <a:pt x="379225" y="2421642"/>
+                </a:lnTo>
+                <a:lnTo>
+                  <a:pt x="368316" y="2305627"/>
+                </a:lnTo>
+                <a:lnTo>
+                  <a:pt x="357466" y="2189233"/>
+                </a:lnTo>
+                <a:lnTo>
+                  <a:pt x="344982" y="2071473"/>
+                </a:lnTo>
+                <a:lnTo>
+                  <a:pt x="332466" y="1952216"/>
+                </a:lnTo>
+                <a:lnTo>
+                  <a:pt x="319121" y="1833776"/>
+                </a:lnTo>
+                <a:lnTo>
+                  <a:pt x="304408" y="1713948"/>
+                </a:lnTo>
+                <a:lnTo>
+                  <a:pt x="288685" y="1592703"/>
+                </a:lnTo>
+                <a:lnTo>
+                  <a:pt x="273050" y="1471451"/>
+                </a:lnTo>
+                <a:lnTo>
+                  <a:pt x="255813" y="1350328"/>
+                </a:lnTo>
+                <a:lnTo>
+                  <a:pt x="237060" y="1227080"/>
+                </a:lnTo>
+                <a:lnTo>
+                  <a:pt x="218488" y="1106065"/>
+                </a:lnTo>
+                <a:lnTo>
+                  <a:pt x="198221" y="982940"/>
+                </a:lnTo>
+                <a:lnTo>
+                  <a:pt x="177152" y="858755"/>
+                </a:lnTo>
+                <a:lnTo>
+                  <a:pt x="155551" y="736861"/>
+                </a:lnTo>
+                <a:lnTo>
+                  <a:pt x="131782" y="613645"/>
+                </a:lnTo>
+                <a:lnTo>
+                  <a:pt x="107123" y="490500"/>
+                </a:lnTo>
+                <a:lnTo>
+                  <a:pt x="82552" y="367348"/>
+                </a:lnTo>
+                <a:lnTo>
+                  <a:pt x="55608" y="244762"/>
+                </a:lnTo>
+                <a:lnTo>
+                  <a:pt x="28130" y="122220"/>
+                </a:lnTo>
+                <a:lnTo>
+                  <a:pt x="0" y="0"/>
+                </a:lnTo>
+                <a:close/>
+              </a:path>
+            </a:pathLst>
+          </a:custGeom>
+          <a:solidFill>
+            <a:schemeClr val="bg1">
+              <a:alpha val="20000"/>
+            </a:schemeClr>
+          </a:solidFill>
+          <a:ln>
+            <a:noFill/>
+          </a:ln>
+        </p:spPr>
+        <p:txBody>
+          <a:bodyPr rtlCol="0" anchor="ctr"/>
+          <a:lstStyle/>
+          <a:p>
+            <a:pPr algn="ctr"/>
+            <a:endParaRPr lang="en-US"/>
+          </a:p>
+        </p:txBody>
+      </p:sp>
+      <p:sp useBgFill="1">
+        <p:nvSpPr>
+          <p:cNvPr id="16" name="Freeform: Shape 15">
+            <a:extLst>
+              <a:ext uri="{FF2B5EF4-FFF2-40B4-BE49-F238E27FC236}">
+                <a16:creationId xmlns:a16="http://schemas.microsoft.com/office/drawing/2014/main" id="{7DCB61BE-FA0F-4EFB-BE0E-268BAD8E30D6}"/>
+              </a:ext>
+            </a:extLst>
+          </p:cNvPr>
+          <p:cNvSpPr>
+            <a:spLocks noGrp="1" noRot="1" noChangeAspect="1" noMove="1" noResize="1" noEditPoints="1" noAdjustHandles="1" noChangeArrowheads="1" noChangeShapeType="1" noTextEdit="1"/>
+          </p:cNvSpPr>
+          <p:nvPr>
+            <p:extLst>
+              <p:ext uri="{386F3935-93C4-4BCD-93E2-E3B085C9AB24}">
+                <p16:designElem xmlns:p16="http://schemas.microsoft.com/office/powerpoint/2015/main" val="1"/>
+              </p:ext>
+            </p:extLst>
+          </p:nvPr>
+        </p:nvSpPr>
+        <p:spPr bwMode="gray">
+          <a:xfrm rot="16200000">
+            <a:off x="4747655" y="-586345"/>
+            <a:ext cx="6858001" cy="8030691"/>
+          </a:xfrm>
+          <a:custGeom>
+            <a:avLst/>
+            <a:gdLst>
+              <a:gd name="connsiteX0" fmla="*/ 6858001 w 6858001"/>
+              <a:gd name="connsiteY0" fmla="*/ 1177 h 8030691"/>
+              <a:gd name="connsiteX1" fmla="*/ 6858001 w 6858001"/>
+              <a:gd name="connsiteY1" fmla="*/ 1344715 h 8030691"/>
+              <a:gd name="connsiteX2" fmla="*/ 6858000 w 6858001"/>
+              <a:gd name="connsiteY2" fmla="*/ 1344715 h 8030691"/>
+              <a:gd name="connsiteX3" fmla="*/ 6858000 w 6858001"/>
+              <a:gd name="connsiteY3" fmla="*/ 8030691 h 8030691"/>
+              <a:gd name="connsiteX4" fmla="*/ 0 w 6858001"/>
+              <a:gd name="connsiteY4" fmla="*/ 8030690 h 8030691"/>
+              <a:gd name="connsiteX5" fmla="*/ 0 w 6858001"/>
+              <a:gd name="connsiteY5" fmla="*/ 477747 h 8030691"/>
+              <a:gd name="connsiteX6" fmla="*/ 1 w 6858001"/>
+              <a:gd name="connsiteY6" fmla="*/ 477747 h 8030691"/>
+              <a:gd name="connsiteX7" fmla="*/ 1 w 6858001"/>
+              <a:gd name="connsiteY7" fmla="*/ 0 h 8030691"/>
+              <a:gd name="connsiteX8" fmla="*/ 40463 w 6858001"/>
+              <a:gd name="connsiteY8" fmla="*/ 5883 h 8030691"/>
+              <a:gd name="connsiteX9" fmla="*/ 159107 w 6858001"/>
+              <a:gd name="connsiteY9" fmla="*/ 23196 h 8030691"/>
+              <a:gd name="connsiteX10" fmla="*/ 245518 w 6858001"/>
+              <a:gd name="connsiteY10" fmla="*/ 35299 h 8030691"/>
+              <a:gd name="connsiteX11" fmla="*/ 348388 w 6858001"/>
+              <a:gd name="connsiteY11" fmla="*/ 48074 h 8030691"/>
+              <a:gd name="connsiteX12" fmla="*/ 470460 w 6858001"/>
+              <a:gd name="connsiteY12" fmla="*/ 63370 h 8030691"/>
+              <a:gd name="connsiteX13" fmla="*/ 605563 w 6858001"/>
+              <a:gd name="connsiteY13" fmla="*/ 79507 h 8030691"/>
+              <a:gd name="connsiteX14" fmla="*/ 757810 w 6858001"/>
+              <a:gd name="connsiteY14" fmla="*/ 96484 h 8030691"/>
+              <a:gd name="connsiteX15" fmla="*/ 923774 w 6858001"/>
+              <a:gd name="connsiteY15" fmla="*/ 114469 h 8030691"/>
+              <a:gd name="connsiteX16" fmla="*/ 1104139 w 6858001"/>
+              <a:gd name="connsiteY16" fmla="*/ 132455 h 8030691"/>
+              <a:gd name="connsiteX17" fmla="*/ 1296163 w 6858001"/>
+              <a:gd name="connsiteY17" fmla="*/ 150776 h 8030691"/>
+              <a:gd name="connsiteX18" fmla="*/ 1503275 w 6858001"/>
+              <a:gd name="connsiteY18" fmla="*/ 167753 h 8030691"/>
+              <a:gd name="connsiteX19" fmla="*/ 1719988 w 6858001"/>
+              <a:gd name="connsiteY19" fmla="*/ 184058 h 8030691"/>
+              <a:gd name="connsiteX20" fmla="*/ 1949045 w 6858001"/>
+              <a:gd name="connsiteY20" fmla="*/ 198850 h 8030691"/>
+              <a:gd name="connsiteX21" fmla="*/ 2187703 w 6858001"/>
+              <a:gd name="connsiteY21" fmla="*/ 212969 h 8030691"/>
+              <a:gd name="connsiteX22" fmla="*/ 2436649 w 6858001"/>
+              <a:gd name="connsiteY22" fmla="*/ 226249 h 8030691"/>
+              <a:gd name="connsiteX23" fmla="*/ 2564208 w 6858001"/>
+              <a:gd name="connsiteY23" fmla="*/ 230955 h 8030691"/>
+              <a:gd name="connsiteX24" fmla="*/ 2694509 w 6858001"/>
+              <a:gd name="connsiteY24" fmla="*/ 236166 h 8030691"/>
+              <a:gd name="connsiteX25" fmla="*/ 2826869 w 6858001"/>
+              <a:gd name="connsiteY25" fmla="*/ 241040 h 8030691"/>
+              <a:gd name="connsiteX26" fmla="*/ 2959914 w 6858001"/>
+              <a:gd name="connsiteY26" fmla="*/ 244234 h 8030691"/>
+              <a:gd name="connsiteX27" fmla="*/ 3095702 w 6858001"/>
+              <a:gd name="connsiteY27" fmla="*/ 247092 h 8030691"/>
+              <a:gd name="connsiteX28" fmla="*/ 3232862 w 6858001"/>
+              <a:gd name="connsiteY28" fmla="*/ 250117 h 8030691"/>
+              <a:gd name="connsiteX29" fmla="*/ 3372766 w 6858001"/>
+              <a:gd name="connsiteY29" fmla="*/ 252134 h 8030691"/>
+              <a:gd name="connsiteX30" fmla="*/ 3514040 w 6858001"/>
+              <a:gd name="connsiteY30" fmla="*/ 252134 h 8030691"/>
+              <a:gd name="connsiteX31" fmla="*/ 3656686 w 6858001"/>
+              <a:gd name="connsiteY31" fmla="*/ 253143 h 8030691"/>
+              <a:gd name="connsiteX32" fmla="*/ 3800705 w 6858001"/>
+              <a:gd name="connsiteY32" fmla="*/ 252134 h 8030691"/>
+              <a:gd name="connsiteX33" fmla="*/ 3946780 w 6858001"/>
+              <a:gd name="connsiteY33" fmla="*/ 250117 h 8030691"/>
+              <a:gd name="connsiteX34" fmla="*/ 4092856 w 6858001"/>
+              <a:gd name="connsiteY34" fmla="*/ 248268 h 8030691"/>
+              <a:gd name="connsiteX35" fmla="*/ 4240988 w 6858001"/>
+              <a:gd name="connsiteY35" fmla="*/ 244234 h 8030691"/>
+              <a:gd name="connsiteX36" fmla="*/ 4390492 w 6858001"/>
+              <a:gd name="connsiteY36" fmla="*/ 240032 h 8030691"/>
+              <a:gd name="connsiteX37" fmla="*/ 4539997 w 6858001"/>
+              <a:gd name="connsiteY37" fmla="*/ 235157 h 8030691"/>
+              <a:gd name="connsiteX38" fmla="*/ 4690873 w 6858001"/>
+              <a:gd name="connsiteY38" fmla="*/ 228266 h 8030691"/>
+              <a:gd name="connsiteX39" fmla="*/ 4843120 w 6858001"/>
+              <a:gd name="connsiteY39" fmla="*/ 220029 h 8030691"/>
+              <a:gd name="connsiteX40" fmla="*/ 4996054 w 6858001"/>
+              <a:gd name="connsiteY40" fmla="*/ 212129 h 8030691"/>
+              <a:gd name="connsiteX41" fmla="*/ 5148987 w 6858001"/>
+              <a:gd name="connsiteY41" fmla="*/ 202044 h 8030691"/>
+              <a:gd name="connsiteX42" fmla="*/ 5303978 w 6858001"/>
+              <a:gd name="connsiteY42" fmla="*/ 189941 h 8030691"/>
+              <a:gd name="connsiteX43" fmla="*/ 5456911 w 6858001"/>
+              <a:gd name="connsiteY43" fmla="*/ 177839 h 8030691"/>
+              <a:gd name="connsiteX44" fmla="*/ 5612588 w 6858001"/>
+              <a:gd name="connsiteY44" fmla="*/ 163887 h 8030691"/>
+              <a:gd name="connsiteX45" fmla="*/ 5768950 w 6858001"/>
+              <a:gd name="connsiteY45" fmla="*/ 148591 h 8030691"/>
+              <a:gd name="connsiteX46" fmla="*/ 5923255 w 6858001"/>
+              <a:gd name="connsiteY46" fmla="*/ 132455 h 8030691"/>
+              <a:gd name="connsiteX47" fmla="*/ 6079618 w 6858001"/>
+              <a:gd name="connsiteY47" fmla="*/ 113629 h 8030691"/>
+              <a:gd name="connsiteX48" fmla="*/ 6235294 w 6858001"/>
+              <a:gd name="connsiteY48" fmla="*/ 93458 h 8030691"/>
+              <a:gd name="connsiteX49" fmla="*/ 6391657 w 6858001"/>
+              <a:gd name="connsiteY49" fmla="*/ 73455 h 8030691"/>
+              <a:gd name="connsiteX50" fmla="*/ 6547333 w 6858001"/>
+              <a:gd name="connsiteY50" fmla="*/ 50091 h 8030691"/>
+              <a:gd name="connsiteX51" fmla="*/ 6702324 w 6858001"/>
+              <a:gd name="connsiteY51" fmla="*/ 26222 h 8030691"/>
+            </a:gdLst>
+            <a:ahLst/>
+            <a:cxnLst>
+              <a:cxn ang="0">
+                <a:pos x="connsiteX0" y="connsiteY0"/>
+              </a:cxn>
+              <a:cxn ang="0">
+                <a:pos x="connsiteX1" y="connsiteY1"/>
+              </a:cxn>
+              <a:cxn ang="0">
+                <a:pos x="connsiteX2" y="connsiteY2"/>
+              </a:cxn>
+              <a:cxn ang="0">
+                <a:pos x="connsiteX3" y="connsiteY3"/>
+              </a:cxn>
+              <a:cxn ang="0">
+                <a:pos x="connsiteX4" y="connsiteY4"/>
+              </a:cxn>
+              <a:cxn ang="0">
+                <a:pos x="connsiteX5" y="connsiteY5"/>
+              </a:cxn>
+              <a:cxn ang="0">
+                <a:pos x="connsiteX6" y="connsiteY6"/>
+              </a:cxn>
+              <a:cxn ang="0">
+                <a:pos x="connsiteX7" y="connsiteY7"/>
+              </a:cxn>
+              <a:cxn ang="0">
+                <a:pos x="connsiteX8" y="connsiteY8"/>
+              </a:cxn>
+              <a:cxn ang="0">
+                <a:pos x="connsiteX9" y="connsiteY9"/>
+              </a:cxn>
+              <a:cxn ang="0">
+                <a:pos x="connsiteX10" y="connsiteY10"/>
+              </a:cxn>
+              <a:cxn ang="0">
+                <a:pos x="connsiteX11" y="connsiteY11"/>
+              </a:cxn>
+              <a:cxn ang="0">
+                <a:pos x="connsiteX12" y="connsiteY12"/>
+              </a:cxn>
+              <a:cxn ang="0">
+                <a:pos x="connsiteX13" y="connsiteY13"/>
+              </a:cxn>
+              <a:cxn ang="0">
+                <a:pos x="connsiteX14" y="connsiteY14"/>
+              </a:cxn>
+              <a:cxn ang="0">
+                <a:pos x="connsiteX15" y="connsiteY15"/>
+              </a:cxn>
+              <a:cxn ang="0">
+                <a:pos x="connsiteX16" y="connsiteY16"/>
+              </a:cxn>
+              <a:cxn ang="0">
+                <a:pos x="connsiteX17" y="connsiteY17"/>
+              </a:cxn>
+              <a:cxn ang="0">
+                <a:pos x="connsiteX18" y="connsiteY18"/>
+              </a:cxn>
+              <a:cxn ang="0">
+                <a:pos x="connsiteX19" y="connsiteY19"/>
+              </a:cxn>
+              <a:cxn ang="0">
+                <a:pos x="connsiteX20" y="connsiteY20"/>
+              </a:cxn>
+              <a:cxn ang="0">
+                <a:pos x="connsiteX21" y="connsiteY21"/>
+              </a:cxn>
+              <a:cxn ang="0">
+                <a:pos x="connsiteX22" y="connsiteY22"/>
+              </a:cxn>
+              <a:cxn ang="0">
+                <a:pos x="connsiteX23" y="connsiteY23"/>
+              </a:cxn>
+              <a:cxn ang="0">
+                <a:pos x="connsiteX24" y="connsiteY24"/>
+              </a:cxn>
+              <a:cxn ang="0">
+                <a:pos x="connsiteX25" y="connsiteY25"/>
+              </a:cxn>
+              <a:cxn ang="0">
+                <a:pos x="connsiteX26" y="connsiteY26"/>
+              </a:cxn>
+              <a:cxn ang="0">
+                <a:pos x="connsiteX27" y="connsiteY27"/>
+              </a:cxn>
+              <a:cxn ang="0">
+                <a:pos x="connsiteX28" y="connsiteY28"/>
+              </a:cxn>
+              <a:cxn ang="0">
+                <a:pos x="connsiteX29" y="connsiteY29"/>
+              </a:cxn>
+              <a:cxn ang="0">
+                <a:pos x="connsiteX30" y="connsiteY30"/>
+              </a:cxn>
+              <a:cxn ang="0">
+                <a:pos x="connsiteX31" y="connsiteY31"/>
+              </a:cxn>
+              <a:cxn ang="0">
+                <a:pos x="connsiteX32" y="connsiteY32"/>
+              </a:cxn>
+              <a:cxn ang="0">
+                <a:pos x="connsiteX33" y="connsiteY33"/>
+              </a:cxn>
+              <a:cxn ang="0">
+                <a:pos x="connsiteX34" y="connsiteY34"/>
+              </a:cxn>
+              <a:cxn ang="0">
+                <a:pos x="connsiteX35" y="connsiteY35"/>
+              </a:cxn>
+              <a:cxn ang="0">
+                <a:pos x="connsiteX36" y="connsiteY36"/>
+              </a:cxn>
+              <a:cxn ang="0">
+                <a:pos x="connsiteX37" y="connsiteY37"/>
+              </a:cxn>
+              <a:cxn ang="0">
+                <a:pos x="connsiteX38" y="connsiteY38"/>
+              </a:cxn>
+              <a:cxn ang="0">
+                <a:pos x="connsiteX39" y="connsiteY39"/>
+              </a:cxn>
+              <a:cxn ang="0">
+                <a:pos x="connsiteX40" y="connsiteY40"/>
+              </a:cxn>
+              <a:cxn ang="0">
+                <a:pos x="connsiteX41" y="connsiteY41"/>
+              </a:cxn>
+              <a:cxn ang="0">
+                <a:pos x="connsiteX42" y="connsiteY42"/>
+              </a:cxn>
+              <a:cxn ang="0">
+                <a:pos x="connsiteX43" y="connsiteY43"/>
+              </a:cxn>
+              <a:cxn ang="0">
+                <a:pos x="connsiteX44" y="connsiteY44"/>
+              </a:cxn>
+              <a:cxn ang="0">
+                <a:pos x="connsiteX45" y="connsiteY45"/>
+              </a:cxn>
+              <a:cxn ang="0">
+                <a:pos x="connsiteX46" y="connsiteY46"/>
+              </a:cxn>
+              <a:cxn ang="0">
+                <a:pos x="connsiteX47" y="connsiteY47"/>
+              </a:cxn>
+              <a:cxn ang="0">
+                <a:pos x="connsiteX48" y="connsiteY48"/>
+              </a:cxn>
+              <a:cxn ang="0">
+                <a:pos x="connsiteX49" y="connsiteY49"/>
+              </a:cxn>
+              <a:cxn ang="0">
+                <a:pos x="connsiteX50" y="connsiteY50"/>
+              </a:cxn>
+              <a:cxn ang="0">
+                <a:pos x="connsiteX51" y="connsiteY51"/>
+              </a:cxn>
+            </a:cxnLst>
+            <a:rect l="l" t="t" r="r" b="b"/>
+            <a:pathLst>
+              <a:path w="6858001" h="8030691">
+                <a:moveTo>
+                  <a:pt x="6858001" y="1177"/>
+                </a:moveTo>
+                <a:lnTo>
+                  <a:pt x="6858001" y="1344715"/>
+                </a:lnTo>
+                <a:lnTo>
+                  <a:pt x="6858000" y="1344715"/>
+                </a:lnTo>
+                <a:lnTo>
+                  <a:pt x="6858000" y="8030691"/>
+                </a:lnTo>
+                <a:lnTo>
+                  <a:pt x="0" y="8030690"/>
+                </a:lnTo>
+                <a:lnTo>
+                  <a:pt x="0" y="477747"/>
+                </a:lnTo>
+                <a:lnTo>
+                  <a:pt x="1" y="477747"/>
+                </a:lnTo>
+                <a:lnTo>
+                  <a:pt x="1" y="0"/>
+                </a:lnTo>
+                <a:lnTo>
+                  <a:pt x="40463" y="5883"/>
+                </a:lnTo>
+                <a:lnTo>
+                  <a:pt x="159107" y="23196"/>
+                </a:lnTo>
+                <a:lnTo>
+                  <a:pt x="245518" y="35299"/>
+                </a:lnTo>
+                <a:lnTo>
+                  <a:pt x="348388" y="48074"/>
+                </a:lnTo>
+                <a:lnTo>
+                  <a:pt x="470460" y="63370"/>
+                </a:lnTo>
+                <a:lnTo>
+                  <a:pt x="605563" y="79507"/>
+                </a:lnTo>
+                <a:lnTo>
+                  <a:pt x="757810" y="96484"/>
+                </a:lnTo>
+                <a:lnTo>
+                  <a:pt x="923774" y="114469"/>
+                </a:lnTo>
+                <a:lnTo>
+                  <a:pt x="1104139" y="132455"/>
+                </a:lnTo>
+                <a:lnTo>
+                  <a:pt x="1296163" y="150776"/>
+                </a:lnTo>
+                <a:lnTo>
+                  <a:pt x="1503275" y="167753"/>
+                </a:lnTo>
+                <a:lnTo>
+                  <a:pt x="1719988" y="184058"/>
+                </a:lnTo>
+                <a:lnTo>
+                  <a:pt x="1949045" y="198850"/>
+                </a:lnTo>
+                <a:lnTo>
+                  <a:pt x="2187703" y="212969"/>
+                </a:lnTo>
+                <a:lnTo>
+                  <a:pt x="2436649" y="226249"/>
+                </a:lnTo>
+                <a:lnTo>
+                  <a:pt x="2564208" y="230955"/>
+                </a:lnTo>
+                <a:lnTo>
+                  <a:pt x="2694509" y="236166"/>
+                </a:lnTo>
+                <a:lnTo>
+                  <a:pt x="2826869" y="241040"/>
+                </a:lnTo>
+                <a:lnTo>
+                  <a:pt x="2959914" y="244234"/>
+                </a:lnTo>
+                <a:lnTo>
+                  <a:pt x="3095702" y="247092"/>
+                </a:lnTo>
+                <a:lnTo>
+                  <a:pt x="3232862" y="250117"/>
+                </a:lnTo>
+                <a:lnTo>
+                  <a:pt x="3372766" y="252134"/>
+                </a:lnTo>
+                <a:lnTo>
+                  <a:pt x="3514040" y="252134"/>
+                </a:lnTo>
+                <a:lnTo>
+                  <a:pt x="3656686" y="253143"/>
+                </a:lnTo>
+                <a:lnTo>
+                  <a:pt x="3800705" y="252134"/>
+                </a:lnTo>
+                <a:lnTo>
+                  <a:pt x="3946780" y="250117"/>
+                </a:lnTo>
+                <a:lnTo>
+                  <a:pt x="4092856" y="248268"/>
+                </a:lnTo>
+                <a:lnTo>
+                  <a:pt x="4240988" y="244234"/>
+                </a:lnTo>
+                <a:lnTo>
+                  <a:pt x="4390492" y="240032"/>
+                </a:lnTo>
+                <a:lnTo>
+                  <a:pt x="4539997" y="235157"/>
+                </a:lnTo>
+                <a:lnTo>
+                  <a:pt x="4690873" y="228266"/>
+                </a:lnTo>
+                <a:lnTo>
+                  <a:pt x="4843120" y="220029"/>
+                </a:lnTo>
+                <a:lnTo>
+                  <a:pt x="4996054" y="212129"/>
+                </a:lnTo>
+                <a:lnTo>
+                  <a:pt x="5148987" y="202044"/>
+                </a:lnTo>
+                <a:lnTo>
+                  <a:pt x="5303978" y="189941"/>
+                </a:lnTo>
+                <a:lnTo>
+                  <a:pt x="5456911" y="177839"/>
+                </a:lnTo>
+                <a:lnTo>
+                  <a:pt x="5612588" y="163887"/>
+                </a:lnTo>
+                <a:lnTo>
+                  <a:pt x="5768950" y="148591"/>
+                </a:lnTo>
+                <a:lnTo>
+                  <a:pt x="5923255" y="132455"/>
+                </a:lnTo>
+                <a:lnTo>
+                  <a:pt x="6079618" y="113629"/>
+                </a:lnTo>
+                <a:lnTo>
+                  <a:pt x="6235294" y="93458"/>
+                </a:lnTo>
+                <a:lnTo>
+                  <a:pt x="6391657" y="73455"/>
+                </a:lnTo>
+                <a:lnTo>
+                  <a:pt x="6547333" y="50091"/>
+                </a:lnTo>
+                <a:lnTo>
+                  <a:pt x="6702324" y="26222"/>
+                </a:lnTo>
+                <a:close/>
+              </a:path>
+            </a:pathLst>
+          </a:custGeom>
+          <a:ln>
+            <a:noFill/>
+          </a:ln>
+        </p:spPr>
+      </p:sp>
+      <p:pic>
+        <p:nvPicPr>
+          <p:cNvPr id="7" name="Content Placeholder 3">
+            <a:extLst>
+              <a:ext uri="{FF2B5EF4-FFF2-40B4-BE49-F238E27FC236}">
+                <a16:creationId xmlns:a16="http://schemas.microsoft.com/office/drawing/2014/main" id="{0622EB75-71D4-41C0-8C31-BFB2A50C9C59}"/>
+              </a:ext>
+            </a:extLst>
+          </p:cNvPr>
+          <p:cNvPicPr>
+            <a:picLocks noChangeAspect="1"/>
+          </p:cNvPicPr>
+          <p:nvPr/>
+        </p:nvPicPr>
+        <p:blipFill>
+          <a:blip r:embed="rId2"/>
+          <a:stretch>
+            <a:fillRect/>
+          </a:stretch>
+        </p:blipFill>
+        <p:spPr>
+          <a:xfrm>
+            <a:off x="5048451" y="2199156"/>
+            <a:ext cx="6495847" cy="3069287"/>
+          </a:xfrm>
+          <a:prstGeom prst="rect">
+            <a:avLst/>
+          </a:prstGeom>
+          <a:effectLst/>
+        </p:spPr>
+      </p:pic>
+      <p:sp>
+        <p:nvSpPr>
+          <p:cNvPr id="18" name="Rectangle 17">
+            <a:extLst>
+              <a:ext uri="{FF2B5EF4-FFF2-40B4-BE49-F238E27FC236}">
+                <a16:creationId xmlns:a16="http://schemas.microsoft.com/office/drawing/2014/main" id="{A4B31EAA-7423-46F7-9B90-4AB2B09C35C4}"/>
+              </a:ext>
+            </a:extLst>
+          </p:cNvPr>
+          <p:cNvSpPr>
+            <a:spLocks noGrp="1" noRot="1" noChangeAspect="1" noMove="1" noResize="1" noEditPoints="1" noAdjustHandles="1" noChangeArrowheads="1" noChangeShapeType="1" noTextEdit="1"/>
+          </p:cNvSpPr>
+          <p:nvPr>
+            <p:extLst>
+              <p:ext uri="{386F3935-93C4-4BCD-93E2-E3B085C9AB24}">
+                <p16:designElem xmlns:p16="http://schemas.microsoft.com/office/powerpoint/2015/main" val="1"/>
+              </p:ext>
+            </p:extLst>
+          </p:nvPr>
+        </p:nvSpPr>
+        <p:spPr>
+          <a:xfrm>
+            <a:off x="10437812" y="0"/>
+            <a:ext cx="685800" cy="1143000"/>
+          </a:xfrm>
+          <a:prstGeom prst="rect">
+            <a:avLst/>
+          </a:prstGeom>
+          <a:solidFill>
+            <a:schemeClr val="accent1"/>
+          </a:solidFill>
+          <a:ln>
+            <a:noFill/>
+          </a:ln>
+        </p:spPr>
+        <p:style>
+          <a:lnRef idx="1">
+            <a:schemeClr val="accent1"/>
+          </a:lnRef>
+          <a:fillRef idx="3">
+            <a:schemeClr val="accent1"/>
+          </a:fillRef>
+          <a:effectRef idx="2">
+            <a:schemeClr val="accent1"/>
+          </a:effectRef>
+          <a:fontRef idx="minor">
+            <a:schemeClr val="lt1"/>
+          </a:fontRef>
+        </p:style>
+      </p:sp>
+      <p:sp>
+        <p:nvSpPr>
           <p:cNvPr id="2" name="Title 1">
             <a:extLst>
               <a:ext uri="{FF2B5EF4-FFF2-40B4-BE49-F238E27FC236}">
-                <a16:creationId xmlns:a16="http://schemas.microsoft.com/office/drawing/2014/main" id="{DFBBFE5F-0AAD-4A5D-AB09-16A65A387EFF}"/>
+                <a16:creationId xmlns:a16="http://schemas.microsoft.com/office/drawing/2014/main" id="{042AF1F3-866F-400B-B1F6-52B016466C81}"/>
               </a:ext>
             </a:extLst>
           </p:cNvPr>
@@ -7521,27 +10499,37 @@
             <p:ph type="title"/>
           </p:nvPr>
         </p:nvSpPr>
-        <p:spPr/>
-        <p:txBody>
-          <a:bodyPr/>
+        <p:spPr>
+          <a:xfrm>
+            <a:off x="643855" y="1447799"/>
+            <a:ext cx="3108626" cy="1444752"/>
+          </a:xfrm>
+        </p:spPr>
+        <p:txBody>
+          <a:bodyPr anchor="b">
+            <a:normAutofit/>
+          </a:bodyPr>
           <a:lstStyle/>
           <a:p>
-            <a:r>
-              <a:rPr lang="en-US" dirty="0"/>
-              <a:t>Exploratory</a:t>
-            </a:r>
-          </a:p>
-        </p:txBody>
-      </p:sp>
-      <p:sp>
-        <p:nvSpPr>
-          <p:cNvPr id="3" name="Content Placeholder 2">
-            <a:extLst>
-              <a:ext uri="{FF2B5EF4-FFF2-40B4-BE49-F238E27FC236}">
-                <a16:creationId xmlns:a16="http://schemas.microsoft.com/office/drawing/2014/main" id="{39FBA831-EDA0-4F1E-B9AF-AA42FBA8809E}"/>
-              </a:ext>
-            </a:extLst>
-          </p:cNvPr>
+            <a:pPr>
+              <a:lnSpc>
+                <a:spcPct val="90000"/>
+              </a:lnSpc>
+            </a:pPr>
+            <a:r>
+              <a:rPr lang="en-US" sz="2700">
+                <a:solidFill>
+                  <a:srgbClr val="EBEBEB"/>
+                </a:solidFill>
+              </a:rPr>
+              <a:t>Getting A Sense on Ethereum Open Values</a:t>
+            </a:r>
+          </a:p>
+        </p:txBody>
+      </p:sp>
+      <p:sp>
+        <p:nvSpPr>
+          <p:cNvPr id="9" name="Content Placeholder 8"/>
           <p:cNvSpPr>
             <a:spLocks noGrp="1"/>
           </p:cNvSpPr>
@@ -7549,24 +10537,58 @@
             <p:ph idx="1"/>
           </p:nvPr>
         </p:nvSpPr>
-        <p:spPr/>
-        <p:txBody>
-          <a:bodyPr/>
+        <p:spPr>
+          <a:xfrm>
+            <a:off x="643855" y="3072385"/>
+            <a:ext cx="3108057" cy="2947415"/>
+          </a:xfrm>
+        </p:spPr>
+        <p:txBody>
+          <a:bodyPr>
+            <a:normAutofit/>
+          </a:bodyPr>
           <a:lstStyle/>
           <a:p>
-            <a:endParaRPr lang="en-US"/>
+            <a:r>
+              <a:rPr lang="en-US" sz="1400" dirty="0">
+                <a:solidFill>
+                  <a:srgbClr val="FFFFFF"/>
+                </a:solidFill>
+              </a:rPr>
+              <a:t>Comes to life in Feb 2017 (just under 600 to the right)</a:t>
+            </a:r>
+          </a:p>
+          <a:p>
+            <a:r>
+              <a:rPr lang="en-US" sz="1400" dirty="0">
+                <a:solidFill>
+                  <a:srgbClr val="FFFFFF"/>
+                </a:solidFill>
+              </a:rPr>
+              <a:t>High growth occurring end of May 2017</a:t>
+            </a:r>
+          </a:p>
+          <a:p>
+            <a:r>
+              <a:rPr lang="en-US" sz="1400" dirty="0">
+                <a:solidFill>
+                  <a:srgbClr val="FFFFFF"/>
+                </a:solidFill>
+              </a:rPr>
+              <a:t>High volatility in 2017</a:t>
+            </a:r>
           </a:p>
         </p:txBody>
       </p:sp>
     </p:spTree>
     <p:extLst>
       <p:ext uri="{BB962C8B-B14F-4D97-AF65-F5344CB8AC3E}">
-        <p14:creationId xmlns:p14="http://schemas.microsoft.com/office/powerpoint/2010/main" val="2653239483"/>
+        <p14:creationId xmlns:p14="http://schemas.microsoft.com/office/powerpoint/2010/main" val="3796600329"/>
       </p:ext>
     </p:extLst>
   </p:cSld>
   <p:clrMapOvr>
-    <a:masterClrMapping/>
+    <a:overrideClrMapping bg1="lt1" tx1="dk1" bg2="lt2" tx2="dk2" accent1="accent1" accent2="accent2" accent3="accent3" accent4="accent4" accent5="accent5" accent6="accent6" hlink="hlink" folHlink="folHlink"/>
   </p:clrMapOvr>
 </p:sld>
 </file>
@@ -7590,10 +10612,1048 @@
       </p:grpSpPr>
       <p:sp>
         <p:nvSpPr>
+          <p:cNvPr id="45" name="Rectangle 44"/>
+          <p:cNvSpPr>
+            <a:spLocks noGrp="1" noRot="1" noChangeAspect="1" noMove="1" noResize="1" noEditPoints="1" noAdjustHandles="1" noChangeArrowheads="1" noChangeShapeType="1" noTextEdit="1"/>
+          </p:cNvSpPr>
+          <p:nvPr>
+            <p:extLst>
+              <p:ext uri="{386F3935-93C4-4BCD-93E2-E3B085C9AB24}">
+                <p16:designElem xmlns:p16="http://schemas.microsoft.com/office/powerpoint/2015/main" val="1"/>
+              </p:ext>
+            </p:extLst>
+          </p:nvPr>
+        </p:nvSpPr>
+        <p:spPr bwMode="white">
+          <a:xfrm>
+            <a:off x="0" y="0"/>
+            <a:ext cx="12192000" cy="6858000"/>
+          </a:xfrm>
+          <a:prstGeom prst="rect">
+            <a:avLst/>
+          </a:prstGeom>
+          <a:blipFill rotWithShape="1">
+            <a:blip r:embed="rId2">
+              <a:duotone>
+                <a:schemeClr val="bg2">
+                  <a:shade val="69000"/>
+                  <a:hueMod val="108000"/>
+                  <a:satMod val="164000"/>
+                  <a:lumMod val="74000"/>
+                </a:schemeClr>
+                <a:schemeClr val="bg2">
+                  <a:tint val="96000"/>
+                  <a:hueMod val="88000"/>
+                  <a:satMod val="140000"/>
+                  <a:lumMod val="132000"/>
+                </a:schemeClr>
+              </a:duotone>
+            </a:blip>
+            <a:stretch/>
+          </a:blipFill>
+          <a:ln>
+            <a:noFill/>
+          </a:ln>
+          <a:effectLst/>
+        </p:spPr>
+      </p:sp>
+      <p:pic>
+        <p:nvPicPr>
+          <p:cNvPr id="47" name="Picture 46">
+            <a:extLst>
+              <a:ext uri="{FF2B5EF4-FFF2-40B4-BE49-F238E27FC236}">
+                <a16:creationId xmlns:a16="http://schemas.microsoft.com/office/drawing/2014/main" id="{0F7302AF-86B9-441B-8D24-AC382E2A43A7}"/>
+              </a:ext>
+            </a:extLst>
+          </p:cNvPr>
+          <p:cNvPicPr>
+            <a:picLocks noGrp="1" noRot="1" noChangeAspect="1" noMove="1" noResize="1" noEditPoints="1" noAdjustHandles="1" noChangeArrowheads="1" noChangeShapeType="1" noCrop="1"/>
+          </p:cNvPicPr>
+          <p:nvPr>
+            <p:extLst>
+              <p:ext uri="{386F3935-93C4-4BCD-93E2-E3B085C9AB24}">
+                <p16:designElem xmlns:p16="http://schemas.microsoft.com/office/powerpoint/2015/main" val="1"/>
+              </p:ext>
+            </p:extLst>
+          </p:nvPr>
+        </p:nvPicPr>
+        <p:blipFill rotWithShape="1">
+          <a:blip r:embed="rId3">
+            <a:extLst>
+              <a:ext uri="{28A0092B-C50C-407E-A947-70E740481C1C}">
+                <a14:useLocalDpi xmlns:a14="http://schemas.microsoft.com/office/drawing/2010/main" val="0"/>
+              </a:ext>
+            </a:extLst>
+          </a:blip>
+          <a:srcRect l="3613"/>
+          <a:stretch/>
+        </p:blipFill>
+        <p:spPr>
+          <a:xfrm>
+            <a:off x="0" y="2669685"/>
+            <a:ext cx="4037012" cy="4188315"/>
+          </a:xfrm>
+          <a:prstGeom prst="rect">
+            <a:avLst/>
+          </a:prstGeom>
+        </p:spPr>
+      </p:pic>
+      <p:pic>
+        <p:nvPicPr>
+          <p:cNvPr id="49" name="Picture 48">
+            <a:extLst>
+              <a:ext uri="{FF2B5EF4-FFF2-40B4-BE49-F238E27FC236}">
+                <a16:creationId xmlns:a16="http://schemas.microsoft.com/office/drawing/2014/main" id="{99A2A6C2-D371-4C6B-B50F-CC71C6D01037}"/>
+              </a:ext>
+            </a:extLst>
+          </p:cNvPr>
+          <p:cNvPicPr>
+            <a:picLocks noGrp="1" noRot="1" noChangeAspect="1" noMove="1" noResize="1" noEditPoints="1" noAdjustHandles="1" noChangeArrowheads="1" noChangeShapeType="1" noCrop="1"/>
+          </p:cNvPicPr>
+          <p:nvPr>
+            <p:extLst>
+              <p:ext uri="{386F3935-93C4-4BCD-93E2-E3B085C9AB24}">
+                <p16:designElem xmlns:p16="http://schemas.microsoft.com/office/powerpoint/2015/main" val="1"/>
+              </p:ext>
+            </p:extLst>
+          </p:nvPr>
+        </p:nvPicPr>
+        <p:blipFill rotWithShape="1">
+          <a:blip r:embed="rId4">
+            <a:extLst>
+              <a:ext uri="{28A0092B-C50C-407E-A947-70E740481C1C}">
+                <a14:useLocalDpi xmlns:a14="http://schemas.microsoft.com/office/drawing/2010/main" val="0"/>
+              </a:ext>
+            </a:extLst>
+          </a:blip>
+          <a:srcRect l="35640"/>
+          <a:stretch/>
+        </p:blipFill>
+        <p:spPr>
+          <a:xfrm>
+            <a:off x="0" y="2892347"/>
+            <a:ext cx="1522412" cy="2365453"/>
+          </a:xfrm>
+          <a:prstGeom prst="rect">
+            <a:avLst/>
+          </a:prstGeom>
+        </p:spPr>
+      </p:pic>
+      <p:sp>
+        <p:nvSpPr>
+          <p:cNvPr id="51" name="Oval 50">
+            <a:extLst>
+              <a:ext uri="{FF2B5EF4-FFF2-40B4-BE49-F238E27FC236}">
+                <a16:creationId xmlns:a16="http://schemas.microsoft.com/office/drawing/2014/main" id="{5F07A6A6-E44B-411E-AA18-65E4811366A6}"/>
+              </a:ext>
+            </a:extLst>
+          </p:cNvPr>
+          <p:cNvSpPr>
+            <a:spLocks noGrp="1" noRot="1" noChangeAspect="1" noMove="1" noResize="1" noEditPoints="1" noAdjustHandles="1" noChangeArrowheads="1" noChangeShapeType="1" noTextEdit="1"/>
+          </p:cNvSpPr>
+          <p:nvPr>
+            <p:extLst>
+              <p:ext uri="{386F3935-93C4-4BCD-93E2-E3B085C9AB24}">
+                <p16:designElem xmlns:p16="http://schemas.microsoft.com/office/powerpoint/2015/main" val="1"/>
+              </p:ext>
+            </p:extLst>
+          </p:nvPr>
+        </p:nvSpPr>
+        <p:spPr>
+          <a:xfrm>
+            <a:off x="8609012" y="1676400"/>
+            <a:ext cx="2819400" cy="2819400"/>
+          </a:xfrm>
+          <a:prstGeom prst="ellipse">
+            <a:avLst/>
+          </a:prstGeom>
+          <a:gradFill flip="none" rotWithShape="1">
+            <a:gsLst>
+              <a:gs pos="0">
+                <a:schemeClr val="bg2">
+                  <a:lumMod val="60000"/>
+                  <a:lumOff val="40000"/>
+                  <a:alpha val="7000"/>
+                </a:schemeClr>
+              </a:gs>
+              <a:gs pos="69000">
+                <a:schemeClr val="bg2">
+                  <a:lumMod val="60000"/>
+                  <a:lumOff val="40000"/>
+                  <a:alpha val="0"/>
+                </a:schemeClr>
+              </a:gs>
+              <a:gs pos="36000">
+                <a:schemeClr val="bg2">
+                  <a:lumMod val="60000"/>
+                  <a:lumOff val="40000"/>
+                  <a:alpha val="6000"/>
+                </a:schemeClr>
+              </a:gs>
+            </a:gsLst>
+            <a:path path="circle">
+              <a:fillToRect l="50000" t="50000" r="50000" b="50000"/>
+            </a:path>
+            <a:tileRect/>
+          </a:gradFill>
+          <a:ln>
+            <a:noFill/>
+          </a:ln>
+          <a:effectLst/>
+        </p:spPr>
+        <p:style>
+          <a:lnRef idx="1">
+            <a:schemeClr val="accent1"/>
+          </a:lnRef>
+          <a:fillRef idx="3">
+            <a:schemeClr val="accent1"/>
+          </a:fillRef>
+          <a:effectRef idx="2">
+            <a:schemeClr val="accent1"/>
+          </a:effectRef>
+          <a:fontRef idx="minor">
+            <a:schemeClr val="lt1"/>
+          </a:fontRef>
+        </p:style>
+      </p:sp>
+      <p:pic>
+        <p:nvPicPr>
+          <p:cNvPr id="53" name="Picture 52">
+            <a:extLst>
+              <a:ext uri="{FF2B5EF4-FFF2-40B4-BE49-F238E27FC236}">
+                <a16:creationId xmlns:a16="http://schemas.microsoft.com/office/drawing/2014/main" id="{8CC3468F-5EED-42B0-8507-F30360E1D51E}"/>
+              </a:ext>
+            </a:extLst>
+          </p:cNvPr>
+          <p:cNvPicPr>
+            <a:picLocks noGrp="1" noRot="1" noChangeAspect="1" noMove="1" noResize="1" noEditPoints="1" noAdjustHandles="1" noChangeArrowheads="1" noChangeShapeType="1" noCrop="1"/>
+          </p:cNvPicPr>
+          <p:nvPr>
+            <p:extLst>
+              <p:ext uri="{386F3935-93C4-4BCD-93E2-E3B085C9AB24}">
+                <p16:designElem xmlns:p16="http://schemas.microsoft.com/office/powerpoint/2015/main" val="1"/>
+              </p:ext>
+            </p:extLst>
+          </p:nvPr>
+        </p:nvPicPr>
+        <p:blipFill rotWithShape="1">
+          <a:blip r:embed="rId5">
+            <a:extLst>
+              <a:ext uri="{28A0092B-C50C-407E-A947-70E740481C1C}">
+                <a14:useLocalDpi xmlns:a14="http://schemas.microsoft.com/office/drawing/2010/main" val="0"/>
+              </a:ext>
+            </a:extLst>
+          </a:blip>
+          <a:srcRect t="28813"/>
+          <a:stretch/>
+        </p:blipFill>
+        <p:spPr>
+          <a:xfrm>
+            <a:off x="7999412" y="0"/>
+            <a:ext cx="1603387" cy="1141407"/>
+          </a:xfrm>
+          <a:prstGeom prst="rect">
+            <a:avLst/>
+          </a:prstGeom>
+        </p:spPr>
+      </p:pic>
+      <p:pic>
+        <p:nvPicPr>
+          <p:cNvPr id="55" name="Picture 54">
+            <a:extLst>
+              <a:ext uri="{FF2B5EF4-FFF2-40B4-BE49-F238E27FC236}">
+                <a16:creationId xmlns:a16="http://schemas.microsoft.com/office/drawing/2014/main" id="{591711EE-029D-453C-9AE9-E87829F1D3D3}"/>
+              </a:ext>
+            </a:extLst>
+          </p:cNvPr>
+          <p:cNvPicPr>
+            <a:picLocks noGrp="1" noRot="1" noChangeAspect="1" noMove="1" noResize="1" noEditPoints="1" noAdjustHandles="1" noChangeArrowheads="1" noChangeShapeType="1" noCrop="1"/>
+          </p:cNvPicPr>
+          <p:nvPr>
+            <p:extLst>
+              <p:ext uri="{386F3935-93C4-4BCD-93E2-E3B085C9AB24}">
+                <p16:designElem xmlns:p16="http://schemas.microsoft.com/office/powerpoint/2015/main" val="1"/>
+              </p:ext>
+            </p:extLst>
+          </p:nvPr>
+        </p:nvPicPr>
+        <p:blipFill rotWithShape="1">
+          <a:blip r:embed="rId6">
+            <a:extLst>
+              <a:ext uri="{28A0092B-C50C-407E-A947-70E740481C1C}">
+                <a14:useLocalDpi xmlns:a14="http://schemas.microsoft.com/office/drawing/2010/main" val="0"/>
+              </a:ext>
+            </a:extLst>
+          </a:blip>
+          <a:srcRect b="23320"/>
+          <a:stretch/>
+        </p:blipFill>
+        <p:spPr>
+          <a:xfrm>
+            <a:off x="8605878" y="6096000"/>
+            <a:ext cx="993734" cy="762000"/>
+          </a:xfrm>
+          <a:prstGeom prst="rect">
+            <a:avLst/>
+          </a:prstGeom>
+        </p:spPr>
+      </p:pic>
+      <p:sp>
+        <p:nvSpPr>
+          <p:cNvPr id="57" name="Rectangle 56">
+            <a:extLst>
+              <a:ext uri="{FF2B5EF4-FFF2-40B4-BE49-F238E27FC236}">
+                <a16:creationId xmlns:a16="http://schemas.microsoft.com/office/drawing/2014/main" id="{5D5A8E14-301B-40C0-A174-D2232EF95C0B}"/>
+              </a:ext>
+            </a:extLst>
+          </p:cNvPr>
+          <p:cNvSpPr>
+            <a:spLocks noGrp="1" noRot="1" noChangeAspect="1" noMove="1" noResize="1" noEditPoints="1" noAdjustHandles="1" noChangeArrowheads="1" noChangeShapeType="1" noTextEdit="1"/>
+          </p:cNvSpPr>
+          <p:nvPr>
+            <p:extLst>
+              <p:ext uri="{386F3935-93C4-4BCD-93E2-E3B085C9AB24}">
+                <p16:designElem xmlns:p16="http://schemas.microsoft.com/office/powerpoint/2015/main" val="1"/>
+              </p:ext>
+            </p:extLst>
+          </p:nvPr>
+        </p:nvSpPr>
+        <p:spPr>
+          <a:xfrm>
+            <a:off x="10437812" y="0"/>
+            <a:ext cx="685800" cy="1143000"/>
+          </a:xfrm>
+          <a:prstGeom prst="rect">
+            <a:avLst/>
+          </a:prstGeom>
+          <a:solidFill>
+            <a:schemeClr val="accent1"/>
+          </a:solidFill>
+          <a:ln>
+            <a:noFill/>
+          </a:ln>
+        </p:spPr>
+        <p:style>
+          <a:lnRef idx="1">
+            <a:schemeClr val="accent1"/>
+          </a:lnRef>
+          <a:fillRef idx="3">
+            <a:schemeClr val="accent1"/>
+          </a:fillRef>
+          <a:effectRef idx="2">
+            <a:schemeClr val="accent1"/>
+          </a:effectRef>
+          <a:fontRef idx="minor">
+            <a:schemeClr val="lt1"/>
+          </a:fontRef>
+        </p:style>
+      </p:sp>
+      <p:sp>
+        <p:nvSpPr>
+          <p:cNvPr id="59" name="Rectangle 58">
+            <a:extLst>
+              <a:ext uri="{FF2B5EF4-FFF2-40B4-BE49-F238E27FC236}">
+                <a16:creationId xmlns:a16="http://schemas.microsoft.com/office/drawing/2014/main" id="{43CC0527-B9AC-417D-AECC-A07626CB07F4}"/>
+              </a:ext>
+            </a:extLst>
+          </p:cNvPr>
+          <p:cNvSpPr>
+            <a:spLocks noGrp="1" noRot="1" noChangeAspect="1" noMove="1" noResize="1" noEditPoints="1" noAdjustHandles="1" noChangeArrowheads="1" noChangeShapeType="1" noTextEdit="1"/>
+          </p:cNvSpPr>
+          <p:nvPr>
+            <p:extLst>
+              <p:ext uri="{386F3935-93C4-4BCD-93E2-E3B085C9AB24}">
+                <p16:designElem xmlns:p16="http://schemas.microsoft.com/office/powerpoint/2015/main" val="1"/>
+              </p:ext>
+            </p:extLst>
+          </p:nvPr>
+        </p:nvSpPr>
+        <p:spPr>
+          <a:xfrm>
+            <a:off x="0" y="0"/>
+            <a:ext cx="7157124" cy="6858000"/>
+          </a:xfrm>
+          <a:prstGeom prst="rect">
+            <a:avLst/>
+          </a:prstGeom>
+          <a:solidFill>
+            <a:srgbClr val="FFFFFF"/>
+          </a:solidFill>
+          <a:ln>
+            <a:noFill/>
+          </a:ln>
+        </p:spPr>
+        <p:style>
+          <a:lnRef idx="2">
+            <a:schemeClr val="accent1">
+              <a:shade val="50000"/>
+            </a:schemeClr>
+          </a:lnRef>
+          <a:fillRef idx="1">
+            <a:schemeClr val="accent1"/>
+          </a:fillRef>
+          <a:effectRef idx="0">
+            <a:schemeClr val="accent1"/>
+          </a:effectRef>
+          <a:fontRef idx="minor">
+            <a:schemeClr val="lt1"/>
+          </a:fontRef>
+        </p:style>
+        <p:txBody>
+          <a:bodyPr rtlCol="0" anchor="ctr"/>
+          <a:lstStyle/>
+          <a:p>
+            <a:pPr algn="ctr"/>
+            <a:endParaRPr lang="en-US"/>
+          </a:p>
+        </p:txBody>
+      </p:sp>
+      <p:sp>
+        <p:nvSpPr>
+          <p:cNvPr id="61" name="Freeform 31">
+            <a:extLst>
+              <a:ext uri="{FF2B5EF4-FFF2-40B4-BE49-F238E27FC236}">
+                <a16:creationId xmlns:a16="http://schemas.microsoft.com/office/drawing/2014/main" id="{1EBB90A2-2B0A-4F80-8F25-0403340654FF}"/>
+              </a:ext>
+            </a:extLst>
+          </p:cNvPr>
+          <p:cNvSpPr>
+            <a:spLocks noGrp="1" noRot="1" noChangeAspect="1" noMove="1" noResize="1" noEditPoints="1" noAdjustHandles="1" noChangeArrowheads="1" noChangeShapeType="1" noTextEdit="1"/>
+          </p:cNvSpPr>
+          <p:nvPr>
+            <p:extLst>
+              <p:ext uri="{386F3935-93C4-4BCD-93E2-E3B085C9AB24}">
+                <p16:designElem xmlns:p16="http://schemas.microsoft.com/office/powerpoint/2015/main" val="1"/>
+              </p:ext>
+            </p:extLst>
+          </p:nvPr>
+        </p:nvSpPr>
+        <p:spPr>
+          <a:xfrm flipH="1">
+            <a:off x="7463681" y="-1"/>
+            <a:ext cx="559472" cy="3709642"/>
+          </a:xfrm>
+          <a:custGeom>
+            <a:avLst/>
+            <a:gdLst>
+              <a:gd name="connsiteX0" fmla="*/ 0 w 559472"/>
+              <a:gd name="connsiteY0" fmla="*/ 0 h 3709642"/>
+              <a:gd name="connsiteX1" fmla="*/ 473952 w 559472"/>
+              <a:gd name="connsiteY1" fmla="*/ 0 h 3709642"/>
+              <a:gd name="connsiteX2" fmla="*/ 485840 w 559472"/>
+              <a:gd name="connsiteY2" fmla="*/ 161194 h 3709642"/>
+              <a:gd name="connsiteX3" fmla="*/ 523949 w 559472"/>
+              <a:gd name="connsiteY3" fmla="*/ 3672197 h 3709642"/>
+              <a:gd name="connsiteX4" fmla="*/ 454748 w 559472"/>
+              <a:gd name="connsiteY4" fmla="*/ 3709642 h 3709642"/>
+              <a:gd name="connsiteX5" fmla="*/ 448224 w 559472"/>
+              <a:gd name="connsiteY5" fmla="*/ 3510471 h 3709642"/>
+              <a:gd name="connsiteX6" fmla="*/ 443564 w 559472"/>
+              <a:gd name="connsiteY6" fmla="*/ 3408563 h 3709642"/>
+              <a:gd name="connsiteX7" fmla="*/ 438902 w 559472"/>
+              <a:gd name="connsiteY7" fmla="*/ 3304407 h 3709642"/>
+              <a:gd name="connsiteX8" fmla="*/ 433941 w 559472"/>
+              <a:gd name="connsiteY8" fmla="*/ 3198777 h 3709642"/>
+              <a:gd name="connsiteX9" fmla="*/ 427584 w 559472"/>
+              <a:gd name="connsiteY9" fmla="*/ 3092510 h 3709642"/>
+              <a:gd name="connsiteX10" fmla="*/ 420988 w 559472"/>
+              <a:gd name="connsiteY10" fmla="*/ 2984390 h 3709642"/>
+              <a:gd name="connsiteX11" fmla="*/ 414330 w 559472"/>
+              <a:gd name="connsiteY11" fmla="*/ 2874401 h 3709642"/>
+              <a:gd name="connsiteX12" fmla="*/ 406840 w 559472"/>
+              <a:gd name="connsiteY12" fmla="*/ 2762980 h 3709642"/>
+              <a:gd name="connsiteX13" fmla="*/ 397745 w 559472"/>
+              <a:gd name="connsiteY13" fmla="*/ 2650566 h 3709642"/>
+              <a:gd name="connsiteX14" fmla="*/ 389154 w 559472"/>
+              <a:gd name="connsiteY14" fmla="*/ 2536612 h 3709642"/>
+              <a:gd name="connsiteX15" fmla="*/ 379225 w 559472"/>
+              <a:gd name="connsiteY15" fmla="*/ 2421642 h 3709642"/>
+              <a:gd name="connsiteX16" fmla="*/ 368316 w 559472"/>
+              <a:gd name="connsiteY16" fmla="*/ 2305627 h 3709642"/>
+              <a:gd name="connsiteX17" fmla="*/ 357466 w 559472"/>
+              <a:gd name="connsiteY17" fmla="*/ 2189233 h 3709642"/>
+              <a:gd name="connsiteX18" fmla="*/ 344982 w 559472"/>
+              <a:gd name="connsiteY18" fmla="*/ 2071473 h 3709642"/>
+              <a:gd name="connsiteX19" fmla="*/ 332466 w 559472"/>
+              <a:gd name="connsiteY19" fmla="*/ 1952216 h 3709642"/>
+              <a:gd name="connsiteX20" fmla="*/ 319121 w 559472"/>
+              <a:gd name="connsiteY20" fmla="*/ 1833776 h 3709642"/>
+              <a:gd name="connsiteX21" fmla="*/ 304408 w 559472"/>
+              <a:gd name="connsiteY21" fmla="*/ 1713948 h 3709642"/>
+              <a:gd name="connsiteX22" fmla="*/ 288685 w 559472"/>
+              <a:gd name="connsiteY22" fmla="*/ 1592703 h 3709642"/>
+              <a:gd name="connsiteX23" fmla="*/ 273050 w 559472"/>
+              <a:gd name="connsiteY23" fmla="*/ 1471451 h 3709642"/>
+              <a:gd name="connsiteX24" fmla="*/ 255813 w 559472"/>
+              <a:gd name="connsiteY24" fmla="*/ 1350328 h 3709642"/>
+              <a:gd name="connsiteX25" fmla="*/ 237060 w 559472"/>
+              <a:gd name="connsiteY25" fmla="*/ 1227080 h 3709642"/>
+              <a:gd name="connsiteX26" fmla="*/ 218488 w 559472"/>
+              <a:gd name="connsiteY26" fmla="*/ 1106065 h 3709642"/>
+              <a:gd name="connsiteX27" fmla="*/ 198221 w 559472"/>
+              <a:gd name="connsiteY27" fmla="*/ 982940 h 3709642"/>
+              <a:gd name="connsiteX28" fmla="*/ 177152 w 559472"/>
+              <a:gd name="connsiteY28" fmla="*/ 858755 h 3709642"/>
+              <a:gd name="connsiteX29" fmla="*/ 155551 w 559472"/>
+              <a:gd name="connsiteY29" fmla="*/ 736861 h 3709642"/>
+              <a:gd name="connsiteX30" fmla="*/ 131782 w 559472"/>
+              <a:gd name="connsiteY30" fmla="*/ 613645 h 3709642"/>
+              <a:gd name="connsiteX31" fmla="*/ 107123 w 559472"/>
+              <a:gd name="connsiteY31" fmla="*/ 490500 h 3709642"/>
+              <a:gd name="connsiteX32" fmla="*/ 82552 w 559472"/>
+              <a:gd name="connsiteY32" fmla="*/ 367348 h 3709642"/>
+              <a:gd name="connsiteX33" fmla="*/ 55608 w 559472"/>
+              <a:gd name="connsiteY33" fmla="*/ 244762 h 3709642"/>
+              <a:gd name="connsiteX34" fmla="*/ 28130 w 559472"/>
+              <a:gd name="connsiteY34" fmla="*/ 122220 h 3709642"/>
+              <a:gd name="connsiteX35" fmla="*/ 0 w 559472"/>
+              <a:gd name="connsiteY35" fmla="*/ 0 h 3709642"/>
+            </a:gdLst>
+            <a:ahLst/>
+            <a:cxnLst>
+              <a:cxn ang="0">
+                <a:pos x="connsiteX0" y="connsiteY0"/>
+              </a:cxn>
+              <a:cxn ang="0">
+                <a:pos x="connsiteX1" y="connsiteY1"/>
+              </a:cxn>
+              <a:cxn ang="0">
+                <a:pos x="connsiteX2" y="connsiteY2"/>
+              </a:cxn>
+              <a:cxn ang="0">
+                <a:pos x="connsiteX3" y="connsiteY3"/>
+              </a:cxn>
+              <a:cxn ang="0">
+                <a:pos x="connsiteX4" y="connsiteY4"/>
+              </a:cxn>
+              <a:cxn ang="0">
+                <a:pos x="connsiteX5" y="connsiteY5"/>
+              </a:cxn>
+              <a:cxn ang="0">
+                <a:pos x="connsiteX6" y="connsiteY6"/>
+              </a:cxn>
+              <a:cxn ang="0">
+                <a:pos x="connsiteX7" y="connsiteY7"/>
+              </a:cxn>
+              <a:cxn ang="0">
+                <a:pos x="connsiteX8" y="connsiteY8"/>
+              </a:cxn>
+              <a:cxn ang="0">
+                <a:pos x="connsiteX9" y="connsiteY9"/>
+              </a:cxn>
+              <a:cxn ang="0">
+                <a:pos x="connsiteX10" y="connsiteY10"/>
+              </a:cxn>
+              <a:cxn ang="0">
+                <a:pos x="connsiteX11" y="connsiteY11"/>
+              </a:cxn>
+              <a:cxn ang="0">
+                <a:pos x="connsiteX12" y="connsiteY12"/>
+              </a:cxn>
+              <a:cxn ang="0">
+                <a:pos x="connsiteX13" y="connsiteY13"/>
+              </a:cxn>
+              <a:cxn ang="0">
+                <a:pos x="connsiteX14" y="connsiteY14"/>
+              </a:cxn>
+              <a:cxn ang="0">
+                <a:pos x="connsiteX15" y="connsiteY15"/>
+              </a:cxn>
+              <a:cxn ang="0">
+                <a:pos x="connsiteX16" y="connsiteY16"/>
+              </a:cxn>
+              <a:cxn ang="0">
+                <a:pos x="connsiteX17" y="connsiteY17"/>
+              </a:cxn>
+              <a:cxn ang="0">
+                <a:pos x="connsiteX18" y="connsiteY18"/>
+              </a:cxn>
+              <a:cxn ang="0">
+                <a:pos x="connsiteX19" y="connsiteY19"/>
+              </a:cxn>
+              <a:cxn ang="0">
+                <a:pos x="connsiteX20" y="connsiteY20"/>
+              </a:cxn>
+              <a:cxn ang="0">
+                <a:pos x="connsiteX21" y="connsiteY21"/>
+              </a:cxn>
+              <a:cxn ang="0">
+                <a:pos x="connsiteX22" y="connsiteY22"/>
+              </a:cxn>
+              <a:cxn ang="0">
+                <a:pos x="connsiteX23" y="connsiteY23"/>
+              </a:cxn>
+              <a:cxn ang="0">
+                <a:pos x="connsiteX24" y="connsiteY24"/>
+              </a:cxn>
+              <a:cxn ang="0">
+                <a:pos x="connsiteX25" y="connsiteY25"/>
+              </a:cxn>
+              <a:cxn ang="0">
+                <a:pos x="connsiteX26" y="connsiteY26"/>
+              </a:cxn>
+              <a:cxn ang="0">
+                <a:pos x="connsiteX27" y="connsiteY27"/>
+              </a:cxn>
+              <a:cxn ang="0">
+                <a:pos x="connsiteX28" y="connsiteY28"/>
+              </a:cxn>
+              <a:cxn ang="0">
+                <a:pos x="connsiteX29" y="connsiteY29"/>
+              </a:cxn>
+              <a:cxn ang="0">
+                <a:pos x="connsiteX30" y="connsiteY30"/>
+              </a:cxn>
+              <a:cxn ang="0">
+                <a:pos x="connsiteX31" y="connsiteY31"/>
+              </a:cxn>
+              <a:cxn ang="0">
+                <a:pos x="connsiteX32" y="connsiteY32"/>
+              </a:cxn>
+              <a:cxn ang="0">
+                <a:pos x="connsiteX33" y="connsiteY33"/>
+              </a:cxn>
+              <a:cxn ang="0">
+                <a:pos x="connsiteX34" y="connsiteY34"/>
+              </a:cxn>
+              <a:cxn ang="0">
+                <a:pos x="connsiteX35" y="connsiteY35"/>
+              </a:cxn>
+            </a:cxnLst>
+            <a:rect l="l" t="t" r="r" b="b"/>
+            <a:pathLst>
+              <a:path w="559472" h="3709642">
+                <a:moveTo>
+                  <a:pt x="0" y="0"/>
+                </a:moveTo>
+                <a:lnTo>
+                  <a:pt x="473952" y="0"/>
+                </a:lnTo>
+                <a:lnTo>
+                  <a:pt x="485840" y="161194"/>
+                </a:lnTo>
+                <a:cubicBezTo>
+                  <a:pt x="552063" y="1147770"/>
+                  <a:pt x="592441" y="3086737"/>
+                  <a:pt x="523949" y="3672197"/>
+                </a:cubicBezTo>
+                <a:cubicBezTo>
+                  <a:pt x="500842" y="3684557"/>
+                  <a:pt x="477855" y="3697282"/>
+                  <a:pt x="454748" y="3709642"/>
+                </a:cubicBezTo>
+                <a:lnTo>
+                  <a:pt x="448224" y="3510471"/>
+                </a:lnTo>
+                <a:lnTo>
+                  <a:pt x="443564" y="3408563"/>
+                </a:lnTo>
+                <a:lnTo>
+                  <a:pt x="438902" y="3304407"/>
+                </a:lnTo>
+                <a:lnTo>
+                  <a:pt x="433941" y="3198777"/>
+                </a:lnTo>
+                <a:lnTo>
+                  <a:pt x="427584" y="3092510"/>
+                </a:lnTo>
+                <a:lnTo>
+                  <a:pt x="420988" y="2984390"/>
+                </a:lnTo>
+                <a:lnTo>
+                  <a:pt x="414330" y="2874401"/>
+                </a:lnTo>
+                <a:lnTo>
+                  <a:pt x="406840" y="2762980"/>
+                </a:lnTo>
+                <a:lnTo>
+                  <a:pt x="397745" y="2650566"/>
+                </a:lnTo>
+                <a:lnTo>
+                  <a:pt x="389154" y="2536612"/>
+                </a:lnTo>
+                <a:lnTo>
+                  <a:pt x="379225" y="2421642"/>
+                </a:lnTo>
+                <a:lnTo>
+                  <a:pt x="368316" y="2305627"/>
+                </a:lnTo>
+                <a:lnTo>
+                  <a:pt x="357466" y="2189233"/>
+                </a:lnTo>
+                <a:lnTo>
+                  <a:pt x="344982" y="2071473"/>
+                </a:lnTo>
+                <a:lnTo>
+                  <a:pt x="332466" y="1952216"/>
+                </a:lnTo>
+                <a:lnTo>
+                  <a:pt x="319121" y="1833776"/>
+                </a:lnTo>
+                <a:lnTo>
+                  <a:pt x="304408" y="1713948"/>
+                </a:lnTo>
+                <a:lnTo>
+                  <a:pt x="288685" y="1592703"/>
+                </a:lnTo>
+                <a:lnTo>
+                  <a:pt x="273050" y="1471451"/>
+                </a:lnTo>
+                <a:lnTo>
+                  <a:pt x="255813" y="1350328"/>
+                </a:lnTo>
+                <a:lnTo>
+                  <a:pt x="237060" y="1227080"/>
+                </a:lnTo>
+                <a:lnTo>
+                  <a:pt x="218488" y="1106065"/>
+                </a:lnTo>
+                <a:lnTo>
+                  <a:pt x="198221" y="982940"/>
+                </a:lnTo>
+                <a:lnTo>
+                  <a:pt x="177152" y="858755"/>
+                </a:lnTo>
+                <a:lnTo>
+                  <a:pt x="155551" y="736861"/>
+                </a:lnTo>
+                <a:lnTo>
+                  <a:pt x="131782" y="613645"/>
+                </a:lnTo>
+                <a:lnTo>
+                  <a:pt x="107123" y="490500"/>
+                </a:lnTo>
+                <a:lnTo>
+                  <a:pt x="82552" y="367348"/>
+                </a:lnTo>
+                <a:lnTo>
+                  <a:pt x="55608" y="244762"/>
+                </a:lnTo>
+                <a:lnTo>
+                  <a:pt x="28130" y="122220"/>
+                </a:lnTo>
+                <a:lnTo>
+                  <a:pt x="0" y="0"/>
+                </a:lnTo>
+                <a:close/>
+              </a:path>
+            </a:pathLst>
+          </a:custGeom>
+          <a:solidFill>
+            <a:schemeClr val="tx1">
+              <a:alpha val="20000"/>
+            </a:schemeClr>
+          </a:solidFill>
+          <a:ln>
+            <a:noFill/>
+          </a:ln>
+        </p:spPr>
+        <p:txBody>
+          <a:bodyPr rtlCol="0" anchor="ctr"/>
+          <a:lstStyle/>
+          <a:p>
+            <a:pPr algn="ctr"/>
+            <a:endParaRPr lang="en-US"/>
+          </a:p>
+        </p:txBody>
+      </p:sp>
+      <p:sp>
+        <p:nvSpPr>
+          <p:cNvPr id="63" name="Freeform 5">
+            <a:extLst>
+              <a:ext uri="{FF2B5EF4-FFF2-40B4-BE49-F238E27FC236}">
+                <a16:creationId xmlns:a16="http://schemas.microsoft.com/office/drawing/2014/main" id="{58C66FD6-0DB8-4459-871E-DCAA6B99FFCB}"/>
+              </a:ext>
+            </a:extLst>
+          </p:cNvPr>
+          <p:cNvSpPr>
+            <a:spLocks noGrp="1" noRot="1" noChangeAspect="1" noMove="1" noResize="1" noEditPoints="1" noAdjustHandles="1" noChangeArrowheads="1" noChangeShapeType="1" noTextEdit="1"/>
+          </p:cNvSpPr>
+          <p:nvPr>
+            <p:extLst>
+              <p:ext uri="{386F3935-93C4-4BCD-93E2-E3B085C9AB24}">
+                <p16:designElem xmlns:p16="http://schemas.microsoft.com/office/powerpoint/2015/main" val="1"/>
+              </p:ext>
+            </p:extLst>
+          </p:nvPr>
+        </p:nvSpPr>
+        <p:spPr bwMode="gray">
+          <a:xfrm rot="5400000" flipH="1">
+            <a:off x="3708596" y="2756642"/>
+            <a:ext cx="6858000" cy="1344715"/>
+          </a:xfrm>
+          <a:custGeom>
+            <a:avLst/>
+            <a:gdLst/>
+            <a:ahLst/>
+            <a:cxnLst/>
+            <a:rect l="l" t="t" r="r" b="b"/>
+            <a:pathLst>
+              <a:path w="10000" h="8000">
+                <a:moveTo>
+                  <a:pt x="0" y="0"/>
+                </a:moveTo>
+                <a:lnTo>
+                  <a:pt x="0" y="7970"/>
+                </a:lnTo>
+                <a:lnTo>
+                  <a:pt x="10000" y="8000"/>
+                </a:lnTo>
+                <a:lnTo>
+                  <a:pt x="10000" y="7"/>
+                </a:lnTo>
+                <a:lnTo>
+                  <a:pt x="10000" y="7"/>
+                </a:lnTo>
+                <a:lnTo>
+                  <a:pt x="9773" y="156"/>
+                </a:lnTo>
+                <a:lnTo>
+                  <a:pt x="9547" y="298"/>
+                </a:lnTo>
+                <a:lnTo>
+                  <a:pt x="9320" y="437"/>
+                </a:lnTo>
+                <a:lnTo>
+                  <a:pt x="9092" y="556"/>
+                </a:lnTo>
+                <a:lnTo>
+                  <a:pt x="8865" y="676"/>
+                </a:lnTo>
+                <a:lnTo>
+                  <a:pt x="8637" y="788"/>
+                </a:lnTo>
+                <a:lnTo>
+                  <a:pt x="8412" y="884"/>
+                </a:lnTo>
+                <a:lnTo>
+                  <a:pt x="8184" y="975"/>
+                </a:lnTo>
+                <a:lnTo>
+                  <a:pt x="7957" y="1058"/>
+                </a:lnTo>
+                <a:lnTo>
+                  <a:pt x="7734" y="1130"/>
+                </a:lnTo>
+                <a:lnTo>
+                  <a:pt x="7508" y="1202"/>
+                </a:lnTo>
+                <a:lnTo>
+                  <a:pt x="7285" y="1262"/>
+                </a:lnTo>
+                <a:lnTo>
+                  <a:pt x="7062" y="1309"/>
+                </a:lnTo>
+                <a:lnTo>
+                  <a:pt x="6840" y="1358"/>
+                </a:lnTo>
+                <a:lnTo>
+                  <a:pt x="6620" y="1399"/>
+                </a:lnTo>
+                <a:lnTo>
+                  <a:pt x="6402" y="1428"/>
+                </a:lnTo>
+                <a:lnTo>
+                  <a:pt x="6184" y="1453"/>
+                </a:lnTo>
+                <a:lnTo>
+                  <a:pt x="5968" y="1477"/>
+                </a:lnTo>
+                <a:lnTo>
+                  <a:pt x="5755" y="1488"/>
+                </a:lnTo>
+                <a:lnTo>
+                  <a:pt x="5542" y="1500"/>
+                </a:lnTo>
+                <a:lnTo>
+                  <a:pt x="5332" y="1506"/>
+                </a:lnTo>
+                <a:lnTo>
+                  <a:pt x="5124" y="1500"/>
+                </a:lnTo>
+                <a:lnTo>
+                  <a:pt x="4918" y="1500"/>
+                </a:lnTo>
+                <a:lnTo>
+                  <a:pt x="4714" y="1488"/>
+                </a:lnTo>
+                <a:lnTo>
+                  <a:pt x="4514" y="1470"/>
+                </a:lnTo>
+                <a:lnTo>
+                  <a:pt x="4316" y="1453"/>
+                </a:lnTo>
+                <a:lnTo>
+                  <a:pt x="4122" y="1434"/>
+                </a:lnTo>
+                <a:lnTo>
+                  <a:pt x="3929" y="1405"/>
+                </a:lnTo>
+                <a:lnTo>
+                  <a:pt x="3739" y="1374"/>
+                </a:lnTo>
+                <a:lnTo>
+                  <a:pt x="3553" y="1346"/>
+                </a:lnTo>
+                <a:lnTo>
+                  <a:pt x="3190" y="1267"/>
+                </a:lnTo>
+                <a:lnTo>
+                  <a:pt x="2842" y="1183"/>
+                </a:lnTo>
+                <a:lnTo>
+                  <a:pt x="2508" y="1095"/>
+                </a:lnTo>
+                <a:lnTo>
+                  <a:pt x="2192" y="998"/>
+                </a:lnTo>
+                <a:lnTo>
+                  <a:pt x="1890" y="897"/>
+                </a:lnTo>
+                <a:lnTo>
+                  <a:pt x="1610" y="788"/>
+                </a:lnTo>
+                <a:lnTo>
+                  <a:pt x="1347" y="681"/>
+                </a:lnTo>
+                <a:lnTo>
+                  <a:pt x="1105" y="574"/>
+                </a:lnTo>
+                <a:lnTo>
+                  <a:pt x="883" y="473"/>
+                </a:lnTo>
+                <a:lnTo>
+                  <a:pt x="686" y="377"/>
+                </a:lnTo>
+                <a:lnTo>
+                  <a:pt x="508" y="286"/>
+                </a:lnTo>
+                <a:lnTo>
+                  <a:pt x="358" y="210"/>
+                </a:lnTo>
+                <a:lnTo>
+                  <a:pt x="232" y="138"/>
+                </a:lnTo>
+                <a:lnTo>
+                  <a:pt x="59" y="35"/>
+                </a:lnTo>
+                <a:lnTo>
+                  <a:pt x="0" y="0"/>
+                </a:lnTo>
+                <a:lnTo>
+                  <a:pt x="0" y="0"/>
+                </a:lnTo>
+                <a:close/>
+              </a:path>
+            </a:pathLst>
+          </a:custGeom>
+          <a:solidFill>
+            <a:srgbClr val="FFFFFF"/>
+          </a:solidFill>
+          <a:ln>
+            <a:noFill/>
+          </a:ln>
+        </p:spPr>
+      </p:sp>
+      <p:pic>
+        <p:nvPicPr>
+          <p:cNvPr id="5" name="Picture 4">
+            <a:extLst>
+              <a:ext uri="{FF2B5EF4-FFF2-40B4-BE49-F238E27FC236}">
+                <a16:creationId xmlns:a16="http://schemas.microsoft.com/office/drawing/2014/main" id="{43A386D2-30CE-41B7-8DBA-A7E9FDC8D8C8}"/>
+              </a:ext>
+            </a:extLst>
+          </p:cNvPr>
+          <p:cNvPicPr>
+            <a:picLocks noChangeAspect="1"/>
+          </p:cNvPicPr>
+          <p:nvPr/>
+        </p:nvPicPr>
+        <p:blipFill>
+          <a:blip r:embed="rId7"/>
+          <a:stretch>
+            <a:fillRect/>
+          </a:stretch>
+        </p:blipFill>
+        <p:spPr>
+          <a:xfrm>
+            <a:off x="154176" y="113528"/>
+            <a:ext cx="3349586" cy="3444306"/>
+          </a:xfrm>
+          <a:prstGeom prst="rect">
+            <a:avLst/>
+          </a:prstGeom>
+          <a:effectLst/>
+        </p:spPr>
+      </p:pic>
+      <p:pic>
+        <p:nvPicPr>
+          <p:cNvPr id="4" name="Picture 3">
+            <a:extLst>
+              <a:ext uri="{FF2B5EF4-FFF2-40B4-BE49-F238E27FC236}">
+                <a16:creationId xmlns:a16="http://schemas.microsoft.com/office/drawing/2014/main" id="{4D8BC62F-9028-4CD0-B1C3-EADAF4436DEC}"/>
+              </a:ext>
+            </a:extLst>
+          </p:cNvPr>
+          <p:cNvPicPr>
+            <a:picLocks noChangeAspect="1"/>
+          </p:cNvPicPr>
+          <p:nvPr/>
+        </p:nvPicPr>
+        <p:blipFill>
+          <a:blip r:embed="rId8"/>
+          <a:stretch>
+            <a:fillRect/>
+          </a:stretch>
+        </p:blipFill>
+        <p:spPr>
+          <a:xfrm>
+            <a:off x="3515782" y="308698"/>
+            <a:ext cx="3954585" cy="3400943"/>
+          </a:xfrm>
+          <a:prstGeom prst="rect">
+            <a:avLst/>
+          </a:prstGeom>
+          <a:effectLst/>
+        </p:spPr>
+      </p:pic>
+      <p:pic>
+        <p:nvPicPr>
+          <p:cNvPr id="6" name="Picture 5">
+            <a:extLst>
+              <a:ext uri="{FF2B5EF4-FFF2-40B4-BE49-F238E27FC236}">
+                <a16:creationId xmlns:a16="http://schemas.microsoft.com/office/drawing/2014/main" id="{753D48DB-4599-4DA2-B901-F8DE815B5979}"/>
+              </a:ext>
+            </a:extLst>
+          </p:cNvPr>
+          <p:cNvPicPr>
+            <a:picLocks noChangeAspect="1"/>
+          </p:cNvPicPr>
+          <p:nvPr/>
+        </p:nvPicPr>
+        <p:blipFill>
+          <a:blip r:embed="rId9"/>
+          <a:stretch>
+            <a:fillRect/>
+          </a:stretch>
+        </p:blipFill>
+        <p:spPr>
+          <a:xfrm>
+            <a:off x="648748" y="3627197"/>
+            <a:ext cx="6475346" cy="2687269"/>
+          </a:xfrm>
+          <a:prstGeom prst="rect">
+            <a:avLst/>
+          </a:prstGeom>
+          <a:effectLst/>
+        </p:spPr>
+      </p:pic>
+      <p:sp>
+        <p:nvSpPr>
           <p:cNvPr id="2" name="Title 1">
             <a:extLst>
               <a:ext uri="{FF2B5EF4-FFF2-40B4-BE49-F238E27FC236}">
-                <a16:creationId xmlns:a16="http://schemas.microsoft.com/office/drawing/2014/main" id="{5679AF82-672C-4815-BBC3-B0AF43111038}"/>
+                <a16:creationId xmlns:a16="http://schemas.microsoft.com/office/drawing/2014/main" id="{DFBBFE5F-0AAD-4A5D-AB09-16A65A387EFF}"/>
               </a:ext>
             </a:extLst>
           </p:cNvPr>
@@ -7604,76 +11664,21 @@
             <p:ph type="title"/>
           </p:nvPr>
         </p:nvSpPr>
-        <p:spPr/>
-        <p:txBody>
-          <a:bodyPr/>
+        <p:spPr>
+          <a:xfrm>
+            <a:off x="8210623" y="1447800"/>
+            <a:ext cx="3333676" cy="3096987"/>
+          </a:xfrm>
+        </p:spPr>
+        <p:txBody>
+          <a:bodyPr vert="horz" lIns="91440" tIns="45720" rIns="91440" bIns="45720" rtlCol="0" anchor="b">
+            <a:normAutofit/>
+          </a:bodyPr>
           <a:lstStyle/>
           <a:p>
             <a:r>
-              <a:rPr lang="en-US" dirty="0"/>
-              <a:t>Models To Evaluate</a:t>
-            </a:r>
-          </a:p>
-        </p:txBody>
-      </p:sp>
-      <p:sp>
-        <p:nvSpPr>
-          <p:cNvPr id="3" name="Content Placeholder 2">
-            <a:extLst>
-              <a:ext uri="{FF2B5EF4-FFF2-40B4-BE49-F238E27FC236}">
-                <a16:creationId xmlns:a16="http://schemas.microsoft.com/office/drawing/2014/main" id="{0239F6B2-69DD-46CF-B5A4-B7BF6B254C5F}"/>
-              </a:ext>
-            </a:extLst>
-          </p:cNvPr>
-          <p:cNvSpPr>
-            <a:spLocks noGrp="1"/>
-          </p:cNvSpPr>
-          <p:nvPr>
-            <p:ph idx="1"/>
-          </p:nvPr>
-        </p:nvSpPr>
-        <p:spPr/>
-        <p:txBody>
-          <a:bodyPr/>
-          <a:lstStyle/>
-          <a:p>
-            <a:r>
-              <a:rPr lang="en-US" dirty="0"/>
-              <a:t>ARIMA</a:t>
-            </a:r>
-          </a:p>
-          <a:p>
-            <a:r>
-              <a:rPr lang="en-US" dirty="0" err="1"/>
-              <a:t>FBProphet</a:t>
-            </a:r>
-            <a:r>
-              <a:rPr lang="en-US" dirty="0"/>
-              <a:t> – Timeseries analysis, software provided by Facebook</a:t>
-            </a:r>
-          </a:p>
-          <a:p>
-            <a:r>
-              <a:rPr lang="en-US" dirty="0"/>
-              <a:t>Linear Regression</a:t>
-            </a:r>
-          </a:p>
-          <a:p>
-            <a:r>
-              <a:rPr lang="en-US" dirty="0"/>
-              <a:t>Ridge Regression</a:t>
-            </a:r>
-          </a:p>
-          <a:p>
-            <a:r>
-              <a:rPr lang="en-US" dirty="0"/>
-              <a:t>Lasso Regression</a:t>
-            </a:r>
-          </a:p>
-          <a:p>
-            <a:r>
-              <a:rPr lang="en-US" dirty="0"/>
-              <a:t>XGB Boost – Linear Regression</a:t>
+              <a:rPr lang="en-US" sz="4600"/>
+              <a:t>Exploratory</a:t>
             </a:r>
           </a:p>
         </p:txBody>
@@ -7681,7 +11686,7 @@
     </p:spTree>
     <p:extLst>
       <p:ext uri="{BB962C8B-B14F-4D97-AF65-F5344CB8AC3E}">
-        <p14:creationId xmlns:p14="http://schemas.microsoft.com/office/powerpoint/2010/main" val="2357289827"/>
+        <p14:creationId xmlns:p14="http://schemas.microsoft.com/office/powerpoint/2010/main" val="2653239483"/>
       </p:ext>
     </p:extLst>
   </p:cSld>
@@ -7713,7 +11718,7 @@
           <p:cNvPr id="2" name="Title 1">
             <a:extLst>
               <a:ext uri="{FF2B5EF4-FFF2-40B4-BE49-F238E27FC236}">
-                <a16:creationId xmlns:a16="http://schemas.microsoft.com/office/drawing/2014/main" id="{742D7BF7-CA0C-4774-80FA-B92A1BCAAC16}"/>
+                <a16:creationId xmlns:a16="http://schemas.microsoft.com/office/drawing/2014/main" id="{5679AF82-672C-4815-BBC3-B0AF43111038}"/>
               </a:ext>
             </a:extLst>
           </p:cNvPr>
@@ -7731,7 +11736,7 @@
           <a:p>
             <a:r>
               <a:rPr lang="en-US" dirty="0"/>
-              <a:t>Model Selection</a:t>
+              <a:t>Models To Evaluate</a:t>
             </a:r>
           </a:p>
         </p:txBody>
@@ -7741,7 +11746,7 @@
           <p:cNvPr id="3" name="Content Placeholder 2">
             <a:extLst>
               <a:ext uri="{FF2B5EF4-FFF2-40B4-BE49-F238E27FC236}">
-                <a16:creationId xmlns:a16="http://schemas.microsoft.com/office/drawing/2014/main" id="{8F0FFEDD-11D8-42C3-9729-4ECEADAFFFE6}"/>
+                <a16:creationId xmlns:a16="http://schemas.microsoft.com/office/drawing/2014/main" id="{0239F6B2-69DD-46CF-B5A4-B7BF6B254C5F}"/>
               </a:ext>
             </a:extLst>
           </p:cNvPr>
@@ -7757,14 +11762,51 @@
           <a:bodyPr/>
           <a:lstStyle/>
           <a:p>
-            <a:endParaRPr lang="en-US"/>
+            <a:r>
+              <a:rPr lang="en-US" dirty="0"/>
+              <a:t>ARIMA</a:t>
+            </a:r>
+          </a:p>
+          <a:p>
+            <a:r>
+              <a:rPr lang="en-US" dirty="0" err="1"/>
+              <a:t>FBProphet</a:t>
+            </a:r>
+            <a:r>
+              <a:rPr lang="en-US" dirty="0"/>
+              <a:t> – Timeseries analysis, software provided by Facebook</a:t>
+            </a:r>
+          </a:p>
+          <a:p>
+            <a:r>
+              <a:rPr lang="en-US" dirty="0"/>
+              <a:t>Linear Regression</a:t>
+            </a:r>
+          </a:p>
+          <a:p>
+            <a:r>
+              <a:rPr lang="en-US" dirty="0"/>
+              <a:t>Ridge Regression</a:t>
+            </a:r>
+          </a:p>
+          <a:p>
+            <a:r>
+              <a:rPr lang="en-US" dirty="0"/>
+              <a:t>Lasso Regression</a:t>
+            </a:r>
+          </a:p>
+          <a:p>
+            <a:r>
+              <a:rPr lang="en-US" dirty="0"/>
+              <a:t>XGB Boost – Linear Regression</a:t>
+            </a:r>
           </a:p>
         </p:txBody>
       </p:sp>
     </p:spTree>
     <p:extLst>
       <p:ext uri="{BB962C8B-B14F-4D97-AF65-F5344CB8AC3E}">
-        <p14:creationId xmlns:p14="http://schemas.microsoft.com/office/powerpoint/2010/main" val="2188148499"/>
+        <p14:creationId xmlns:p14="http://schemas.microsoft.com/office/powerpoint/2010/main" val="2357289827"/>
       </p:ext>
     </p:extLst>
   </p:cSld>
@@ -7793,10 +11835,286 @@
       </p:grpSpPr>
       <p:sp>
         <p:nvSpPr>
+          <p:cNvPr id="11" name="Rectangle 10">
+            <a:extLst>
+              <a:ext uri="{FF2B5EF4-FFF2-40B4-BE49-F238E27FC236}">
+                <a16:creationId xmlns:a16="http://schemas.microsoft.com/office/drawing/2014/main" id="{965429AA-CC0E-479E-A72B-8B79A92CC2B5}"/>
+              </a:ext>
+            </a:extLst>
+          </p:cNvPr>
+          <p:cNvSpPr>
+            <a:spLocks noGrp="1" noRot="1" noChangeAspect="1" noMove="1" noResize="1" noEditPoints="1" noAdjustHandles="1" noChangeArrowheads="1" noChangeShapeType="1" noTextEdit="1"/>
+          </p:cNvSpPr>
+          <p:nvPr>
+            <p:extLst>
+              <p:ext uri="{386F3935-93C4-4BCD-93E2-E3B085C9AB24}">
+                <p16:designElem xmlns:p16="http://schemas.microsoft.com/office/powerpoint/2015/main" val="1"/>
+              </p:ext>
+            </p:extLst>
+          </p:nvPr>
+        </p:nvSpPr>
+        <p:spPr>
+          <a:xfrm>
+            <a:off x="6092950" y="0"/>
+            <a:ext cx="6099050" cy="6858000"/>
+          </a:xfrm>
+          <a:prstGeom prst="rect">
+            <a:avLst/>
+          </a:prstGeom>
+          <a:solidFill>
+            <a:srgbClr val="FFFFFF"/>
+          </a:solidFill>
+          <a:ln>
+            <a:noFill/>
+          </a:ln>
+        </p:spPr>
+        <p:style>
+          <a:lnRef idx="2">
+            <a:schemeClr val="accent1">
+              <a:shade val="50000"/>
+            </a:schemeClr>
+          </a:lnRef>
+          <a:fillRef idx="1">
+            <a:schemeClr val="accent1"/>
+          </a:fillRef>
+          <a:effectRef idx="0">
+            <a:schemeClr val="accent1"/>
+          </a:effectRef>
+          <a:fontRef idx="minor">
+            <a:schemeClr val="lt1"/>
+          </a:fontRef>
+        </p:style>
+        <p:txBody>
+          <a:bodyPr rtlCol="0" anchor="ctr"/>
+          <a:lstStyle/>
+          <a:p>
+            <a:pPr algn="ctr"/>
+            <a:endParaRPr lang="en-US"/>
+          </a:p>
+        </p:txBody>
+      </p:sp>
+      <p:sp>
+        <p:nvSpPr>
+          <p:cNvPr id="13" name="Rounded Rectangle 24">
+            <a:extLst>
+              <a:ext uri="{FF2B5EF4-FFF2-40B4-BE49-F238E27FC236}">
+                <a16:creationId xmlns:a16="http://schemas.microsoft.com/office/drawing/2014/main" id="{C0B41A3B-1F09-4915-A2B4-AE09B719EE06}"/>
+              </a:ext>
+            </a:extLst>
+          </p:cNvPr>
+          <p:cNvSpPr>
+            <a:spLocks noGrp="1" noRot="1" noChangeAspect="1" noMove="1" noResize="1" noEditPoints="1" noAdjustHandles="1" noChangeArrowheads="1" noChangeShapeType="1" noTextEdit="1"/>
+          </p:cNvSpPr>
+          <p:nvPr>
+            <p:extLst>
+              <p:ext uri="{386F3935-93C4-4BCD-93E2-E3B085C9AB24}">
+                <p16:designElem xmlns:p16="http://schemas.microsoft.com/office/powerpoint/2015/main" val="1"/>
+              </p:ext>
+            </p:extLst>
+          </p:nvPr>
+        </p:nvSpPr>
+        <p:spPr>
+          <a:xfrm>
+            <a:off x="6577582" y="484632"/>
+            <a:ext cx="5130204" cy="5739187"/>
+          </a:xfrm>
+          <a:prstGeom prst="roundRect">
+            <a:avLst>
+              <a:gd name="adj" fmla="val 0"/>
+            </a:avLst>
+          </a:prstGeom>
+          <a:solidFill>
+            <a:schemeClr val="tx1"/>
+          </a:solidFill>
+          <a:ln w="12700">
+            <a:solidFill>
+              <a:schemeClr val="tx2">
+                <a:lumMod val="75000"/>
+              </a:schemeClr>
+            </a:solidFill>
+          </a:ln>
+          <a:effectLst>
+            <a:outerShdw blurRad="50800" dist="50800" dir="5400000" algn="tl" rotWithShape="0">
+              <a:srgbClr val="000000">
+                <a:alpha val="43000"/>
+              </a:srgbClr>
+            </a:outerShdw>
+          </a:effectLst>
+        </p:spPr>
+        <p:style>
+          <a:lnRef idx="2">
+            <a:schemeClr val="accent1">
+              <a:shade val="50000"/>
+            </a:schemeClr>
+          </a:lnRef>
+          <a:fillRef idx="1">
+            <a:schemeClr val="accent1"/>
+          </a:fillRef>
+          <a:effectRef idx="0">
+            <a:schemeClr val="accent1"/>
+          </a:effectRef>
+          <a:fontRef idx="minor">
+            <a:schemeClr val="lt1"/>
+          </a:fontRef>
+        </p:style>
+        <p:txBody>
+          <a:bodyPr rtlCol="0" anchor="ctr"/>
+          <a:lstStyle/>
+          <a:p>
+            <a:pPr algn="ctr"/>
+            <a:endParaRPr lang="en-US"/>
+          </a:p>
+        </p:txBody>
+      </p:sp>
+      <p:pic>
+        <p:nvPicPr>
+          <p:cNvPr id="5" name="Picture 4">
+            <a:extLst>
+              <a:ext uri="{FF2B5EF4-FFF2-40B4-BE49-F238E27FC236}">
+                <a16:creationId xmlns:a16="http://schemas.microsoft.com/office/drawing/2014/main" id="{4D20BA68-19F1-4E64-B9B2-FCC48B5B3872}"/>
+              </a:ext>
+            </a:extLst>
+          </p:cNvPr>
+          <p:cNvPicPr>
+            <a:picLocks noChangeAspect="1"/>
+          </p:cNvPicPr>
+          <p:nvPr/>
+        </p:nvPicPr>
+        <p:blipFill>
+          <a:blip r:embed="rId2"/>
+          <a:stretch>
+            <a:fillRect/>
+          </a:stretch>
+        </p:blipFill>
+        <p:spPr>
+          <a:xfrm>
+            <a:off x="7233919" y="967430"/>
+            <a:ext cx="1652812" cy="2383125"/>
+          </a:xfrm>
+          <a:prstGeom prst="rect">
+            <a:avLst/>
+          </a:prstGeom>
+          <a:effectLst/>
+        </p:spPr>
+      </p:pic>
+      <p:pic>
+        <p:nvPicPr>
+          <p:cNvPr id="4" name="Picture 3">
+            <a:extLst>
+              <a:ext uri="{FF2B5EF4-FFF2-40B4-BE49-F238E27FC236}">
+                <a16:creationId xmlns:a16="http://schemas.microsoft.com/office/drawing/2014/main" id="{8322382F-4F31-4824-A5CC-82722A90E974}"/>
+              </a:ext>
+            </a:extLst>
+          </p:cNvPr>
+          <p:cNvPicPr>
+            <a:picLocks noChangeAspect="1"/>
+          </p:cNvPicPr>
+          <p:nvPr/>
+        </p:nvPicPr>
+        <p:blipFill>
+          <a:blip r:embed="rId3"/>
+          <a:stretch>
+            <a:fillRect/>
+          </a:stretch>
+        </p:blipFill>
+        <p:spPr>
+          <a:xfrm>
+            <a:off x="9068359" y="1260868"/>
+            <a:ext cx="2457798" cy="2012685"/>
+          </a:xfrm>
+          <a:prstGeom prst="rect">
+            <a:avLst/>
+          </a:prstGeom>
+          <a:effectLst/>
+        </p:spPr>
+      </p:pic>
+      <p:sp>
+        <p:nvSpPr>
+          <p:cNvPr id="15" name="Rectangle 14">
+            <a:extLst>
+              <a:ext uri="{FF2B5EF4-FFF2-40B4-BE49-F238E27FC236}">
+                <a16:creationId xmlns:a16="http://schemas.microsoft.com/office/drawing/2014/main" id="{BDA9EBA3-5F2D-4F50-A23B-D56365CBC00B}"/>
+              </a:ext>
+            </a:extLst>
+          </p:cNvPr>
+          <p:cNvSpPr>
+            <a:spLocks noGrp="1" noRot="1" noChangeAspect="1" noMove="1" noResize="1" noEditPoints="1" noAdjustHandles="1" noChangeArrowheads="1" noChangeShapeType="1" noTextEdit="1"/>
+          </p:cNvSpPr>
+          <p:nvPr>
+            <p:extLst>
+              <p:ext uri="{386F3935-93C4-4BCD-93E2-E3B085C9AB24}">
+                <p16:designElem xmlns:p16="http://schemas.microsoft.com/office/powerpoint/2015/main" val="1"/>
+              </p:ext>
+            </p:extLst>
+          </p:nvPr>
+        </p:nvSpPr>
+        <p:spPr>
+          <a:xfrm>
+            <a:off x="10442448" y="0"/>
+            <a:ext cx="685800" cy="1143000"/>
+          </a:xfrm>
+          <a:prstGeom prst="rect">
+            <a:avLst/>
+          </a:prstGeom>
+          <a:solidFill>
+            <a:schemeClr val="accent1"/>
+          </a:solidFill>
+          <a:ln>
+            <a:noFill/>
+          </a:ln>
+        </p:spPr>
+        <p:style>
+          <a:lnRef idx="1">
+            <a:schemeClr val="accent1"/>
+          </a:lnRef>
+          <a:fillRef idx="3">
+            <a:schemeClr val="accent1"/>
+          </a:fillRef>
+          <a:effectRef idx="2">
+            <a:schemeClr val="accent1"/>
+          </a:effectRef>
+          <a:fontRef idx="minor">
+            <a:schemeClr val="lt1"/>
+          </a:fontRef>
+        </p:style>
+      </p:sp>
+      <p:pic>
+        <p:nvPicPr>
+          <p:cNvPr id="6" name="Picture 5">
+            <a:extLst>
+              <a:ext uri="{FF2B5EF4-FFF2-40B4-BE49-F238E27FC236}">
+                <a16:creationId xmlns:a16="http://schemas.microsoft.com/office/drawing/2014/main" id="{55F5423A-1822-43BF-B01C-B234719BB76E}"/>
+              </a:ext>
+            </a:extLst>
+          </p:cNvPr>
+          <p:cNvPicPr>
+            <a:picLocks noChangeAspect="1"/>
+          </p:cNvPicPr>
+          <p:nvPr/>
+        </p:nvPicPr>
+        <p:blipFill>
+          <a:blip r:embed="rId4"/>
+          <a:stretch>
+            <a:fillRect/>
+          </a:stretch>
+        </p:blipFill>
+        <p:spPr>
+          <a:xfrm>
+            <a:off x="7057608" y="3797162"/>
+            <a:ext cx="4163991" cy="1655185"/>
+          </a:xfrm>
+          <a:prstGeom prst="rect">
+            <a:avLst/>
+          </a:prstGeom>
+          <a:effectLst/>
+        </p:spPr>
+      </p:pic>
+      <p:sp>
+        <p:nvSpPr>
           <p:cNvPr id="2" name="Title 1">
             <a:extLst>
               <a:ext uri="{FF2B5EF4-FFF2-40B4-BE49-F238E27FC236}">
-                <a16:creationId xmlns:a16="http://schemas.microsoft.com/office/drawing/2014/main" id="{15C5F191-0189-48D0-BA9C-1FF22BB46B7B}"/>
+                <a16:creationId xmlns:a16="http://schemas.microsoft.com/office/drawing/2014/main" id="{742D7BF7-CA0C-4774-80FA-B92A1BCAAC16}"/>
               </a:ext>
             </a:extLst>
           </p:cNvPr>
@@ -7807,14 +12125,21 @@
             <p:ph type="title"/>
           </p:nvPr>
         </p:nvSpPr>
-        <p:spPr/>
-        <p:txBody>
-          <a:bodyPr/>
+        <p:spPr>
+          <a:xfrm>
+            <a:off x="646112" y="452718"/>
+            <a:ext cx="4798176" cy="1400530"/>
+          </a:xfrm>
+        </p:spPr>
+        <p:txBody>
+          <a:bodyPr>
+            <a:normAutofit/>
+          </a:bodyPr>
           <a:lstStyle/>
           <a:p>
             <a:r>
               <a:rPr lang="en-US" dirty="0"/>
-              <a:t>Results</a:t>
+              <a:t>Arima Model</a:t>
             </a:r>
           </a:p>
         </p:txBody>
@@ -7824,7 +12149,7 @@
           <p:cNvPr id="3" name="Content Placeholder 2">
             <a:extLst>
               <a:ext uri="{FF2B5EF4-FFF2-40B4-BE49-F238E27FC236}">
-                <a16:creationId xmlns:a16="http://schemas.microsoft.com/office/drawing/2014/main" id="{202007BA-94B6-4A0D-86C0-14E176031610}"/>
+                <a16:creationId xmlns:a16="http://schemas.microsoft.com/office/drawing/2014/main" id="{8F0FFEDD-11D8-42C3-9729-4ECEADAFFFE6}"/>
               </a:ext>
             </a:extLst>
           </p:cNvPr>
@@ -7835,19 +12160,68 @@
             <p:ph idx="1"/>
           </p:nvPr>
         </p:nvSpPr>
-        <p:spPr/>
-        <p:txBody>
-          <a:bodyPr/>
+        <p:spPr>
+          <a:xfrm>
+            <a:off x="646113" y="2052918"/>
+            <a:ext cx="4797676" cy="4195481"/>
+          </a:xfrm>
+        </p:spPr>
+        <p:txBody>
+          <a:bodyPr>
+            <a:normAutofit/>
+          </a:bodyPr>
           <a:lstStyle/>
           <a:p>
-            <a:endParaRPr lang="en-US"/>
+            <a:r>
+              <a:rPr lang="en-US" dirty="0"/>
+              <a:t>Model Tuning Using Iteration:</a:t>
+            </a:r>
+          </a:p>
+          <a:p>
+            <a:pPr lvl="1"/>
+            <a:r>
+              <a:rPr lang="en-US" dirty="0"/>
+              <a:t>ARIMA(</a:t>
+            </a:r>
+            <a:r>
+              <a:rPr lang="en-US" dirty="0" err="1"/>
+              <a:t>p,d,q</a:t>
+            </a:r>
+            <a:r>
+              <a:rPr lang="en-US" dirty="0"/>
+              <a:t>)</a:t>
+            </a:r>
+          </a:p>
+          <a:p>
+            <a:pPr lvl="1"/>
+            <a:r>
+              <a:rPr lang="en-US" dirty="0"/>
+              <a:t>p = number of autoregressive terms to use</a:t>
+            </a:r>
+          </a:p>
+          <a:p>
+            <a:pPr lvl="1"/>
+            <a:r>
+              <a:rPr lang="en-US" dirty="0"/>
+              <a:t>d = number of differences to achieve stationary data (required)</a:t>
+            </a:r>
+          </a:p>
+          <a:p>
+            <a:pPr lvl="1"/>
+            <a:r>
+              <a:rPr lang="en-US" dirty="0"/>
+              <a:t>q = number of lagged forecast error</a:t>
+            </a:r>
+          </a:p>
+          <a:p>
+            <a:endParaRPr lang="en-US" dirty="0"/>
           </a:p>
         </p:txBody>
       </p:sp>
     </p:spTree>
     <p:extLst>
       <p:ext uri="{BB962C8B-B14F-4D97-AF65-F5344CB8AC3E}">
-        <p14:creationId xmlns:p14="http://schemas.microsoft.com/office/powerpoint/2010/main" val="1477519237"/>
+        <p14:creationId xmlns:p14="http://schemas.microsoft.com/office/powerpoint/2010/main" val="2188148499"/>
       </p:ext>
     </p:extLst>
   </p:cSld>
